--- a/htmlSchulung.pptx
+++ b/htmlSchulung.pptx
@@ -328,7 +328,7 @@
           <a:p>
             <a:fld id="{BE2D71F2-CD9B-7C46-8D66-54734C07EE34}" type="datetimeFigureOut">
               <a:rPr lang="de-DE" smtClean="0"/>
-              <a:t>27.03.19</a:t>
+              <a:t>29.03.19</a:t>
             </a:fld>
             <a:endParaRPr lang="de-DE"/>
           </a:p>
@@ -461,7 +461,7 @@
           <a:p>
             <a:fld id="{60940F8C-0819-D64A-BC61-6EB4B2E2912A}" type="slidenum">
               <a:rPr lang="de-DE" smtClean="0"/>
-              <a:t>‹#›</a:t>
+              <a:t>‹Nr.›</a:t>
             </a:fld>
             <a:endParaRPr lang="de-DE"/>
           </a:p>
@@ -1516,7 +1516,7 @@
           <a:p>
             <a:fld id="{97F8442F-7EFF-D846-8D33-E60C8BAB8488}" type="datetimeFigureOut">
               <a:rPr lang="de-DE" smtClean="0"/>
-              <a:t>27.03.19</a:t>
+              <a:t>29.03.19</a:t>
             </a:fld>
             <a:endParaRPr lang="de-DE"/>
           </a:p>
@@ -1563,7 +1563,7 @@
           <a:p>
             <a:fld id="{D90341C6-B83F-F944-B0DF-A5D91789E42C}" type="slidenum">
               <a:rPr lang="de-DE" smtClean="0"/>
-              <a:t>‹#›</a:t>
+              <a:t>‹Nr.›</a:t>
             </a:fld>
             <a:endParaRPr lang="de-DE"/>
           </a:p>
@@ -1935,7 +1935,7 @@
           <a:p>
             <a:fld id="{97F8442F-7EFF-D846-8D33-E60C8BAB8488}" type="datetimeFigureOut">
               <a:rPr lang="de-DE" smtClean="0"/>
-              <a:t>27.03.19</a:t>
+              <a:t>29.03.19</a:t>
             </a:fld>
             <a:endParaRPr lang="de-DE"/>
           </a:p>
@@ -1982,7 +1982,7 @@
           <a:p>
             <a:fld id="{D90341C6-B83F-F944-B0DF-A5D91789E42C}" type="slidenum">
               <a:rPr lang="de-DE" smtClean="0"/>
-              <a:t>‹#›</a:t>
+              <a:t>‹Nr.›</a:t>
             </a:fld>
             <a:endParaRPr lang="de-DE"/>
           </a:p>
@@ -2276,7 +2276,7 @@
           <a:p>
             <a:fld id="{97F8442F-7EFF-D846-8D33-E60C8BAB8488}" type="datetimeFigureOut">
               <a:rPr lang="de-DE" smtClean="0"/>
-              <a:t>27.03.19</a:t>
+              <a:t>29.03.19</a:t>
             </a:fld>
             <a:endParaRPr lang="de-DE"/>
           </a:p>
@@ -2323,7 +2323,7 @@
           <a:p>
             <a:fld id="{D90341C6-B83F-F944-B0DF-A5D91789E42C}" type="slidenum">
               <a:rPr lang="de-DE" smtClean="0"/>
-              <a:t>‹#›</a:t>
+              <a:t>‹Nr.›</a:t>
             </a:fld>
             <a:endParaRPr lang="de-DE"/>
           </a:p>
@@ -2691,7 +2691,7 @@
           <a:p>
             <a:fld id="{97F8442F-7EFF-D846-8D33-E60C8BAB8488}" type="datetimeFigureOut">
               <a:rPr lang="de-DE" smtClean="0"/>
-              <a:t>27.03.19</a:t>
+              <a:t>29.03.19</a:t>
             </a:fld>
             <a:endParaRPr lang="de-DE"/>
           </a:p>
@@ -2738,7 +2738,7 @@
           <a:p>
             <a:fld id="{D90341C6-B83F-F944-B0DF-A5D91789E42C}" type="slidenum">
               <a:rPr lang="de-DE" smtClean="0"/>
-              <a:t>‹#›</a:t>
+              <a:t>‹Nr.›</a:t>
             </a:fld>
             <a:endParaRPr lang="de-DE"/>
           </a:p>
@@ -3264,7 +3264,7 @@
           <a:p>
             <a:fld id="{97F8442F-7EFF-D846-8D33-E60C8BAB8488}" type="datetimeFigureOut">
               <a:rPr lang="de-DE" smtClean="0"/>
-              <a:t>27.03.19</a:t>
+              <a:t>29.03.19</a:t>
             </a:fld>
             <a:endParaRPr lang="de-DE"/>
           </a:p>
@@ -3311,7 +3311,7 @@
           <a:p>
             <a:fld id="{D90341C6-B83F-F944-B0DF-A5D91789E42C}" type="slidenum">
               <a:rPr lang="de-DE" smtClean="0"/>
-              <a:t>‹#›</a:t>
+              <a:t>‹Nr.›</a:t>
             </a:fld>
             <a:endParaRPr lang="de-DE"/>
           </a:p>
@@ -3975,7 +3975,7 @@
           <a:p>
             <a:fld id="{97F8442F-7EFF-D846-8D33-E60C8BAB8488}" type="datetimeFigureOut">
               <a:rPr lang="de-DE" smtClean="0"/>
-              <a:t>27.03.19</a:t>
+              <a:t>29.03.19</a:t>
             </a:fld>
             <a:endParaRPr lang="de-DE"/>
           </a:p>
@@ -4017,7 +4017,7 @@
           <a:p>
             <a:fld id="{D90341C6-B83F-F944-B0DF-A5D91789E42C}" type="slidenum">
               <a:rPr lang="de-DE" smtClean="0"/>
-              <a:t>‹#›</a:t>
+              <a:t>‹Nr.›</a:t>
             </a:fld>
             <a:endParaRPr lang="de-DE"/>
           </a:p>
@@ -4918,7 +4918,7 @@
           <a:p>
             <a:fld id="{97F8442F-7EFF-D846-8D33-E60C8BAB8488}" type="datetimeFigureOut">
               <a:rPr lang="de-DE" smtClean="0"/>
-              <a:t>27.03.19</a:t>
+              <a:t>29.03.19</a:t>
             </a:fld>
             <a:endParaRPr lang="de-DE"/>
           </a:p>
@@ -4960,7 +4960,7 @@
           <a:p>
             <a:fld id="{D90341C6-B83F-F944-B0DF-A5D91789E42C}" type="slidenum">
               <a:rPr lang="de-DE" smtClean="0"/>
-              <a:t>‹#›</a:t>
+              <a:t>‹Nr.›</a:t>
             </a:fld>
             <a:endParaRPr lang="de-DE"/>
           </a:p>
@@ -5207,7 +5207,7 @@
           <a:p>
             <a:fld id="{97F8442F-7EFF-D846-8D33-E60C8BAB8488}" type="datetimeFigureOut">
               <a:rPr lang="de-DE" smtClean="0"/>
-              <a:t>27.03.19</a:t>
+              <a:t>29.03.19</a:t>
             </a:fld>
             <a:endParaRPr lang="de-DE"/>
           </a:p>
@@ -5249,7 +5249,7 @@
           <a:p>
             <a:fld id="{D90341C6-B83F-F944-B0DF-A5D91789E42C}" type="slidenum">
               <a:rPr lang="de-DE" smtClean="0"/>
-              <a:t>‹#›</a:t>
+              <a:t>‹Nr.›</a:t>
             </a:fld>
             <a:endParaRPr lang="de-DE"/>
           </a:p>
@@ -5447,7 +5447,7 @@
           <a:p>
             <a:fld id="{97F8442F-7EFF-D846-8D33-E60C8BAB8488}" type="datetimeFigureOut">
               <a:rPr lang="de-DE" smtClean="0"/>
-              <a:t>27.03.19</a:t>
+              <a:t>29.03.19</a:t>
             </a:fld>
             <a:endParaRPr lang="de-DE"/>
           </a:p>
@@ -5503,7 +5503,7 @@
           <a:p>
             <a:fld id="{D90341C6-B83F-F944-B0DF-A5D91789E42C}" type="slidenum">
               <a:rPr lang="de-DE" smtClean="0"/>
-              <a:t>‹#›</a:t>
+              <a:t>‹Nr.›</a:t>
             </a:fld>
             <a:endParaRPr lang="de-DE"/>
           </a:p>
@@ -5746,7 +5746,7 @@
           <a:p>
             <a:fld id="{97F8442F-7EFF-D846-8D33-E60C8BAB8488}" type="datetimeFigureOut">
               <a:rPr lang="de-DE" smtClean="0"/>
-              <a:t>27.03.19</a:t>
+              <a:t>29.03.19</a:t>
             </a:fld>
             <a:endParaRPr lang="de-DE"/>
           </a:p>
@@ -5788,7 +5788,7 @@
           <a:p>
             <a:fld id="{D90341C6-B83F-F944-B0DF-A5D91789E42C}" type="slidenum">
               <a:rPr lang="de-DE" smtClean="0"/>
-              <a:t>‹#›</a:t>
+              <a:t>‹Nr.›</a:t>
             </a:fld>
             <a:endParaRPr lang="de-DE"/>
           </a:p>
@@ -6140,7 +6140,7 @@
           <a:p>
             <a:fld id="{97F8442F-7EFF-D846-8D33-E60C8BAB8488}" type="datetimeFigureOut">
               <a:rPr lang="de-DE" smtClean="0"/>
-              <a:t>27.03.19</a:t>
+              <a:t>29.03.19</a:t>
             </a:fld>
             <a:endParaRPr lang="de-DE"/>
           </a:p>
@@ -6187,7 +6187,7 @@
           <a:p>
             <a:fld id="{D90341C6-B83F-F944-B0DF-A5D91789E42C}" type="slidenum">
               <a:rPr lang="de-DE" smtClean="0"/>
-              <a:t>‹#›</a:t>
+              <a:t>‹Nr.›</a:t>
             </a:fld>
             <a:endParaRPr lang="de-DE"/>
           </a:p>
@@ -6468,7 +6468,7 @@
           <a:p>
             <a:fld id="{97F8442F-7EFF-D846-8D33-E60C8BAB8488}" type="datetimeFigureOut">
               <a:rPr lang="de-DE" smtClean="0"/>
-              <a:t>27.03.19</a:t>
+              <a:t>29.03.19</a:t>
             </a:fld>
             <a:endParaRPr lang="de-DE"/>
           </a:p>
@@ -6510,7 +6510,7 @@
           <a:p>
             <a:fld id="{D90341C6-B83F-F944-B0DF-A5D91789E42C}" type="slidenum">
               <a:rPr lang="de-DE" smtClean="0"/>
-              <a:t>‹#›</a:t>
+              <a:t>‹Nr.›</a:t>
             </a:fld>
             <a:endParaRPr lang="de-DE"/>
           </a:p>
@@ -6936,7 +6936,7 @@
           <a:p>
             <a:fld id="{97F8442F-7EFF-D846-8D33-E60C8BAB8488}" type="datetimeFigureOut">
               <a:rPr lang="de-DE" smtClean="0"/>
-              <a:t>27.03.19</a:t>
+              <a:t>29.03.19</a:t>
             </a:fld>
             <a:endParaRPr lang="de-DE"/>
           </a:p>
@@ -6978,7 +6978,7 @@
           <a:p>
             <a:fld id="{D90341C6-B83F-F944-B0DF-A5D91789E42C}" type="slidenum">
               <a:rPr lang="de-DE" smtClean="0"/>
-              <a:t>‹#›</a:t>
+              <a:t>‹Nr.›</a:t>
             </a:fld>
             <a:endParaRPr lang="de-DE"/>
           </a:p>
@@ -7193,7 +7193,7 @@
           <a:p>
             <a:fld id="{97F8442F-7EFF-D846-8D33-E60C8BAB8488}" type="datetimeFigureOut">
               <a:rPr lang="de-DE" smtClean="0"/>
-              <a:t>27.03.19</a:t>
+              <a:t>29.03.19</a:t>
             </a:fld>
             <a:endParaRPr lang="de-DE"/>
           </a:p>
@@ -7235,7 +7235,7 @@
           <a:p>
             <a:fld id="{D90341C6-B83F-F944-B0DF-A5D91789E42C}" type="slidenum">
               <a:rPr lang="de-DE" smtClean="0"/>
-              <a:t>‹#›</a:t>
+              <a:t>‹Nr.›</a:t>
             </a:fld>
             <a:endParaRPr lang="de-DE"/>
           </a:p>
@@ -7356,7 +7356,7 @@
           <a:p>
             <a:fld id="{97F8442F-7EFF-D846-8D33-E60C8BAB8488}" type="datetimeFigureOut">
               <a:rPr lang="de-DE" smtClean="0"/>
-              <a:t>27.03.19</a:t>
+              <a:t>29.03.19</a:t>
             </a:fld>
             <a:endParaRPr lang="de-DE"/>
           </a:p>
@@ -7398,7 +7398,7 @@
           <a:p>
             <a:fld id="{D90341C6-B83F-F944-B0DF-A5D91789E42C}" type="slidenum">
               <a:rPr lang="de-DE" smtClean="0"/>
-              <a:t>‹#›</a:t>
+              <a:t>‹Nr.›</a:t>
             </a:fld>
             <a:endParaRPr lang="de-DE"/>
           </a:p>
@@ -7727,7 +7727,7 @@
           <a:p>
             <a:fld id="{97F8442F-7EFF-D846-8D33-E60C8BAB8488}" type="datetimeFigureOut">
               <a:rPr lang="de-DE" smtClean="0"/>
-              <a:t>27.03.19</a:t>
+              <a:t>29.03.19</a:t>
             </a:fld>
             <a:endParaRPr lang="de-DE"/>
           </a:p>
@@ -7769,7 +7769,7 @@
           <a:p>
             <a:fld id="{D90341C6-B83F-F944-B0DF-A5D91789E42C}" type="slidenum">
               <a:rPr lang="de-DE" smtClean="0"/>
-              <a:t>‹#›</a:t>
+              <a:t>‹Nr.›</a:t>
             </a:fld>
             <a:endParaRPr lang="de-DE"/>
           </a:p>
@@ -8141,7 +8141,7 @@
           <a:p>
             <a:fld id="{97F8442F-7EFF-D846-8D33-E60C8BAB8488}" type="datetimeFigureOut">
               <a:rPr lang="de-DE" smtClean="0"/>
-              <a:t>27.03.19</a:t>
+              <a:t>29.03.19</a:t>
             </a:fld>
             <a:endParaRPr lang="de-DE"/>
           </a:p>
@@ -8183,7 +8183,7 @@
           <a:p>
             <a:fld id="{D90341C6-B83F-F944-B0DF-A5D91789E42C}" type="slidenum">
               <a:rPr lang="de-DE" smtClean="0"/>
-              <a:t>‹#›</a:t>
+              <a:t>‹Nr.›</a:t>
             </a:fld>
             <a:endParaRPr lang="de-DE"/>
           </a:p>
@@ -8361,7 +8361,7 @@
           <a:p>
             <a:fld id="{97F8442F-7EFF-D846-8D33-E60C8BAB8488}" type="datetimeFigureOut">
               <a:rPr lang="de-DE" smtClean="0"/>
-              <a:t>27.03.19</a:t>
+              <a:t>29.03.19</a:t>
             </a:fld>
             <a:endParaRPr lang="de-DE"/>
           </a:p>
@@ -8439,7 +8439,7 @@
           <a:p>
             <a:fld id="{D90341C6-B83F-F944-B0DF-A5D91789E42C}" type="slidenum">
               <a:rPr lang="de-DE" smtClean="0"/>
-              <a:t>‹#›</a:t>
+              <a:t>‹Nr.›</a:t>
             </a:fld>
             <a:endParaRPr lang="de-DE"/>
           </a:p>
@@ -24361,17 +24361,617 @@
             </a:r>
             <a:r>
               <a:rPr lang="de-CH" dirty="0"/>
-              <a:t> und die Schreib-Reihenfolge ergibt sich, welche CSS Regeln auf das Element angewendet werden. </a:t>
-            </a:r>
-          </a:p>
+              <a:t> und die Schreib-Reihenfolge ergibt sich, welche CSS Regeln auf das Element angewendet werden.</a:t>
+            </a:r>
+          </a:p>
+          <a:p>
+            <a:endParaRPr lang="de-DE" dirty="0"/>
+          </a:p>
+        </p:txBody>
+      </p:sp>
+      <p:sp>
+        <p:nvSpPr>
+          <p:cNvPr id="4" name="Rechteck 11">
+            <a:extLst>
+              <a:ext uri="{FF2B5EF4-FFF2-40B4-BE49-F238E27FC236}">
+                <a16:creationId xmlns:a16="http://schemas.microsoft.com/office/drawing/2014/main" id="{5D604810-5E03-544C-9951-0B1E1F9C2F48}"/>
+              </a:ext>
+            </a:extLst>
+          </p:cNvPr>
+          <p:cNvSpPr txBox="1">
+            <a:spLocks/>
+          </p:cNvSpPr>
+          <p:nvPr/>
+        </p:nvSpPr>
+        <p:spPr>
+          <a:xfrm>
+            <a:off x="4908983" y="4289275"/>
+            <a:ext cx="3453687" cy="2149621"/>
+          </a:xfrm>
+          <a:prstGeom prst="rect">
+            <a:avLst/>
+          </a:prstGeom>
+        </p:spPr>
+        <p:style>
+          <a:lnRef idx="2">
+            <a:schemeClr val="accent6"/>
+          </a:lnRef>
+          <a:fillRef idx="1">
+            <a:schemeClr val="lt1"/>
+          </a:fillRef>
+          <a:effectRef idx="0">
+            <a:schemeClr val="accent6"/>
+          </a:effectRef>
+          <a:fontRef idx="minor">
+            <a:schemeClr val="dk1"/>
+          </a:fontRef>
+        </p:style>
+        <p:txBody>
+          <a:bodyPr vert="horz" lIns="91440" tIns="45720" rIns="91440" bIns="45720" rtlCol="0" anchor="t">
+            <a:noAutofit/>
+          </a:bodyPr>
+          <a:lstStyle>
+            <a:lvl1pPr marL="228600" indent="-228600" algn="l" defTabSz="914400" rtl="0" eaLnBrk="1" latinLnBrk="0" hangingPunct="1">
+              <a:lnSpc>
+                <a:spcPct val="90000"/>
+              </a:lnSpc>
+              <a:spcBef>
+                <a:spcPts val="1000"/>
+              </a:spcBef>
+              <a:buFont typeface="Arial" panose="020B0604020202020204" pitchFamily="34" charset="0"/>
+              <a:buChar char="•"/>
+              <a:defRPr sz="2400" kern="1200">
+                <a:solidFill>
+                  <a:schemeClr val="dk1"/>
+                </a:solidFill>
+                <a:latin typeface="+mn-lt"/>
+                <a:ea typeface="+mn-ea"/>
+                <a:cs typeface="+mn-cs"/>
+              </a:defRPr>
+            </a:lvl1pPr>
+            <a:lvl2pPr marL="685800" indent="-228600" algn="l" defTabSz="914400" rtl="0" eaLnBrk="1" latinLnBrk="0" hangingPunct="1">
+              <a:lnSpc>
+                <a:spcPct val="90000"/>
+              </a:lnSpc>
+              <a:spcBef>
+                <a:spcPts val="500"/>
+              </a:spcBef>
+              <a:buFont typeface="Arial" panose="020B0604020202020204" pitchFamily="34" charset="0"/>
+              <a:buChar char="•"/>
+              <a:defRPr sz="2000" kern="1200">
+                <a:solidFill>
+                  <a:schemeClr val="dk1"/>
+                </a:solidFill>
+                <a:latin typeface="+mn-lt"/>
+                <a:ea typeface="+mn-ea"/>
+                <a:cs typeface="+mn-cs"/>
+              </a:defRPr>
+            </a:lvl2pPr>
+            <a:lvl3pPr marL="1143000" indent="-228600" algn="l" defTabSz="914400" rtl="0" eaLnBrk="1" latinLnBrk="0" hangingPunct="1">
+              <a:lnSpc>
+                <a:spcPct val="90000"/>
+              </a:lnSpc>
+              <a:spcBef>
+                <a:spcPts val="500"/>
+              </a:spcBef>
+              <a:buFont typeface="Arial" panose="020B0604020202020204" pitchFamily="34" charset="0"/>
+              <a:buChar char="•"/>
+              <a:defRPr sz="1800" kern="1200">
+                <a:solidFill>
+                  <a:schemeClr val="dk1"/>
+                </a:solidFill>
+                <a:latin typeface="+mn-lt"/>
+                <a:ea typeface="+mn-ea"/>
+                <a:cs typeface="+mn-cs"/>
+              </a:defRPr>
+            </a:lvl3pPr>
+            <a:lvl4pPr marL="1600200" indent="-228600" algn="l" defTabSz="914400" rtl="0" eaLnBrk="1" latinLnBrk="0" hangingPunct="1">
+              <a:lnSpc>
+                <a:spcPct val="90000"/>
+              </a:lnSpc>
+              <a:spcBef>
+                <a:spcPts val="500"/>
+              </a:spcBef>
+              <a:buFont typeface="Arial" panose="020B0604020202020204" pitchFamily="34" charset="0"/>
+              <a:buChar char="•"/>
+              <a:defRPr sz="1600" kern="1200">
+                <a:solidFill>
+                  <a:schemeClr val="dk1"/>
+                </a:solidFill>
+                <a:latin typeface="+mn-lt"/>
+                <a:ea typeface="+mn-ea"/>
+                <a:cs typeface="+mn-cs"/>
+              </a:defRPr>
+            </a:lvl4pPr>
+            <a:lvl5pPr marL="2057400" indent="-228600" algn="l" defTabSz="914400" rtl="0" eaLnBrk="1" latinLnBrk="0" hangingPunct="1">
+              <a:lnSpc>
+                <a:spcPct val="90000"/>
+              </a:lnSpc>
+              <a:spcBef>
+                <a:spcPts val="500"/>
+              </a:spcBef>
+              <a:buFont typeface="Arial" panose="020B0604020202020204" pitchFamily="34" charset="0"/>
+              <a:buChar char="•"/>
+              <a:defRPr sz="1600" kern="1200">
+                <a:solidFill>
+                  <a:schemeClr val="dk1"/>
+                </a:solidFill>
+                <a:latin typeface="+mn-lt"/>
+                <a:ea typeface="+mn-ea"/>
+                <a:cs typeface="+mn-cs"/>
+              </a:defRPr>
+            </a:lvl5pPr>
+            <a:lvl6pPr marL="2514600" indent="-228600" algn="l" defTabSz="914400" rtl="0" eaLnBrk="1" latinLnBrk="0" hangingPunct="1">
+              <a:lnSpc>
+                <a:spcPct val="90000"/>
+              </a:lnSpc>
+              <a:spcBef>
+                <a:spcPts val="500"/>
+              </a:spcBef>
+              <a:buFont typeface="Arial" panose="020B0604020202020204" pitchFamily="34" charset="0"/>
+              <a:buChar char="•"/>
+              <a:defRPr sz="1400" kern="1200">
+                <a:solidFill>
+                  <a:schemeClr val="dk1"/>
+                </a:solidFill>
+                <a:latin typeface="+mn-lt"/>
+                <a:ea typeface="+mn-ea"/>
+                <a:cs typeface="+mn-cs"/>
+              </a:defRPr>
+            </a:lvl6pPr>
+            <a:lvl7pPr marL="2971800" indent="-228600" algn="l" defTabSz="914400" rtl="0" eaLnBrk="1" latinLnBrk="0" hangingPunct="1">
+              <a:lnSpc>
+                <a:spcPct val="90000"/>
+              </a:lnSpc>
+              <a:spcBef>
+                <a:spcPts val="500"/>
+              </a:spcBef>
+              <a:buFont typeface="Arial" panose="020B0604020202020204" pitchFamily="34" charset="0"/>
+              <a:buChar char="•"/>
+              <a:defRPr sz="1400" kern="1200">
+                <a:solidFill>
+                  <a:schemeClr val="dk1"/>
+                </a:solidFill>
+                <a:latin typeface="+mn-lt"/>
+                <a:ea typeface="+mn-ea"/>
+                <a:cs typeface="+mn-cs"/>
+              </a:defRPr>
+            </a:lvl7pPr>
+            <a:lvl8pPr marL="3429000" indent="-228600" algn="l" defTabSz="914400" rtl="0" eaLnBrk="1" latinLnBrk="0" hangingPunct="1">
+              <a:lnSpc>
+                <a:spcPct val="90000"/>
+              </a:lnSpc>
+              <a:spcBef>
+                <a:spcPts val="500"/>
+              </a:spcBef>
+              <a:buFont typeface="Arial" panose="020B0604020202020204" pitchFamily="34" charset="0"/>
+              <a:buChar char="•"/>
+              <a:defRPr sz="1400" kern="1200">
+                <a:solidFill>
+                  <a:schemeClr val="dk1"/>
+                </a:solidFill>
+                <a:latin typeface="+mn-lt"/>
+                <a:ea typeface="+mn-ea"/>
+                <a:cs typeface="+mn-cs"/>
+              </a:defRPr>
+            </a:lvl8pPr>
+            <a:lvl9pPr marL="3886200" indent="-228600" algn="l" defTabSz="914400" rtl="0" eaLnBrk="1" latinLnBrk="0" hangingPunct="1">
+              <a:lnSpc>
+                <a:spcPct val="90000"/>
+              </a:lnSpc>
+              <a:spcBef>
+                <a:spcPts val="500"/>
+              </a:spcBef>
+              <a:buFont typeface="Arial" panose="020B0604020202020204" pitchFamily="34" charset="0"/>
+              <a:buChar char="•"/>
+              <a:defRPr sz="1400" kern="1200">
+                <a:solidFill>
+                  <a:schemeClr val="dk1"/>
+                </a:solidFill>
+                <a:latin typeface="+mn-lt"/>
+                <a:ea typeface="+mn-ea"/>
+                <a:cs typeface="+mn-cs"/>
+              </a:defRPr>
+            </a:lvl9pPr>
+          </a:lstStyle>
           <a:p>
             <a:pPr marL="0" indent="0">
               <a:buNone/>
             </a:pPr>
-            <a:endParaRPr lang="de-CH" dirty="0"/>
-          </a:p>
-          <a:p>
-            <a:endParaRPr lang="de-DE" dirty="0"/>
+            <a:r>
+              <a:rPr lang="de-CH" sz="1800" dirty="0">
+                <a:latin typeface="Arial" panose="020B0604020202020204" pitchFamily="34" charset="0"/>
+                <a:cs typeface="Arial" panose="020B0604020202020204" pitchFamily="34" charset="0"/>
+              </a:rPr>
+              <a:t>&lt;p </a:t>
+            </a:r>
+            <a:r>
+              <a:rPr lang="de-CH" sz="1800" dirty="0" err="1">
+                <a:latin typeface="Arial" panose="020B0604020202020204" pitchFamily="34" charset="0"/>
+                <a:cs typeface="Arial" panose="020B0604020202020204" pitchFamily="34" charset="0"/>
+              </a:rPr>
+              <a:t>id</a:t>
+            </a:r>
+            <a:r>
+              <a:rPr lang="de-CH" sz="1800" dirty="0">
+                <a:latin typeface="Arial" panose="020B0604020202020204" pitchFamily="34" charset="0"/>
+                <a:cs typeface="Arial" panose="020B0604020202020204" pitchFamily="34" charset="0"/>
+              </a:rPr>
+              <a:t>="</a:t>
+            </a:r>
+            <a:r>
+              <a:rPr lang="de-CH" sz="1800" dirty="0" err="1">
+                <a:latin typeface="Arial" panose="020B0604020202020204" pitchFamily="34" charset="0"/>
+                <a:cs typeface="Arial" panose="020B0604020202020204" pitchFamily="34" charset="0"/>
+              </a:rPr>
+              <a:t>intro</a:t>
+            </a:r>
+            <a:r>
+              <a:rPr lang="de-CH" sz="1800" dirty="0">
+                <a:latin typeface="Arial" panose="020B0604020202020204" pitchFamily="34" charset="0"/>
+                <a:cs typeface="Arial" panose="020B0604020202020204" pitchFamily="34" charset="0"/>
+              </a:rPr>
+              <a:t>" </a:t>
+            </a:r>
+            <a:r>
+              <a:rPr lang="de-CH" sz="1800" dirty="0" err="1">
+                <a:latin typeface="Arial" panose="020B0604020202020204" pitchFamily="34" charset="0"/>
+                <a:cs typeface="Arial" panose="020B0604020202020204" pitchFamily="34" charset="0"/>
+              </a:rPr>
+              <a:t>class</a:t>
+            </a:r>
+            <a:r>
+              <a:rPr lang="de-CH" sz="1800" dirty="0">
+                <a:latin typeface="Arial" panose="020B0604020202020204" pitchFamily="34" charset="0"/>
+                <a:cs typeface="Arial" panose="020B0604020202020204" pitchFamily="34" charset="0"/>
+              </a:rPr>
+              <a:t>="</a:t>
+            </a:r>
+            <a:r>
+              <a:rPr lang="de-CH" sz="1800" dirty="0" err="1">
+                <a:latin typeface="Arial" panose="020B0604020202020204" pitchFamily="34" charset="0"/>
+                <a:cs typeface="Arial" panose="020B0604020202020204" pitchFamily="34" charset="0"/>
+              </a:rPr>
+              <a:t>excerpt</a:t>
+            </a:r>
+            <a:r>
+              <a:rPr lang="de-CH" sz="1800" dirty="0">
+                <a:latin typeface="Arial" panose="020B0604020202020204" pitchFamily="34" charset="0"/>
+                <a:cs typeface="Arial" panose="020B0604020202020204" pitchFamily="34" charset="0"/>
+              </a:rPr>
+              <a:t>"&gt;</a:t>
+            </a:r>
+            <a:br>
+              <a:rPr lang="de-CH" sz="1800" dirty="0">
+                <a:latin typeface="Arial" panose="020B0604020202020204" pitchFamily="34" charset="0"/>
+                <a:cs typeface="Arial" panose="020B0604020202020204" pitchFamily="34" charset="0"/>
+              </a:rPr>
+            </a:br>
+            <a:r>
+              <a:rPr lang="de-CH" sz="1800" dirty="0">
+                <a:latin typeface="Arial" panose="020B0604020202020204" pitchFamily="34" charset="0"/>
+                <a:cs typeface="Arial" panose="020B0604020202020204" pitchFamily="34" charset="0"/>
+              </a:rPr>
+              <a:t>    </a:t>
+            </a:r>
+            <a:r>
+              <a:rPr lang="de-CH" sz="1800" dirty="0" err="1">
+                <a:latin typeface="Arial" panose="020B0604020202020204" pitchFamily="34" charset="0"/>
+                <a:cs typeface="Arial" panose="020B0604020202020204" pitchFamily="34" charset="0"/>
+              </a:rPr>
+              <a:t>Lorem</a:t>
+            </a:r>
+            <a:r>
+              <a:rPr lang="de-CH" sz="1800" dirty="0">
+                <a:latin typeface="Arial" panose="020B0604020202020204" pitchFamily="34" charset="0"/>
+                <a:cs typeface="Arial" panose="020B0604020202020204" pitchFamily="34" charset="0"/>
+              </a:rPr>
+              <a:t> </a:t>
+            </a:r>
+            <a:r>
+              <a:rPr lang="de-CH" sz="1800" dirty="0" err="1">
+                <a:latin typeface="Arial" panose="020B0604020202020204" pitchFamily="34" charset="0"/>
+                <a:cs typeface="Arial" panose="020B0604020202020204" pitchFamily="34" charset="0"/>
+              </a:rPr>
+              <a:t>ipsum</a:t>
+            </a:r>
+            <a:r>
+              <a:rPr lang="de-CH" sz="1800" dirty="0">
+                <a:latin typeface="Arial" panose="020B0604020202020204" pitchFamily="34" charset="0"/>
+                <a:cs typeface="Arial" panose="020B0604020202020204" pitchFamily="34" charset="0"/>
+              </a:rPr>
+              <a:t> </a:t>
+            </a:r>
+            <a:r>
+              <a:rPr lang="de-CH" sz="1800" dirty="0" err="1">
+                <a:latin typeface="Arial" panose="020B0604020202020204" pitchFamily="34" charset="0"/>
+                <a:cs typeface="Arial" panose="020B0604020202020204" pitchFamily="34" charset="0"/>
+              </a:rPr>
+              <a:t>dolor</a:t>
+            </a:r>
+            <a:r>
+              <a:rPr lang="de-CH" sz="1800" dirty="0">
+                <a:latin typeface="Arial" panose="020B0604020202020204" pitchFamily="34" charset="0"/>
+                <a:cs typeface="Arial" panose="020B0604020202020204" pitchFamily="34" charset="0"/>
+              </a:rPr>
+              <a:t> </a:t>
+            </a:r>
+            <a:r>
+              <a:rPr lang="de-CH" sz="1800" dirty="0" err="1">
+                <a:latin typeface="Arial" panose="020B0604020202020204" pitchFamily="34" charset="0"/>
+                <a:cs typeface="Arial" panose="020B0604020202020204" pitchFamily="34" charset="0"/>
+              </a:rPr>
+              <a:t>sit</a:t>
+            </a:r>
+            <a:r>
+              <a:rPr lang="de-CH" sz="1800" dirty="0">
+                <a:latin typeface="Arial" panose="020B0604020202020204" pitchFamily="34" charset="0"/>
+                <a:cs typeface="Arial" panose="020B0604020202020204" pitchFamily="34" charset="0"/>
+              </a:rPr>
+              <a:t> </a:t>
+            </a:r>
+            <a:r>
+              <a:rPr lang="de-CH" sz="1800" dirty="0" err="1">
+                <a:latin typeface="Arial" panose="020B0604020202020204" pitchFamily="34" charset="0"/>
+                <a:cs typeface="Arial" panose="020B0604020202020204" pitchFamily="34" charset="0"/>
+              </a:rPr>
+              <a:t>amet</a:t>
+            </a:r>
+            <a:br>
+              <a:rPr lang="de-CH" sz="1800" dirty="0">
+                <a:latin typeface="Arial" panose="020B0604020202020204" pitchFamily="34" charset="0"/>
+                <a:cs typeface="Arial" panose="020B0604020202020204" pitchFamily="34" charset="0"/>
+              </a:rPr>
+            </a:br>
+            <a:r>
+              <a:rPr lang="de-CH" sz="1800" dirty="0">
+                <a:latin typeface="Arial" panose="020B0604020202020204" pitchFamily="34" charset="0"/>
+                <a:cs typeface="Arial" panose="020B0604020202020204" pitchFamily="34" charset="0"/>
+              </a:rPr>
+              <a:t>&lt;/p&gt;</a:t>
+            </a:r>
+            <a:br>
+              <a:rPr lang="de-CH" sz="1800" dirty="0">
+                <a:latin typeface="Arial" panose="020B0604020202020204" pitchFamily="34" charset="0"/>
+                <a:cs typeface="Arial" panose="020B0604020202020204" pitchFamily="34" charset="0"/>
+              </a:rPr>
+            </a:br>
+            <a:br>
+              <a:rPr lang="de-CH" sz="1800" dirty="0">
+                <a:latin typeface="Arial" panose="020B0604020202020204" pitchFamily="34" charset="0"/>
+                <a:cs typeface="Arial" panose="020B0604020202020204" pitchFamily="34" charset="0"/>
+              </a:rPr>
+            </a:br>
+            <a:br>
+              <a:rPr lang="de-CH" sz="1800" dirty="0">
+                <a:latin typeface="Arial" panose="020B0604020202020204" pitchFamily="34" charset="0"/>
+                <a:cs typeface="Arial" panose="020B0604020202020204" pitchFamily="34" charset="0"/>
+              </a:rPr>
+            </a:br>
+            <a:r>
+              <a:rPr lang="de-CH" sz="1800" dirty="0">
+                <a:latin typeface="Arial" panose="020B0604020202020204" pitchFamily="34" charset="0"/>
+                <a:cs typeface="Arial" panose="020B0604020202020204" pitchFamily="34" charset="0"/>
+              </a:rPr>
+              <a:t> #</a:t>
+            </a:r>
+            <a:r>
+              <a:rPr lang="de-CH" sz="1800" dirty="0" err="1">
+                <a:latin typeface="Arial" panose="020B0604020202020204" pitchFamily="34" charset="0"/>
+                <a:cs typeface="Arial" panose="020B0604020202020204" pitchFamily="34" charset="0"/>
+              </a:rPr>
+              <a:t>intro</a:t>
+            </a:r>
+            <a:r>
+              <a:rPr lang="de-CH" sz="1800" dirty="0">
+                <a:latin typeface="Arial" panose="020B0604020202020204" pitchFamily="34" charset="0"/>
+                <a:cs typeface="Arial" panose="020B0604020202020204" pitchFamily="34" charset="0"/>
+              </a:rPr>
+              <a:t> { </a:t>
+            </a:r>
+            <a:r>
+              <a:rPr lang="de-CH" sz="1800" dirty="0" err="1">
+                <a:latin typeface="Arial" panose="020B0604020202020204" pitchFamily="34" charset="0"/>
+                <a:cs typeface="Arial" panose="020B0604020202020204" pitchFamily="34" charset="0"/>
+              </a:rPr>
+              <a:t>color:blue</a:t>
+            </a:r>
+            <a:r>
+              <a:rPr lang="de-CH" sz="1800" dirty="0">
+                <a:latin typeface="Arial" panose="020B0604020202020204" pitchFamily="34" charset="0"/>
+                <a:cs typeface="Arial" panose="020B0604020202020204" pitchFamily="34" charset="0"/>
+              </a:rPr>
+              <a:t>; } </a:t>
+            </a:r>
+            <a:br>
+              <a:rPr lang="de-CH" sz="1800" dirty="0">
+                <a:latin typeface="Arial" panose="020B0604020202020204" pitchFamily="34" charset="0"/>
+                <a:cs typeface="Arial" panose="020B0604020202020204" pitchFamily="34" charset="0"/>
+              </a:rPr>
+            </a:br>
+            <a:r>
+              <a:rPr lang="de-CH" sz="1800" dirty="0">
+                <a:latin typeface="Arial" panose="020B0604020202020204" pitchFamily="34" charset="0"/>
+                <a:cs typeface="Arial" panose="020B0604020202020204" pitchFamily="34" charset="0"/>
+              </a:rPr>
+              <a:t>.</a:t>
+            </a:r>
+            <a:r>
+              <a:rPr lang="de-CH" sz="1800" dirty="0" err="1">
+                <a:latin typeface="Arial" panose="020B0604020202020204" pitchFamily="34" charset="0"/>
+                <a:cs typeface="Arial" panose="020B0604020202020204" pitchFamily="34" charset="0"/>
+              </a:rPr>
+              <a:t>excerpt</a:t>
+            </a:r>
+            <a:r>
+              <a:rPr lang="de-CH" sz="1800" dirty="0">
+                <a:latin typeface="Arial" panose="020B0604020202020204" pitchFamily="34" charset="0"/>
+                <a:cs typeface="Arial" panose="020B0604020202020204" pitchFamily="34" charset="0"/>
+              </a:rPr>
+              <a:t> { </a:t>
+            </a:r>
+            <a:r>
+              <a:rPr lang="de-CH" sz="1800" dirty="0" err="1">
+                <a:latin typeface="Arial" panose="020B0604020202020204" pitchFamily="34" charset="0"/>
+                <a:cs typeface="Arial" panose="020B0604020202020204" pitchFamily="34" charset="0"/>
+              </a:rPr>
+              <a:t>color:green</a:t>
+            </a:r>
+            <a:r>
+              <a:rPr lang="de-CH" sz="1800" dirty="0">
+                <a:latin typeface="Arial" panose="020B0604020202020204" pitchFamily="34" charset="0"/>
+                <a:cs typeface="Arial" panose="020B0604020202020204" pitchFamily="34" charset="0"/>
+              </a:rPr>
+              <a:t> }</a:t>
+            </a:r>
+            <a:br>
+              <a:rPr lang="de-CH" sz="1800" dirty="0">
+                <a:latin typeface="Arial" panose="020B0604020202020204" pitchFamily="34" charset="0"/>
+                <a:cs typeface="Arial" panose="020B0604020202020204" pitchFamily="34" charset="0"/>
+              </a:rPr>
+            </a:br>
+            <a:r>
+              <a:rPr lang="de-CH" sz="1800" dirty="0">
+                <a:latin typeface="Arial" panose="020B0604020202020204" pitchFamily="34" charset="0"/>
+                <a:cs typeface="Arial" panose="020B0604020202020204" pitchFamily="34" charset="0"/>
+              </a:rPr>
+              <a:t> p { </a:t>
+            </a:r>
+            <a:r>
+              <a:rPr lang="de-CH" sz="1800" dirty="0" err="1">
+                <a:latin typeface="Arial" panose="020B0604020202020204" pitchFamily="34" charset="0"/>
+                <a:cs typeface="Arial" panose="020B0604020202020204" pitchFamily="34" charset="0"/>
+              </a:rPr>
+              <a:t>color:red</a:t>
+            </a:r>
+            <a:r>
+              <a:rPr lang="de-CH" sz="1800" dirty="0">
+                <a:latin typeface="Arial" panose="020B0604020202020204" pitchFamily="34" charset="0"/>
+                <a:cs typeface="Arial" panose="020B0604020202020204" pitchFamily="34" charset="0"/>
+              </a:rPr>
+              <a:t>; }</a:t>
+            </a:r>
+            <a:endParaRPr lang="en-US" sz="1800" dirty="0">
+              <a:effectLst/>
+              <a:latin typeface="Arial" panose="020B0604020202020204" pitchFamily="34" charset="0"/>
+              <a:cs typeface="Arial" panose="020B0604020202020204" pitchFamily="34" charset="0"/>
+            </a:endParaRPr>
+          </a:p>
+        </p:txBody>
+      </p:sp>
+      <p:sp>
+        <p:nvSpPr>
+          <p:cNvPr id="5" name="Textfeld 4">
+            <a:extLst>
+              <a:ext uri="{FF2B5EF4-FFF2-40B4-BE49-F238E27FC236}">
+                <a16:creationId xmlns:a16="http://schemas.microsoft.com/office/drawing/2014/main" id="{4F46F19C-1BBE-094C-BB9A-9254BD2F0084}"/>
+              </a:ext>
+            </a:extLst>
+          </p:cNvPr>
+          <p:cNvSpPr txBox="1"/>
+          <p:nvPr/>
+        </p:nvSpPr>
+        <p:spPr>
+          <a:xfrm>
+            <a:off x="1262899" y="4289275"/>
+            <a:ext cx="3429144" cy="646331"/>
+          </a:xfrm>
+          <a:prstGeom prst="rect">
+            <a:avLst/>
+          </a:prstGeom>
+          <a:noFill/>
+        </p:spPr>
+        <p:txBody>
+          <a:bodyPr wrap="none" rtlCol="0">
+            <a:spAutoFit/>
+          </a:bodyPr>
+          <a:lstStyle/>
+          <a:p>
+            <a:r>
+              <a:rPr lang="de-DE" dirty="0"/>
+              <a:t>Welche Farbe hat</a:t>
+            </a:r>
+            <a:br>
+              <a:rPr lang="de-DE" dirty="0"/>
+            </a:br>
+            <a:r>
+              <a:rPr lang="de-DE" dirty="0"/>
+              <a:t>„</a:t>
+            </a:r>
+            <a:r>
+              <a:rPr lang="de-CH" dirty="0">
+                <a:latin typeface="Arial" panose="020B0604020202020204" pitchFamily="34" charset="0"/>
+                <a:cs typeface="Arial" panose="020B0604020202020204" pitchFamily="34" charset="0"/>
+              </a:rPr>
+              <a:t> </a:t>
+            </a:r>
+            <a:r>
+              <a:rPr lang="de-CH" dirty="0" err="1">
+                <a:latin typeface="Arial" panose="020B0604020202020204" pitchFamily="34" charset="0"/>
+                <a:cs typeface="Arial" panose="020B0604020202020204" pitchFamily="34" charset="0"/>
+              </a:rPr>
+              <a:t>Lorem</a:t>
+            </a:r>
+            <a:r>
+              <a:rPr lang="de-CH" dirty="0">
+                <a:latin typeface="Arial" panose="020B0604020202020204" pitchFamily="34" charset="0"/>
+                <a:cs typeface="Arial" panose="020B0604020202020204" pitchFamily="34" charset="0"/>
+              </a:rPr>
+              <a:t> </a:t>
+            </a:r>
+            <a:r>
+              <a:rPr lang="de-CH" dirty="0" err="1">
+                <a:latin typeface="Arial" panose="020B0604020202020204" pitchFamily="34" charset="0"/>
+                <a:cs typeface="Arial" panose="020B0604020202020204" pitchFamily="34" charset="0"/>
+              </a:rPr>
+              <a:t>ipsum</a:t>
+            </a:r>
+            <a:r>
+              <a:rPr lang="de-CH" dirty="0">
+                <a:latin typeface="Arial" panose="020B0604020202020204" pitchFamily="34" charset="0"/>
+                <a:cs typeface="Arial" panose="020B0604020202020204" pitchFamily="34" charset="0"/>
+              </a:rPr>
+              <a:t> </a:t>
+            </a:r>
+            <a:r>
+              <a:rPr lang="de-CH" dirty="0" err="1">
+                <a:latin typeface="Arial" panose="020B0604020202020204" pitchFamily="34" charset="0"/>
+                <a:cs typeface="Arial" panose="020B0604020202020204" pitchFamily="34" charset="0"/>
+              </a:rPr>
+              <a:t>dolor</a:t>
+            </a:r>
+            <a:r>
+              <a:rPr lang="de-CH" dirty="0">
+                <a:latin typeface="Arial" panose="020B0604020202020204" pitchFamily="34" charset="0"/>
+                <a:cs typeface="Arial" panose="020B0604020202020204" pitchFamily="34" charset="0"/>
+              </a:rPr>
+              <a:t> </a:t>
+            </a:r>
+            <a:r>
+              <a:rPr lang="de-CH" dirty="0" err="1">
+                <a:latin typeface="Arial" panose="020B0604020202020204" pitchFamily="34" charset="0"/>
+                <a:cs typeface="Arial" panose="020B0604020202020204" pitchFamily="34" charset="0"/>
+              </a:rPr>
+              <a:t>sit</a:t>
+            </a:r>
+            <a:r>
+              <a:rPr lang="de-CH" dirty="0">
+                <a:latin typeface="Arial" panose="020B0604020202020204" pitchFamily="34" charset="0"/>
+                <a:cs typeface="Arial" panose="020B0604020202020204" pitchFamily="34" charset="0"/>
+              </a:rPr>
+              <a:t> </a:t>
+            </a:r>
+            <a:r>
+              <a:rPr lang="de-CH" dirty="0" err="1">
+                <a:latin typeface="Arial" panose="020B0604020202020204" pitchFamily="34" charset="0"/>
+                <a:cs typeface="Arial" panose="020B0604020202020204" pitchFamily="34" charset="0"/>
+              </a:rPr>
+              <a:t>amet</a:t>
+            </a:r>
+            <a:r>
+              <a:rPr lang="de-DE" dirty="0"/>
+              <a:t>“ ?</a:t>
+            </a:r>
           </a:p>
         </p:txBody>
       </p:sp>

--- a/htmlSchulung.pptx
+++ b/htmlSchulung.pptx
@@ -5,7 +5,7 @@
     <p:sldMasterId id="2147483660" r:id="rId1"/>
   </p:sldMasterIdLst>
   <p:notesMasterIdLst>
-    <p:notesMasterId r:id="rId114"/>
+    <p:notesMasterId r:id="rId116"/>
   </p:notesMasterIdLst>
   <p:sldIdLst>
     <p:sldId id="256" r:id="rId2"/>
@@ -93,33 +93,35 @@
     <p:sldId id="358" r:id="rId84"/>
     <p:sldId id="356" r:id="rId85"/>
     <p:sldId id="366" r:id="rId86"/>
-    <p:sldId id="325" r:id="rId87"/>
-    <p:sldId id="326" r:id="rId88"/>
-    <p:sldId id="327" r:id="rId89"/>
-    <p:sldId id="328" r:id="rId90"/>
-    <p:sldId id="331" r:id="rId91"/>
-    <p:sldId id="332" r:id="rId92"/>
-    <p:sldId id="334" r:id="rId93"/>
-    <p:sldId id="333" r:id="rId94"/>
-    <p:sldId id="367" r:id="rId95"/>
-    <p:sldId id="368" r:id="rId96"/>
-    <p:sldId id="369" r:id="rId97"/>
-    <p:sldId id="370" r:id="rId98"/>
-    <p:sldId id="329" r:id="rId99"/>
-    <p:sldId id="330" r:id="rId100"/>
-    <p:sldId id="335" r:id="rId101"/>
-    <p:sldId id="336" r:id="rId102"/>
-    <p:sldId id="339" r:id="rId103"/>
-    <p:sldId id="340" r:id="rId104"/>
-    <p:sldId id="341" r:id="rId105"/>
-    <p:sldId id="342" r:id="rId106"/>
-    <p:sldId id="343" r:id="rId107"/>
-    <p:sldId id="344" r:id="rId108"/>
-    <p:sldId id="345" r:id="rId109"/>
-    <p:sldId id="346" r:id="rId110"/>
-    <p:sldId id="337" r:id="rId111"/>
-    <p:sldId id="338" r:id="rId112"/>
-    <p:sldId id="264" r:id="rId113"/>
+    <p:sldId id="371" r:id="rId87"/>
+    <p:sldId id="372" r:id="rId88"/>
+    <p:sldId id="325" r:id="rId89"/>
+    <p:sldId id="326" r:id="rId90"/>
+    <p:sldId id="327" r:id="rId91"/>
+    <p:sldId id="328" r:id="rId92"/>
+    <p:sldId id="331" r:id="rId93"/>
+    <p:sldId id="332" r:id="rId94"/>
+    <p:sldId id="334" r:id="rId95"/>
+    <p:sldId id="333" r:id="rId96"/>
+    <p:sldId id="367" r:id="rId97"/>
+    <p:sldId id="368" r:id="rId98"/>
+    <p:sldId id="369" r:id="rId99"/>
+    <p:sldId id="370" r:id="rId100"/>
+    <p:sldId id="329" r:id="rId101"/>
+    <p:sldId id="330" r:id="rId102"/>
+    <p:sldId id="335" r:id="rId103"/>
+    <p:sldId id="336" r:id="rId104"/>
+    <p:sldId id="339" r:id="rId105"/>
+    <p:sldId id="340" r:id="rId106"/>
+    <p:sldId id="341" r:id="rId107"/>
+    <p:sldId id="342" r:id="rId108"/>
+    <p:sldId id="343" r:id="rId109"/>
+    <p:sldId id="344" r:id="rId110"/>
+    <p:sldId id="345" r:id="rId111"/>
+    <p:sldId id="346" r:id="rId112"/>
+    <p:sldId id="337" r:id="rId113"/>
+    <p:sldId id="338" r:id="rId114"/>
+    <p:sldId id="264" r:id="rId115"/>
   </p:sldIdLst>
   <p:sldSz cx="12192000" cy="6858000"/>
   <p:notesSz cx="6858000" cy="9144000"/>
@@ -328,7 +330,7 @@
           <a:p>
             <a:fld id="{BE2D71F2-CD9B-7C46-8D66-54734C07EE34}" type="datetimeFigureOut">
               <a:rPr lang="de-DE" smtClean="0"/>
-              <a:t>29.03.19</a:t>
+              <a:t>31.03.19</a:t>
             </a:fld>
             <a:endParaRPr lang="de-DE"/>
           </a:p>
@@ -1516,7 +1518,7 @@
           <a:p>
             <a:fld id="{97F8442F-7EFF-D846-8D33-E60C8BAB8488}" type="datetimeFigureOut">
               <a:rPr lang="de-DE" smtClean="0"/>
-              <a:t>29.03.19</a:t>
+              <a:t>31.03.19</a:t>
             </a:fld>
             <a:endParaRPr lang="de-DE"/>
           </a:p>
@@ -1935,7 +1937,7 @@
           <a:p>
             <a:fld id="{97F8442F-7EFF-D846-8D33-E60C8BAB8488}" type="datetimeFigureOut">
               <a:rPr lang="de-DE" smtClean="0"/>
-              <a:t>29.03.19</a:t>
+              <a:t>31.03.19</a:t>
             </a:fld>
             <a:endParaRPr lang="de-DE"/>
           </a:p>
@@ -2276,7 +2278,7 @@
           <a:p>
             <a:fld id="{97F8442F-7EFF-D846-8D33-E60C8BAB8488}" type="datetimeFigureOut">
               <a:rPr lang="de-DE" smtClean="0"/>
-              <a:t>29.03.19</a:t>
+              <a:t>31.03.19</a:t>
             </a:fld>
             <a:endParaRPr lang="de-DE"/>
           </a:p>
@@ -2691,7 +2693,7 @@
           <a:p>
             <a:fld id="{97F8442F-7EFF-D846-8D33-E60C8BAB8488}" type="datetimeFigureOut">
               <a:rPr lang="de-DE" smtClean="0"/>
-              <a:t>29.03.19</a:t>
+              <a:t>31.03.19</a:t>
             </a:fld>
             <a:endParaRPr lang="de-DE"/>
           </a:p>
@@ -3264,7 +3266,7 @@
           <a:p>
             <a:fld id="{97F8442F-7EFF-D846-8D33-E60C8BAB8488}" type="datetimeFigureOut">
               <a:rPr lang="de-DE" smtClean="0"/>
-              <a:t>29.03.19</a:t>
+              <a:t>31.03.19</a:t>
             </a:fld>
             <a:endParaRPr lang="de-DE"/>
           </a:p>
@@ -3975,7 +3977,7 @@
           <a:p>
             <a:fld id="{97F8442F-7EFF-D846-8D33-E60C8BAB8488}" type="datetimeFigureOut">
               <a:rPr lang="de-DE" smtClean="0"/>
-              <a:t>29.03.19</a:t>
+              <a:t>31.03.19</a:t>
             </a:fld>
             <a:endParaRPr lang="de-DE"/>
           </a:p>
@@ -4918,7 +4920,7 @@
           <a:p>
             <a:fld id="{97F8442F-7EFF-D846-8D33-E60C8BAB8488}" type="datetimeFigureOut">
               <a:rPr lang="de-DE" smtClean="0"/>
-              <a:t>29.03.19</a:t>
+              <a:t>31.03.19</a:t>
             </a:fld>
             <a:endParaRPr lang="de-DE"/>
           </a:p>
@@ -5207,7 +5209,7 @@
           <a:p>
             <a:fld id="{97F8442F-7EFF-D846-8D33-E60C8BAB8488}" type="datetimeFigureOut">
               <a:rPr lang="de-DE" smtClean="0"/>
-              <a:t>29.03.19</a:t>
+              <a:t>31.03.19</a:t>
             </a:fld>
             <a:endParaRPr lang="de-DE"/>
           </a:p>
@@ -5447,7 +5449,7 @@
           <a:p>
             <a:fld id="{97F8442F-7EFF-D846-8D33-E60C8BAB8488}" type="datetimeFigureOut">
               <a:rPr lang="de-DE" smtClean="0"/>
-              <a:t>29.03.19</a:t>
+              <a:t>31.03.19</a:t>
             </a:fld>
             <a:endParaRPr lang="de-DE"/>
           </a:p>
@@ -5746,7 +5748,7 @@
           <a:p>
             <a:fld id="{97F8442F-7EFF-D846-8D33-E60C8BAB8488}" type="datetimeFigureOut">
               <a:rPr lang="de-DE" smtClean="0"/>
-              <a:t>29.03.19</a:t>
+              <a:t>31.03.19</a:t>
             </a:fld>
             <a:endParaRPr lang="de-DE"/>
           </a:p>
@@ -6140,7 +6142,7 @@
           <a:p>
             <a:fld id="{97F8442F-7EFF-D846-8D33-E60C8BAB8488}" type="datetimeFigureOut">
               <a:rPr lang="de-DE" smtClean="0"/>
-              <a:t>29.03.19</a:t>
+              <a:t>31.03.19</a:t>
             </a:fld>
             <a:endParaRPr lang="de-DE"/>
           </a:p>
@@ -6468,7 +6470,7 @@
           <a:p>
             <a:fld id="{97F8442F-7EFF-D846-8D33-E60C8BAB8488}" type="datetimeFigureOut">
               <a:rPr lang="de-DE" smtClean="0"/>
-              <a:t>29.03.19</a:t>
+              <a:t>31.03.19</a:t>
             </a:fld>
             <a:endParaRPr lang="de-DE"/>
           </a:p>
@@ -6936,7 +6938,7 @@
           <a:p>
             <a:fld id="{97F8442F-7EFF-D846-8D33-E60C8BAB8488}" type="datetimeFigureOut">
               <a:rPr lang="de-DE" smtClean="0"/>
-              <a:t>29.03.19</a:t>
+              <a:t>31.03.19</a:t>
             </a:fld>
             <a:endParaRPr lang="de-DE"/>
           </a:p>
@@ -7193,7 +7195,7 @@
           <a:p>
             <a:fld id="{97F8442F-7EFF-D846-8D33-E60C8BAB8488}" type="datetimeFigureOut">
               <a:rPr lang="de-DE" smtClean="0"/>
-              <a:t>29.03.19</a:t>
+              <a:t>31.03.19</a:t>
             </a:fld>
             <a:endParaRPr lang="de-DE"/>
           </a:p>
@@ -7356,7 +7358,7 @@
           <a:p>
             <a:fld id="{97F8442F-7EFF-D846-8D33-E60C8BAB8488}" type="datetimeFigureOut">
               <a:rPr lang="de-DE" smtClean="0"/>
-              <a:t>29.03.19</a:t>
+              <a:t>31.03.19</a:t>
             </a:fld>
             <a:endParaRPr lang="de-DE"/>
           </a:p>
@@ -7727,7 +7729,7 @@
           <a:p>
             <a:fld id="{97F8442F-7EFF-D846-8D33-E60C8BAB8488}" type="datetimeFigureOut">
               <a:rPr lang="de-DE" smtClean="0"/>
-              <a:t>29.03.19</a:t>
+              <a:t>31.03.19</a:t>
             </a:fld>
             <a:endParaRPr lang="de-DE"/>
           </a:p>
@@ -8141,7 +8143,7 @@
           <a:p>
             <a:fld id="{97F8442F-7EFF-D846-8D33-E60C8BAB8488}" type="datetimeFigureOut">
               <a:rPr lang="de-DE" smtClean="0"/>
-              <a:t>29.03.19</a:t>
+              <a:t>31.03.19</a:t>
             </a:fld>
             <a:endParaRPr lang="de-DE"/>
           </a:p>
@@ -8361,7 +8363,7 @@
           <a:p>
             <a:fld id="{97F8442F-7EFF-D846-8D33-E60C8BAB8488}" type="datetimeFigureOut">
               <a:rPr lang="de-DE" smtClean="0"/>
-              <a:t>29.03.19</a:t>
+              <a:t>31.03.19</a:t>
             </a:fld>
             <a:endParaRPr lang="de-DE"/>
           </a:p>
@@ -8994,6 +8996,538 @@
           <p:cNvPr id="2" name="Title 1">
             <a:extLst>
               <a:ext uri="{FF2B5EF4-FFF2-40B4-BE49-F238E27FC236}">
+                <a16:creationId xmlns:a16="http://schemas.microsoft.com/office/drawing/2014/main" id="{BD12F5B6-1D4F-FC43-9C9B-58CB5B6D4246}"/>
+              </a:ext>
+            </a:extLst>
+          </p:cNvPr>
+          <p:cNvSpPr>
+            <a:spLocks noGrp="1"/>
+          </p:cNvSpPr>
+          <p:nvPr>
+            <p:ph type="title"/>
+          </p:nvPr>
+        </p:nvSpPr>
+        <p:spPr/>
+        <p:txBody>
+          <a:bodyPr/>
+          <a:lstStyle/>
+          <a:p>
+            <a:r>
+              <a:rPr lang="en-US" dirty="0"/>
+              <a:t>Grid</a:t>
+            </a:r>
+          </a:p>
+        </p:txBody>
+      </p:sp>
+      <p:sp>
+        <p:nvSpPr>
+          <p:cNvPr id="3" name="Content Placeholder 2">
+            <a:extLst>
+              <a:ext uri="{FF2B5EF4-FFF2-40B4-BE49-F238E27FC236}">
+                <a16:creationId xmlns:a16="http://schemas.microsoft.com/office/drawing/2014/main" id="{CC3FAD12-4AE5-964C-9563-4A3588BB2406}"/>
+              </a:ext>
+            </a:extLst>
+          </p:cNvPr>
+          <p:cNvSpPr>
+            <a:spLocks noGrp="1"/>
+          </p:cNvSpPr>
+          <p:nvPr>
+            <p:ph idx="1"/>
+          </p:nvPr>
+        </p:nvSpPr>
+        <p:spPr/>
+        <p:txBody>
+          <a:bodyPr/>
+          <a:lstStyle/>
+          <a:p>
+            <a:r>
+              <a:rPr lang="en-US" dirty="0"/>
+              <a:t>Grid </a:t>
+            </a:r>
+            <a:r>
+              <a:rPr lang="en-US" dirty="0" err="1"/>
+              <a:t>ist</a:t>
+            </a:r>
+            <a:r>
+              <a:rPr lang="en-US" dirty="0"/>
+              <a:t> </a:t>
+            </a:r>
+            <a:r>
+              <a:rPr lang="en-US" dirty="0" err="1"/>
+              <a:t>ein</a:t>
+            </a:r>
+            <a:r>
+              <a:rPr lang="en-US" dirty="0"/>
+              <a:t> </a:t>
+            </a:r>
+            <a:r>
+              <a:rPr lang="en-US" b="1" dirty="0" err="1"/>
+              <a:t>zweidimensionales</a:t>
+            </a:r>
+            <a:r>
+              <a:rPr lang="en-US" dirty="0"/>
+              <a:t> </a:t>
+            </a:r>
+            <a:r>
+              <a:rPr lang="en-US" dirty="0" err="1"/>
+              <a:t>Layoutmodell</a:t>
+            </a:r>
+            <a:br>
+              <a:rPr lang="en-US" dirty="0"/>
+            </a:br>
+            <a:r>
+              <a:rPr lang="en-US" dirty="0" err="1"/>
+              <a:t>Somit</a:t>
+            </a:r>
+            <a:r>
+              <a:rPr lang="en-US" dirty="0"/>
+              <a:t> </a:t>
+            </a:r>
+            <a:r>
+              <a:rPr lang="en-US" dirty="0" err="1"/>
+              <a:t>wäre</a:t>
+            </a:r>
+            <a:r>
+              <a:rPr lang="en-US" dirty="0"/>
+              <a:t> Grid am </a:t>
+            </a:r>
+            <a:r>
+              <a:rPr lang="en-US" dirty="0" err="1"/>
+              <a:t>geeignetsten</a:t>
+            </a:r>
+            <a:r>
+              <a:rPr lang="en-US" dirty="0"/>
+              <a:t> </a:t>
+            </a:r>
+            <a:r>
+              <a:rPr lang="en-US" dirty="0" err="1"/>
+              <a:t>für</a:t>
+            </a:r>
+            <a:r>
+              <a:rPr lang="en-US" dirty="0"/>
+              <a:t> </a:t>
+            </a:r>
+            <a:r>
+              <a:rPr lang="en-US" dirty="0" err="1"/>
+              <a:t>ein</a:t>
+            </a:r>
+            <a:r>
+              <a:rPr lang="en-US" dirty="0"/>
+              <a:t> Overall Layout, </a:t>
+            </a:r>
+            <a:r>
+              <a:rPr lang="en-US" dirty="0" err="1"/>
+              <a:t>wie</a:t>
+            </a:r>
+            <a:r>
+              <a:rPr lang="en-US" dirty="0"/>
+              <a:t> das “Holy Grail”.</a:t>
+            </a:r>
+          </a:p>
+          <a:p>
+            <a:endParaRPr lang="en-US" dirty="0"/>
+          </a:p>
+        </p:txBody>
+      </p:sp>
+      <p:pic>
+        <p:nvPicPr>
+          <p:cNvPr id="5" name="Picture 4">
+            <a:extLst>
+              <a:ext uri="{FF2B5EF4-FFF2-40B4-BE49-F238E27FC236}">
+                <a16:creationId xmlns:a16="http://schemas.microsoft.com/office/drawing/2014/main" id="{DC1A4F37-09E5-6F4F-985B-5CBCB5CDD59B}"/>
+              </a:ext>
+            </a:extLst>
+          </p:cNvPr>
+          <p:cNvPicPr>
+            <a:picLocks noChangeAspect="1"/>
+          </p:cNvPicPr>
+          <p:nvPr/>
+        </p:nvPicPr>
+        <p:blipFill>
+          <a:blip r:embed="rId2"/>
+          <a:stretch>
+            <a:fillRect/>
+          </a:stretch>
+        </p:blipFill>
+        <p:spPr>
+          <a:xfrm>
+            <a:off x="3058160" y="3429000"/>
+            <a:ext cx="4511040" cy="3077174"/>
+          </a:xfrm>
+          <a:prstGeom prst="rect">
+            <a:avLst/>
+          </a:prstGeom>
+        </p:spPr>
+      </p:pic>
+      <p:sp>
+        <p:nvSpPr>
+          <p:cNvPr id="6" name="TextBox 5">
+            <a:extLst>
+              <a:ext uri="{FF2B5EF4-FFF2-40B4-BE49-F238E27FC236}">
+                <a16:creationId xmlns:a16="http://schemas.microsoft.com/office/drawing/2014/main" id="{CA0D84CC-B286-3F4F-A36B-E8A2692654F6}"/>
+              </a:ext>
+            </a:extLst>
+          </p:cNvPr>
+          <p:cNvSpPr txBox="1"/>
+          <p:nvPr/>
+        </p:nvSpPr>
+        <p:spPr>
+          <a:xfrm>
+            <a:off x="1503732" y="3951865"/>
+            <a:ext cx="1170513" cy="369332"/>
+          </a:xfrm>
+          <a:prstGeom prst="rect">
+            <a:avLst/>
+          </a:prstGeom>
+          <a:noFill/>
+        </p:spPr>
+        <p:txBody>
+          <a:bodyPr wrap="none" rtlCol="0">
+            <a:spAutoFit/>
+          </a:bodyPr>
+          <a:lstStyle/>
+          <a:p>
+            <a:r>
+              <a:rPr lang="en-US" dirty="0">
+                <a:solidFill>
+                  <a:schemeClr val="bg1"/>
+                </a:solidFill>
+              </a:rPr>
+              <a:t>container</a:t>
+            </a:r>
+          </a:p>
+        </p:txBody>
+      </p:sp>
+      <p:sp>
+        <p:nvSpPr>
+          <p:cNvPr id="7" name="TextBox 6">
+            <a:extLst>
+              <a:ext uri="{FF2B5EF4-FFF2-40B4-BE49-F238E27FC236}">
+                <a16:creationId xmlns:a16="http://schemas.microsoft.com/office/drawing/2014/main" id="{1B0ABAD5-C265-5D48-971B-CEF3E69D3F39}"/>
+              </a:ext>
+            </a:extLst>
+          </p:cNvPr>
+          <p:cNvSpPr txBox="1"/>
+          <p:nvPr/>
+        </p:nvSpPr>
+        <p:spPr>
+          <a:xfrm>
+            <a:off x="2013487" y="4598255"/>
+            <a:ext cx="660758" cy="369332"/>
+          </a:xfrm>
+          <a:prstGeom prst="rect">
+            <a:avLst/>
+          </a:prstGeom>
+          <a:noFill/>
+        </p:spPr>
+        <p:txBody>
+          <a:bodyPr wrap="none" rtlCol="0">
+            <a:spAutoFit/>
+          </a:bodyPr>
+          <a:lstStyle/>
+          <a:p>
+            <a:r>
+              <a:rPr lang="en-US" dirty="0">
+                <a:solidFill>
+                  <a:schemeClr val="bg1"/>
+                </a:solidFill>
+              </a:rPr>
+              <a:t>item</a:t>
+            </a:r>
+          </a:p>
+        </p:txBody>
+      </p:sp>
+      <p:cxnSp>
+        <p:nvCxnSpPr>
+          <p:cNvPr id="8" name="Gerade Verbindung mit Pfeil 4">
+            <a:extLst>
+              <a:ext uri="{FF2B5EF4-FFF2-40B4-BE49-F238E27FC236}">
+                <a16:creationId xmlns:a16="http://schemas.microsoft.com/office/drawing/2014/main" id="{051D78F4-22C4-DC4A-B5FB-254504E555FA}"/>
+              </a:ext>
+            </a:extLst>
+          </p:cNvPr>
+          <p:cNvCxnSpPr>
+            <a:cxnSpLocks/>
+          </p:cNvCxnSpPr>
+          <p:nvPr/>
+        </p:nvCxnSpPr>
+        <p:spPr>
+          <a:xfrm flipV="1">
+            <a:off x="2674245" y="3728720"/>
+            <a:ext cx="526155" cy="412928"/>
+          </a:xfrm>
+          <a:prstGeom prst="straightConnector1">
+            <a:avLst/>
+          </a:prstGeom>
+          <a:ln w="38100">
+            <a:solidFill>
+              <a:schemeClr val="bg1"/>
+            </a:solidFill>
+            <a:tailEnd type="triangle"/>
+          </a:ln>
+        </p:spPr>
+        <p:style>
+          <a:lnRef idx="1">
+            <a:schemeClr val="dk1"/>
+          </a:lnRef>
+          <a:fillRef idx="0">
+            <a:schemeClr val="dk1"/>
+          </a:fillRef>
+          <a:effectRef idx="0">
+            <a:schemeClr val="dk1"/>
+          </a:effectRef>
+          <a:fontRef idx="minor">
+            <a:schemeClr val="tx1"/>
+          </a:fontRef>
+        </p:style>
+      </p:cxnSp>
+      <p:cxnSp>
+        <p:nvCxnSpPr>
+          <p:cNvPr id="10" name="Gerade Verbindung mit Pfeil 4">
+            <a:extLst>
+              <a:ext uri="{FF2B5EF4-FFF2-40B4-BE49-F238E27FC236}">
+                <a16:creationId xmlns:a16="http://schemas.microsoft.com/office/drawing/2014/main" id="{4448EDFC-1EB3-8C48-83DE-89F403F81BBE}"/>
+              </a:ext>
+            </a:extLst>
+          </p:cNvPr>
+          <p:cNvCxnSpPr>
+            <a:cxnSpLocks/>
+          </p:cNvCxnSpPr>
+          <p:nvPr/>
+        </p:nvCxnSpPr>
+        <p:spPr>
+          <a:xfrm flipV="1">
+            <a:off x="2664085" y="4364793"/>
+            <a:ext cx="1247515" cy="386013"/>
+          </a:xfrm>
+          <a:prstGeom prst="straightConnector1">
+            <a:avLst/>
+          </a:prstGeom>
+          <a:ln w="38100">
+            <a:solidFill>
+              <a:schemeClr val="bg1"/>
+            </a:solidFill>
+            <a:tailEnd type="triangle"/>
+          </a:ln>
+        </p:spPr>
+        <p:style>
+          <a:lnRef idx="1">
+            <a:schemeClr val="dk1"/>
+          </a:lnRef>
+          <a:fillRef idx="0">
+            <a:schemeClr val="dk1"/>
+          </a:fillRef>
+          <a:effectRef idx="0">
+            <a:schemeClr val="dk1"/>
+          </a:effectRef>
+          <a:fontRef idx="minor">
+            <a:schemeClr val="tx1"/>
+          </a:fontRef>
+        </p:style>
+      </p:cxnSp>
+    </p:spTree>
+    <p:extLst>
+      <p:ext uri="{BB962C8B-B14F-4D97-AF65-F5344CB8AC3E}">
+        <p14:creationId xmlns:p14="http://schemas.microsoft.com/office/powerpoint/2010/main" val="80854726"/>
+      </p:ext>
+    </p:extLst>
+  </p:cSld>
+  <p:clrMapOvr>
+    <a:masterClrMapping/>
+  </p:clrMapOvr>
+</p:sld>
+</file>
+
+<file path=ppt/slides/slide101.xml><?xml version="1.0" encoding="utf-8"?>
+<p:sld xmlns:a="http://schemas.openxmlformats.org/drawingml/2006/main" xmlns:r="http://schemas.openxmlformats.org/officeDocument/2006/relationships" xmlns:p="http://schemas.openxmlformats.org/presentationml/2006/main">
+  <p:cSld>
+    <p:spTree>
+      <p:nvGrpSpPr>
+        <p:cNvPr id="1" name=""/>
+        <p:cNvGrpSpPr/>
+        <p:nvPr/>
+      </p:nvGrpSpPr>
+      <p:grpSpPr>
+        <a:xfrm>
+          <a:off x="0" y="0"/>
+          <a:ext cx="0" cy="0"/>
+          <a:chOff x="0" y="0"/>
+          <a:chExt cx="0" cy="0"/>
+        </a:xfrm>
+      </p:grpSpPr>
+      <p:sp>
+        <p:nvSpPr>
+          <p:cNvPr id="2" name="Title 1">
+            <a:extLst>
+              <a:ext uri="{FF2B5EF4-FFF2-40B4-BE49-F238E27FC236}">
+                <a16:creationId xmlns:a16="http://schemas.microsoft.com/office/drawing/2014/main" id="{C57CC73E-83AF-9D48-8780-676E6EE6AB4D}"/>
+              </a:ext>
+            </a:extLst>
+          </p:cNvPr>
+          <p:cNvSpPr>
+            <a:spLocks noGrp="1"/>
+          </p:cNvSpPr>
+          <p:nvPr>
+            <p:ph type="title"/>
+          </p:nvPr>
+        </p:nvSpPr>
+        <p:spPr/>
+        <p:txBody>
+          <a:bodyPr/>
+          <a:lstStyle/>
+          <a:p>
+            <a:r>
+              <a:rPr lang="en-US" dirty="0"/>
+              <a:t>Grid</a:t>
+            </a:r>
+          </a:p>
+        </p:txBody>
+      </p:sp>
+      <p:sp>
+        <p:nvSpPr>
+          <p:cNvPr id="3" name="Content Placeholder 2">
+            <a:extLst>
+              <a:ext uri="{FF2B5EF4-FFF2-40B4-BE49-F238E27FC236}">
+                <a16:creationId xmlns:a16="http://schemas.microsoft.com/office/drawing/2014/main" id="{25799DE7-BC49-E444-A85A-C391B6D9D5F2}"/>
+              </a:ext>
+            </a:extLst>
+          </p:cNvPr>
+          <p:cNvSpPr>
+            <a:spLocks noGrp="1"/>
+          </p:cNvSpPr>
+          <p:nvPr>
+            <p:ph idx="1"/>
+          </p:nvPr>
+        </p:nvSpPr>
+        <p:spPr/>
+        <p:txBody>
+          <a:bodyPr/>
+          <a:lstStyle/>
+          <a:p>
+            <a:r>
+              <a:rPr lang="en-US" dirty="0"/>
+              <a:t>Das Grid Layout </a:t>
+            </a:r>
+            <a:r>
+              <a:rPr lang="en-US" dirty="0" err="1"/>
+              <a:t>wird</a:t>
+            </a:r>
+            <a:r>
+              <a:rPr lang="en-US" dirty="0"/>
+              <a:t> </a:t>
+            </a:r>
+            <a:r>
+              <a:rPr lang="en-US" dirty="0" err="1"/>
+              <a:t>noch</a:t>
+            </a:r>
+            <a:r>
+              <a:rPr lang="en-US" dirty="0"/>
+              <a:t> </a:t>
+            </a:r>
+            <a:r>
+              <a:rPr lang="en-US" dirty="0" err="1"/>
+              <a:t>nicht</a:t>
+            </a:r>
+            <a:r>
+              <a:rPr lang="en-US" dirty="0"/>
+              <a:t> so </a:t>
+            </a:r>
+            <a:r>
+              <a:rPr lang="en-US" dirty="0" err="1"/>
+              <a:t>lange</a:t>
+            </a:r>
+            <a:r>
+              <a:rPr lang="en-US" dirty="0"/>
+              <a:t> von “</a:t>
+            </a:r>
+            <a:r>
+              <a:rPr lang="en-US" dirty="0" err="1"/>
+              <a:t>allen</a:t>
+            </a:r>
+            <a:r>
+              <a:rPr lang="en-US" dirty="0"/>
+              <a:t>” </a:t>
+            </a:r>
+            <a:r>
+              <a:rPr lang="en-US" dirty="0" err="1"/>
+              <a:t>Browsern</a:t>
+            </a:r>
+            <a:r>
+              <a:rPr lang="en-US" dirty="0"/>
+              <a:t> </a:t>
+            </a:r>
+            <a:r>
+              <a:rPr lang="en-US" dirty="0" err="1"/>
+              <a:t>unterstützt</a:t>
+            </a:r>
+            <a:r>
+              <a:rPr lang="en-US" dirty="0"/>
+              <a:t>. Z.B. IE11 </a:t>
+            </a:r>
+            <a:r>
+              <a:rPr lang="en-US" dirty="0" err="1"/>
+              <a:t>unterstützt</a:t>
+            </a:r>
+            <a:r>
+              <a:rPr lang="en-US" dirty="0"/>
+              <a:t> Grid </a:t>
+            </a:r>
+            <a:r>
+              <a:rPr lang="en-US" dirty="0" err="1"/>
+              <a:t>nicht</a:t>
+            </a:r>
+            <a:r>
+              <a:rPr lang="en-US" dirty="0"/>
+              <a:t>.</a:t>
+            </a:r>
+            <a:br>
+              <a:rPr lang="en-US" dirty="0"/>
+            </a:br>
+            <a:r>
+              <a:rPr lang="en-US" dirty="0">
+                <a:hlinkClick r:id="rId2"/>
+              </a:rPr>
+              <a:t>https://caniuse.com/#search=css-grid</a:t>
+            </a:r>
+            <a:endParaRPr lang="en-US" dirty="0"/>
+          </a:p>
+        </p:txBody>
+      </p:sp>
+    </p:spTree>
+    <p:extLst>
+      <p:ext uri="{BB962C8B-B14F-4D97-AF65-F5344CB8AC3E}">
+        <p14:creationId xmlns:p14="http://schemas.microsoft.com/office/powerpoint/2010/main" val="2496049358"/>
+      </p:ext>
+    </p:extLst>
+  </p:cSld>
+  <p:clrMapOvr>
+    <a:masterClrMapping/>
+  </p:clrMapOvr>
+</p:sld>
+</file>
+
+<file path=ppt/slides/slide102.xml><?xml version="1.0" encoding="utf-8"?>
+<p:sld xmlns:a="http://schemas.openxmlformats.org/drawingml/2006/main" xmlns:r="http://schemas.openxmlformats.org/officeDocument/2006/relationships" xmlns:p="http://schemas.openxmlformats.org/presentationml/2006/main">
+  <p:cSld>
+    <p:spTree>
+      <p:nvGrpSpPr>
+        <p:cNvPr id="1" name=""/>
+        <p:cNvGrpSpPr/>
+        <p:nvPr/>
+      </p:nvGrpSpPr>
+      <p:grpSpPr>
+        <a:xfrm>
+          <a:off x="0" y="0"/>
+          <a:ext cx="0" cy="0"/>
+          <a:chOff x="0" y="0"/>
+          <a:chExt cx="0" cy="0"/>
+        </a:xfrm>
+      </p:grpSpPr>
+      <p:sp>
+        <p:nvSpPr>
+          <p:cNvPr id="2" name="Title 1">
+            <a:extLst>
+              <a:ext uri="{FF2B5EF4-FFF2-40B4-BE49-F238E27FC236}">
                 <a16:creationId xmlns:a16="http://schemas.microsoft.com/office/drawing/2014/main" id="{9A6ADDC8-E056-894B-9087-49C0DEA654AA}"/>
               </a:ext>
             </a:extLst>
@@ -9215,7 +9749,7 @@
 </p:sld>
 </file>
 
-<file path=ppt/slides/slide101.xml><?xml version="1.0" encoding="utf-8"?>
+<file path=ppt/slides/slide103.xml><?xml version="1.0" encoding="utf-8"?>
 <p:sld xmlns:a="http://schemas.openxmlformats.org/drawingml/2006/main" xmlns:r="http://schemas.openxmlformats.org/officeDocument/2006/relationships" xmlns:p="http://schemas.openxmlformats.org/presentationml/2006/main">
   <p:cSld>
     <p:spTree>
@@ -9302,470 +9836,6 @@
 </p:sld>
 </file>
 
-<file path=ppt/slides/slide102.xml><?xml version="1.0" encoding="utf-8"?>
-<p:sld xmlns:a="http://schemas.openxmlformats.org/drawingml/2006/main" xmlns:r="http://schemas.openxmlformats.org/officeDocument/2006/relationships" xmlns:p="http://schemas.openxmlformats.org/presentationml/2006/main">
-  <p:cSld>
-    <p:spTree>
-      <p:nvGrpSpPr>
-        <p:cNvPr id="1" name=""/>
-        <p:cNvGrpSpPr/>
-        <p:nvPr/>
-      </p:nvGrpSpPr>
-      <p:grpSpPr>
-        <a:xfrm>
-          <a:off x="0" y="0"/>
-          <a:ext cx="0" cy="0"/>
-          <a:chOff x="0" y="0"/>
-          <a:chExt cx="0" cy="0"/>
-        </a:xfrm>
-      </p:grpSpPr>
-      <p:sp>
-        <p:nvSpPr>
-          <p:cNvPr id="2" name="Title 1">
-            <a:extLst>
-              <a:ext uri="{FF2B5EF4-FFF2-40B4-BE49-F238E27FC236}">
-                <a16:creationId xmlns:a16="http://schemas.microsoft.com/office/drawing/2014/main" id="{9D70707D-CDCD-8E4A-9738-E3DB279BB242}"/>
-              </a:ext>
-            </a:extLst>
-          </p:cNvPr>
-          <p:cNvSpPr>
-            <a:spLocks noGrp="1"/>
-          </p:cNvSpPr>
-          <p:nvPr>
-            <p:ph type="title"/>
-          </p:nvPr>
-        </p:nvSpPr>
-        <p:spPr/>
-        <p:txBody>
-          <a:bodyPr/>
-          <a:lstStyle/>
-          <a:p>
-            <a:r>
-              <a:rPr lang="en-US" dirty="0"/>
-              <a:t>Grid</a:t>
-            </a:r>
-          </a:p>
-        </p:txBody>
-      </p:sp>
-      <p:sp>
-        <p:nvSpPr>
-          <p:cNvPr id="4" name="Inhaltsplatzhalter 3">
-            <a:extLst>
-              <a:ext uri="{FF2B5EF4-FFF2-40B4-BE49-F238E27FC236}">
-                <a16:creationId xmlns:a16="http://schemas.microsoft.com/office/drawing/2014/main" id="{5F467F9B-4189-6546-A21B-AF6B8FA98FE2}"/>
-              </a:ext>
-            </a:extLst>
-          </p:cNvPr>
-          <p:cNvSpPr>
-            <a:spLocks noGrp="1"/>
-          </p:cNvSpPr>
-          <p:nvPr>
-            <p:ph idx="1"/>
-          </p:nvPr>
-        </p:nvSpPr>
-        <p:spPr/>
-        <p:txBody>
-          <a:bodyPr/>
-          <a:lstStyle/>
-          <a:p>
-            <a:r>
-              <a:rPr lang="de-DE" dirty="0" err="1"/>
-              <a:t>Grid</a:t>
-            </a:r>
-            <a:r>
-              <a:rPr lang="de-DE" dirty="0"/>
-              <a:t> Layout auf dem Container (Parent Element) definieren</a:t>
-            </a:r>
-            <a:br>
-              <a:rPr lang="de-DE" dirty="0"/>
-            </a:br>
-            <a:r>
-              <a:rPr lang="de-DE" b="1" dirty="0" err="1"/>
-              <a:t>display</a:t>
-            </a:r>
-            <a:r>
-              <a:rPr lang="de-DE" b="1" dirty="0"/>
-              <a:t>: </a:t>
-            </a:r>
-            <a:r>
-              <a:rPr lang="de-DE" b="1" dirty="0" err="1"/>
-              <a:t>grid</a:t>
-            </a:r>
-            <a:endParaRPr lang="de-DE" b="1" dirty="0"/>
-          </a:p>
-          <a:p>
-            <a:r>
-              <a:rPr lang="de-DE" dirty="0"/>
-              <a:t>Gute Doku:</a:t>
-            </a:r>
-            <a:br>
-              <a:rPr lang="de-DE" dirty="0"/>
-            </a:br>
-            <a:r>
-              <a:rPr lang="de-DE" dirty="0">
-                <a:hlinkClick r:id="rId2"/>
-              </a:rPr>
-              <a:t>https://css-tricks.com/snippets/css/complete-guide-grid/</a:t>
-            </a:r>
-            <a:endParaRPr lang="de-DE" dirty="0"/>
-          </a:p>
-          <a:p>
-            <a:pPr marL="0" indent="0">
-              <a:buNone/>
-            </a:pPr>
-            <a:endParaRPr lang="de-DE" dirty="0"/>
-          </a:p>
-          <a:p>
-            <a:endParaRPr lang="de-DE" dirty="0"/>
-          </a:p>
-        </p:txBody>
-      </p:sp>
-    </p:spTree>
-    <p:extLst>
-      <p:ext uri="{BB962C8B-B14F-4D97-AF65-F5344CB8AC3E}">
-        <p14:creationId xmlns:p14="http://schemas.microsoft.com/office/powerpoint/2010/main" val="366060195"/>
-      </p:ext>
-    </p:extLst>
-  </p:cSld>
-  <p:clrMapOvr>
-    <a:masterClrMapping/>
-  </p:clrMapOvr>
-</p:sld>
-</file>
-
-<file path=ppt/slides/slide103.xml><?xml version="1.0" encoding="utf-8"?>
-<p:sld xmlns:a="http://schemas.openxmlformats.org/drawingml/2006/main" xmlns:r="http://schemas.openxmlformats.org/officeDocument/2006/relationships" xmlns:p="http://schemas.openxmlformats.org/presentationml/2006/main">
-  <p:cSld>
-    <p:spTree>
-      <p:nvGrpSpPr>
-        <p:cNvPr id="1" name=""/>
-        <p:cNvGrpSpPr/>
-        <p:nvPr/>
-      </p:nvGrpSpPr>
-      <p:grpSpPr>
-        <a:xfrm>
-          <a:off x="0" y="0"/>
-          <a:ext cx="0" cy="0"/>
-          <a:chOff x="0" y="0"/>
-          <a:chExt cx="0" cy="0"/>
-        </a:xfrm>
-      </p:grpSpPr>
-      <p:sp>
-        <p:nvSpPr>
-          <p:cNvPr id="2" name="Titel 1">
-            <a:extLst>
-              <a:ext uri="{FF2B5EF4-FFF2-40B4-BE49-F238E27FC236}">
-                <a16:creationId xmlns:a16="http://schemas.microsoft.com/office/drawing/2014/main" id="{19033134-0BFA-AE4B-AAE3-E9131EA31B93}"/>
-              </a:ext>
-            </a:extLst>
-          </p:cNvPr>
-          <p:cNvSpPr>
-            <a:spLocks noGrp="1"/>
-          </p:cNvSpPr>
-          <p:nvPr>
-            <p:ph type="title"/>
-          </p:nvPr>
-        </p:nvSpPr>
-        <p:spPr/>
-        <p:txBody>
-          <a:bodyPr/>
-          <a:lstStyle/>
-          <a:p>
-            <a:r>
-              <a:rPr lang="de-DE" dirty="0" err="1"/>
-              <a:t>Grid</a:t>
-            </a:r>
-            <a:r>
-              <a:rPr lang="de-DE" dirty="0"/>
-              <a:t>: Container Properties</a:t>
-            </a:r>
-          </a:p>
-        </p:txBody>
-      </p:sp>
-      <p:sp>
-        <p:nvSpPr>
-          <p:cNvPr id="7" name="Inhaltsplatzhalter 6">
-            <a:extLst>
-              <a:ext uri="{FF2B5EF4-FFF2-40B4-BE49-F238E27FC236}">
-                <a16:creationId xmlns:a16="http://schemas.microsoft.com/office/drawing/2014/main" id="{662274F8-DBDF-1941-95E5-496B43E07EBD}"/>
-              </a:ext>
-            </a:extLst>
-          </p:cNvPr>
-          <p:cNvSpPr>
-            <a:spLocks noGrp="1"/>
-          </p:cNvSpPr>
-          <p:nvPr>
-            <p:ph idx="1"/>
-          </p:nvPr>
-        </p:nvSpPr>
-        <p:spPr>
-          <a:xfrm>
-            <a:off x="680321" y="2336873"/>
-            <a:ext cx="9915289" cy="3599316"/>
-          </a:xfrm>
-        </p:spPr>
-        <p:txBody>
-          <a:bodyPr/>
-          <a:lstStyle/>
-          <a:p>
-            <a:r>
-              <a:rPr lang="de-CH" dirty="0" err="1">
-                <a:solidFill>
-                  <a:schemeClr val="bg1"/>
-                </a:solidFill>
-              </a:rPr>
-              <a:t>grid</a:t>
-            </a:r>
-            <a:r>
-              <a:rPr lang="de-CH" dirty="0">
-                <a:solidFill>
-                  <a:schemeClr val="bg1"/>
-                </a:solidFill>
-              </a:rPr>
-              <a:t>-template-</a:t>
-            </a:r>
-            <a:r>
-              <a:rPr lang="de-CH" dirty="0" err="1">
-                <a:solidFill>
-                  <a:schemeClr val="bg1"/>
-                </a:solidFill>
-              </a:rPr>
-              <a:t>columns</a:t>
-            </a:r>
-            <a:r>
-              <a:rPr lang="de-CH" dirty="0"/>
-              <a:t>:  Definiert die Anzahl und Grösse der Spalten</a:t>
-            </a:r>
-            <a:r>
-              <a:rPr lang="de-CH" b="1" dirty="0"/>
-              <a:t>.</a:t>
-            </a:r>
-            <a:br>
-              <a:rPr lang="de-CH" b="1" dirty="0"/>
-            </a:br>
-            <a:r>
-              <a:rPr lang="de-CH" sz="2000" dirty="0" err="1">
-                <a:latin typeface="Arial" panose="020B0604020202020204" pitchFamily="34" charset="0"/>
-                <a:cs typeface="Arial" panose="020B0604020202020204" pitchFamily="34" charset="0"/>
-              </a:rPr>
-              <a:t>grid</a:t>
-            </a:r>
-            <a:r>
-              <a:rPr lang="de-CH" sz="2000" dirty="0">
-                <a:latin typeface="Arial" panose="020B0604020202020204" pitchFamily="34" charset="0"/>
-                <a:cs typeface="Arial" panose="020B0604020202020204" pitchFamily="34" charset="0"/>
-              </a:rPr>
-              <a:t>-template-</a:t>
-            </a:r>
-            <a:r>
-              <a:rPr lang="de-CH" sz="2000" dirty="0" err="1">
-                <a:latin typeface="Arial" panose="020B0604020202020204" pitchFamily="34" charset="0"/>
-                <a:cs typeface="Arial" panose="020B0604020202020204" pitchFamily="34" charset="0"/>
-              </a:rPr>
-              <a:t>columns</a:t>
-            </a:r>
-            <a:r>
-              <a:rPr lang="de-CH" sz="2000" dirty="0">
-                <a:latin typeface="Arial" panose="020B0604020202020204" pitchFamily="34" charset="0"/>
-                <a:cs typeface="Arial" panose="020B0604020202020204" pitchFamily="34" charset="0"/>
-              </a:rPr>
-              <a:t>: 20% 60% 20%;</a:t>
-            </a:r>
-            <a:br>
-              <a:rPr lang="de-CH" sz="2000" dirty="0">
-                <a:latin typeface="Arial" panose="020B0604020202020204" pitchFamily="34" charset="0"/>
-                <a:cs typeface="Arial" panose="020B0604020202020204" pitchFamily="34" charset="0"/>
-              </a:rPr>
-            </a:br>
-            <a:r>
-              <a:rPr lang="de-CH" sz="2000" dirty="0" err="1">
-                <a:latin typeface="Arial" panose="020B0604020202020204" pitchFamily="34" charset="0"/>
-                <a:cs typeface="Arial" panose="020B0604020202020204" pitchFamily="34" charset="0"/>
-              </a:rPr>
-              <a:t>grid</a:t>
-            </a:r>
-            <a:r>
-              <a:rPr lang="de-CH" sz="2000" dirty="0">
-                <a:latin typeface="Arial" panose="020B0604020202020204" pitchFamily="34" charset="0"/>
-                <a:cs typeface="Arial" panose="020B0604020202020204" pitchFamily="34" charset="0"/>
-              </a:rPr>
-              <a:t>-template-</a:t>
-            </a:r>
-            <a:r>
-              <a:rPr lang="de-CH" sz="2000" dirty="0" err="1">
-                <a:latin typeface="Arial" panose="020B0604020202020204" pitchFamily="34" charset="0"/>
-                <a:cs typeface="Arial" panose="020B0604020202020204" pitchFamily="34" charset="0"/>
-              </a:rPr>
-              <a:t>columns</a:t>
-            </a:r>
-            <a:r>
-              <a:rPr lang="de-CH" sz="2000" dirty="0">
-                <a:latin typeface="Arial" panose="020B0604020202020204" pitchFamily="34" charset="0"/>
-                <a:cs typeface="Arial" panose="020B0604020202020204" pitchFamily="34" charset="0"/>
-              </a:rPr>
-              <a:t>: [eins] 20% [zwei] 60% [drei] 20% [vier];</a:t>
-            </a:r>
-            <a:br>
-              <a:rPr lang="de-CH" sz="2000" b="1" dirty="0">
-                <a:latin typeface="Arial" panose="020B0604020202020204" pitchFamily="34" charset="0"/>
-                <a:cs typeface="Arial" panose="020B0604020202020204" pitchFamily="34" charset="0"/>
-              </a:rPr>
-            </a:br>
-            <a:endParaRPr lang="de-CH" sz="2000" dirty="0">
-              <a:latin typeface="Arial" panose="020B0604020202020204" pitchFamily="34" charset="0"/>
-              <a:cs typeface="Arial" panose="020B0604020202020204" pitchFamily="34" charset="0"/>
-            </a:endParaRPr>
-          </a:p>
-          <a:p>
-            <a:r>
-              <a:rPr lang="de-CH" dirty="0" err="1">
-                <a:solidFill>
-                  <a:schemeClr val="bg1"/>
-                </a:solidFill>
-              </a:rPr>
-              <a:t>grid</a:t>
-            </a:r>
-            <a:r>
-              <a:rPr lang="de-CH" dirty="0">
-                <a:solidFill>
-                  <a:schemeClr val="bg1"/>
-                </a:solidFill>
-              </a:rPr>
-              <a:t>-template-</a:t>
-            </a:r>
-            <a:r>
-              <a:rPr lang="de-CH" dirty="0" err="1">
-                <a:solidFill>
-                  <a:schemeClr val="bg1"/>
-                </a:solidFill>
-              </a:rPr>
-              <a:t>rows</a:t>
-            </a:r>
-            <a:r>
-              <a:rPr lang="de-CH" dirty="0"/>
-              <a:t>: </a:t>
-            </a:r>
-            <a:r>
-              <a:rPr lang="de-CH" dirty="0" err="1"/>
-              <a:t>Definert</a:t>
-            </a:r>
-            <a:r>
-              <a:rPr lang="de-CH" dirty="0"/>
-              <a:t> die Anzahl und Grösse der Reihen</a:t>
-            </a:r>
-            <a:r>
-              <a:rPr lang="de-CH" b="1" dirty="0"/>
-              <a:t>.</a:t>
-            </a:r>
-            <a:br>
-              <a:rPr lang="de-CH" b="1" dirty="0"/>
-            </a:br>
-            <a:r>
-              <a:rPr lang="de-CH" sz="2000" dirty="0" err="1">
-                <a:latin typeface="Arial" panose="020B0604020202020204" pitchFamily="34" charset="0"/>
-                <a:cs typeface="Arial" panose="020B0604020202020204" pitchFamily="34" charset="0"/>
-              </a:rPr>
-              <a:t>grid</a:t>
-            </a:r>
-            <a:r>
-              <a:rPr lang="de-CH" sz="2000" dirty="0">
-                <a:latin typeface="Arial" panose="020B0604020202020204" pitchFamily="34" charset="0"/>
-                <a:cs typeface="Arial" panose="020B0604020202020204" pitchFamily="34" charset="0"/>
-              </a:rPr>
-              <a:t>-template-</a:t>
-            </a:r>
-            <a:r>
-              <a:rPr lang="de-CH" sz="2000" dirty="0" err="1">
-                <a:latin typeface="Arial" panose="020B0604020202020204" pitchFamily="34" charset="0"/>
-                <a:cs typeface="Arial" panose="020B0604020202020204" pitchFamily="34" charset="0"/>
-              </a:rPr>
-              <a:t>rows</a:t>
-            </a:r>
-            <a:r>
-              <a:rPr lang="de-CH" sz="2000" dirty="0">
-                <a:latin typeface="Arial" panose="020B0604020202020204" pitchFamily="34" charset="0"/>
-                <a:cs typeface="Arial" panose="020B0604020202020204" pitchFamily="34" charset="0"/>
-              </a:rPr>
-              <a:t>: 100px </a:t>
-            </a:r>
-            <a:r>
-              <a:rPr lang="de-CH" sz="2000" dirty="0" err="1">
-                <a:latin typeface="Arial" panose="020B0604020202020204" pitchFamily="34" charset="0"/>
-                <a:cs typeface="Arial" panose="020B0604020202020204" pitchFamily="34" charset="0"/>
-              </a:rPr>
-              <a:t>auto</a:t>
-            </a:r>
-            <a:r>
-              <a:rPr lang="de-CH" sz="2000" dirty="0">
-                <a:latin typeface="Arial" panose="020B0604020202020204" pitchFamily="34" charset="0"/>
-                <a:cs typeface="Arial" panose="020B0604020202020204" pitchFamily="34" charset="0"/>
-              </a:rPr>
-              <a:t> 100px;</a:t>
-            </a:r>
-            <a:br>
-              <a:rPr lang="de-CH" sz="2000" dirty="0">
-                <a:latin typeface="Arial" panose="020B0604020202020204" pitchFamily="34" charset="0"/>
-                <a:cs typeface="Arial" panose="020B0604020202020204" pitchFamily="34" charset="0"/>
-              </a:rPr>
-            </a:br>
-            <a:r>
-              <a:rPr lang="de-CH" sz="2000" dirty="0" err="1">
-                <a:latin typeface="Arial" panose="020B0604020202020204" pitchFamily="34" charset="0"/>
-                <a:cs typeface="Arial" panose="020B0604020202020204" pitchFamily="34" charset="0"/>
-              </a:rPr>
-              <a:t>grid</a:t>
-            </a:r>
-            <a:r>
-              <a:rPr lang="de-CH" sz="2000" dirty="0">
-                <a:latin typeface="Arial" panose="020B0604020202020204" pitchFamily="34" charset="0"/>
-                <a:cs typeface="Arial" panose="020B0604020202020204" pitchFamily="34" charset="0"/>
-              </a:rPr>
-              <a:t>-template-</a:t>
-            </a:r>
-            <a:r>
-              <a:rPr lang="de-CH" sz="2000" dirty="0" err="1">
-                <a:latin typeface="Arial" panose="020B0604020202020204" pitchFamily="34" charset="0"/>
-                <a:cs typeface="Arial" panose="020B0604020202020204" pitchFamily="34" charset="0"/>
-              </a:rPr>
-              <a:t>rows</a:t>
-            </a:r>
-            <a:r>
-              <a:rPr lang="de-CH" sz="2000" dirty="0">
-                <a:latin typeface="Arial" panose="020B0604020202020204" pitchFamily="34" charset="0"/>
-                <a:cs typeface="Arial" panose="020B0604020202020204" pitchFamily="34" charset="0"/>
-              </a:rPr>
-              <a:t>: [row1] 100px [row2] </a:t>
-            </a:r>
-            <a:r>
-              <a:rPr lang="de-CH" sz="2000" dirty="0" err="1">
-                <a:latin typeface="Arial" panose="020B0604020202020204" pitchFamily="34" charset="0"/>
-                <a:cs typeface="Arial" panose="020B0604020202020204" pitchFamily="34" charset="0"/>
-              </a:rPr>
-              <a:t>auto</a:t>
-            </a:r>
-            <a:r>
-              <a:rPr lang="de-CH" sz="2000" dirty="0">
-                <a:latin typeface="Arial" panose="020B0604020202020204" pitchFamily="34" charset="0"/>
-                <a:cs typeface="Arial" panose="020B0604020202020204" pitchFamily="34" charset="0"/>
-              </a:rPr>
-              <a:t> [row3] 100px [ende];</a:t>
-            </a:r>
-          </a:p>
-        </p:txBody>
-      </p:sp>
-    </p:spTree>
-    <p:extLst>
-      <p:ext uri="{BB962C8B-B14F-4D97-AF65-F5344CB8AC3E}">
-        <p14:creationId xmlns:p14="http://schemas.microsoft.com/office/powerpoint/2010/main" val="714284251"/>
-      </p:ext>
-    </p:extLst>
-  </p:cSld>
-  <p:clrMapOvr>
-    <a:masterClrMapping/>
-  </p:clrMapOvr>
-</p:sld>
-</file>
-
 <file path=ppt/slides/slide104.xml><?xml version="1.0" encoding="utf-8"?>
 <p:sld xmlns:a="http://schemas.openxmlformats.org/drawingml/2006/main" xmlns:r="http://schemas.openxmlformats.org/officeDocument/2006/relationships" xmlns:p="http://schemas.openxmlformats.org/presentationml/2006/main">
   <p:cSld>
@@ -9785,10 +9855,10 @@
       </p:grpSpPr>
       <p:sp>
         <p:nvSpPr>
-          <p:cNvPr id="2" name="Titel 1">
+          <p:cNvPr id="2" name="Title 1">
             <a:extLst>
               <a:ext uri="{FF2B5EF4-FFF2-40B4-BE49-F238E27FC236}">
-                <a16:creationId xmlns:a16="http://schemas.microsoft.com/office/drawing/2014/main" id="{10085994-E9B3-9C49-88DA-85CB7896D777}"/>
+                <a16:creationId xmlns:a16="http://schemas.microsoft.com/office/drawing/2014/main" id="{9D70707D-CDCD-8E4A-9738-E3DB279BB242}"/>
               </a:ext>
             </a:extLst>
           </p:cNvPr>
@@ -9805,173 +9875,81 @@
           <a:lstStyle/>
           <a:p>
             <a:r>
-              <a:rPr lang="de-DE" dirty="0" err="1"/>
+              <a:rPr lang="en-US" dirty="0"/>
               <a:t>Grid</a:t>
             </a:r>
-            <a:r>
-              <a:rPr lang="de-DE" dirty="0"/>
-              <a:t>: Container Properties</a:t>
-            </a:r>
-          </a:p>
-        </p:txBody>
-      </p:sp>
-      <p:pic>
-        <p:nvPicPr>
-          <p:cNvPr id="9" name="Inhaltsplatzhalter 8">
+          </a:p>
+        </p:txBody>
+      </p:sp>
+      <p:sp>
+        <p:nvSpPr>
+          <p:cNvPr id="4" name="Inhaltsplatzhalter 3">
             <a:extLst>
               <a:ext uri="{FF2B5EF4-FFF2-40B4-BE49-F238E27FC236}">
-                <a16:creationId xmlns:a16="http://schemas.microsoft.com/office/drawing/2014/main" id="{C644C42D-72EF-2A48-816F-36D82961D15D}"/>
+                <a16:creationId xmlns:a16="http://schemas.microsoft.com/office/drawing/2014/main" id="{5F467F9B-4189-6546-A21B-AF6B8FA98FE2}"/>
               </a:ext>
             </a:extLst>
           </p:cNvPr>
-          <p:cNvPicPr>
-            <a:picLocks noGrp="1" noChangeAspect="1"/>
-          </p:cNvPicPr>
+          <p:cNvSpPr>
+            <a:spLocks noGrp="1"/>
+          </p:cNvSpPr>
           <p:nvPr>
             <p:ph idx="1"/>
           </p:nvPr>
-        </p:nvPicPr>
-        <p:blipFill>
-          <a:blip r:embed="rId2"/>
-          <a:stretch>
-            <a:fillRect/>
-          </a:stretch>
-        </p:blipFill>
-        <p:spPr>
-          <a:xfrm>
-            <a:off x="889798" y="3389272"/>
-            <a:ext cx="6592171" cy="2916163"/>
-          </a:xfrm>
-        </p:spPr>
-      </p:pic>
-      <p:sp>
-        <p:nvSpPr>
-          <p:cNvPr id="10" name="Rechteck 9">
-            <a:extLst>
-              <a:ext uri="{FF2B5EF4-FFF2-40B4-BE49-F238E27FC236}">
-                <a16:creationId xmlns:a16="http://schemas.microsoft.com/office/drawing/2014/main" id="{5C1814EE-CFB9-BA40-8AAF-2BE7E486CDD9}"/>
-              </a:ext>
-            </a:extLst>
-          </p:cNvPr>
-          <p:cNvSpPr/>
-          <p:nvPr/>
-        </p:nvSpPr>
-        <p:spPr>
-          <a:xfrm>
-            <a:off x="889798" y="2281276"/>
-            <a:ext cx="4172937" cy="369332"/>
-          </a:xfrm>
-          <a:prstGeom prst="rect">
-            <a:avLst/>
-          </a:prstGeom>
-        </p:spPr>
-        <p:txBody>
-          <a:bodyPr wrap="none">
-            <a:spAutoFit/>
-          </a:bodyPr>
+        </p:nvSpPr>
+        <p:spPr/>
+        <p:txBody>
+          <a:bodyPr/>
           <a:lstStyle/>
           <a:p>
             <a:r>
-              <a:rPr lang="de-CH" dirty="0" err="1">
-                <a:latin typeface="Arial" panose="020B0604020202020204" pitchFamily="34" charset="0"/>
-                <a:cs typeface="Arial" panose="020B0604020202020204" pitchFamily="34" charset="0"/>
-              </a:rPr>
+              <a:rPr lang="de-DE" dirty="0" err="1"/>
+              <a:t>Grid</a:t>
+            </a:r>
+            <a:r>
+              <a:rPr lang="de-DE" dirty="0"/>
+              <a:t> Layout auf dem Container (Parent Element) definieren</a:t>
+            </a:r>
+            <a:br>
+              <a:rPr lang="de-DE" dirty="0"/>
+            </a:br>
+            <a:r>
+              <a:rPr lang="de-DE" b="1" dirty="0" err="1"/>
+              <a:t>display</a:t>
+            </a:r>
+            <a:r>
+              <a:rPr lang="de-DE" b="1" dirty="0"/>
+              <a:t>: </a:t>
+            </a:r>
+            <a:r>
+              <a:rPr lang="de-DE" b="1" dirty="0" err="1"/>
               <a:t>grid</a:t>
             </a:r>
-            <a:r>
-              <a:rPr lang="de-CH" dirty="0">
-                <a:latin typeface="Arial" panose="020B0604020202020204" pitchFamily="34" charset="0"/>
-                <a:cs typeface="Arial" panose="020B0604020202020204" pitchFamily="34" charset="0"/>
-              </a:rPr>
-              <a:t>-template-</a:t>
-            </a:r>
-            <a:r>
-              <a:rPr lang="de-CH" dirty="0" err="1">
-                <a:latin typeface="Arial" panose="020B0604020202020204" pitchFamily="34" charset="0"/>
-                <a:cs typeface="Arial" panose="020B0604020202020204" pitchFamily="34" charset="0"/>
-              </a:rPr>
-              <a:t>columns</a:t>
-            </a:r>
-            <a:r>
-              <a:rPr lang="de-CH" dirty="0">
-                <a:latin typeface="Arial" panose="020B0604020202020204" pitchFamily="34" charset="0"/>
-                <a:cs typeface="Arial" panose="020B0604020202020204" pitchFamily="34" charset="0"/>
-              </a:rPr>
-              <a:t>: 20% 60% 20%;</a:t>
+            <a:endParaRPr lang="de-DE" b="1" dirty="0"/>
+          </a:p>
+          <a:p>
+            <a:r>
+              <a:rPr lang="de-DE" dirty="0"/>
+              <a:t>Gute Doku:</a:t>
+            </a:r>
+            <a:br>
+              <a:rPr lang="de-DE" dirty="0"/>
+            </a:br>
+            <a:r>
+              <a:rPr lang="de-DE" dirty="0">
+                <a:hlinkClick r:id="rId2"/>
+              </a:rPr>
+              <a:t>https://css-tricks.com/snippets/css/complete-guide-grid/</a:t>
             </a:r>
             <a:endParaRPr lang="de-DE" dirty="0"/>
           </a:p>
-        </p:txBody>
-      </p:sp>
-      <p:sp>
-        <p:nvSpPr>
-          <p:cNvPr id="11" name="Rechteck 10">
-            <a:extLst>
-              <a:ext uri="{FF2B5EF4-FFF2-40B4-BE49-F238E27FC236}">
-                <a16:creationId xmlns:a16="http://schemas.microsoft.com/office/drawing/2014/main" id="{E743F98C-590F-2345-AA1A-E117AC7E1BAF}"/>
-              </a:ext>
-            </a:extLst>
-          </p:cNvPr>
-          <p:cNvSpPr/>
-          <p:nvPr/>
-        </p:nvSpPr>
-        <p:spPr>
-          <a:xfrm>
-            <a:off x="889798" y="2650608"/>
-            <a:ext cx="6096000" cy="369332"/>
-          </a:xfrm>
-          <a:prstGeom prst="rect">
-            <a:avLst/>
-          </a:prstGeom>
-        </p:spPr>
-        <p:txBody>
-          <a:bodyPr>
-            <a:spAutoFit/>
-          </a:bodyPr>
-          <a:lstStyle/>
-          <a:p>
-            <a:r>
-              <a:rPr lang="de-CH" dirty="0" err="1">
-                <a:latin typeface="Arial" panose="020B0604020202020204" pitchFamily="34" charset="0"/>
-                <a:cs typeface="Arial" panose="020B0604020202020204" pitchFamily="34" charset="0"/>
-              </a:rPr>
-              <a:t>grid</a:t>
-            </a:r>
-            <a:r>
-              <a:rPr lang="de-CH" dirty="0">
-                <a:latin typeface="Arial" panose="020B0604020202020204" pitchFamily="34" charset="0"/>
-                <a:cs typeface="Arial" panose="020B0604020202020204" pitchFamily="34" charset="0"/>
-              </a:rPr>
-              <a:t>-template-</a:t>
-            </a:r>
-            <a:r>
-              <a:rPr lang="de-CH" dirty="0" err="1">
-                <a:latin typeface="Arial" panose="020B0604020202020204" pitchFamily="34" charset="0"/>
-                <a:cs typeface="Arial" panose="020B0604020202020204" pitchFamily="34" charset="0"/>
-              </a:rPr>
-              <a:t>rows</a:t>
-            </a:r>
-            <a:r>
-              <a:rPr lang="de-CH" dirty="0">
-                <a:latin typeface="Arial" panose="020B0604020202020204" pitchFamily="34" charset="0"/>
-                <a:cs typeface="Arial" panose="020B0604020202020204" pitchFamily="34" charset="0"/>
-              </a:rPr>
-              <a:t>: 100px </a:t>
-            </a:r>
-            <a:r>
-              <a:rPr lang="de-CH" dirty="0" err="1">
-                <a:latin typeface="Arial" panose="020B0604020202020204" pitchFamily="34" charset="0"/>
-                <a:cs typeface="Arial" panose="020B0604020202020204" pitchFamily="34" charset="0"/>
-              </a:rPr>
-              <a:t>auto</a:t>
-            </a:r>
-            <a:r>
-              <a:rPr lang="de-CH" dirty="0">
-                <a:latin typeface="Arial" panose="020B0604020202020204" pitchFamily="34" charset="0"/>
-                <a:cs typeface="Arial" panose="020B0604020202020204" pitchFamily="34" charset="0"/>
-              </a:rPr>
-              <a:t> 100px;</a:t>
-            </a:r>
+          <a:p>
+            <a:pPr marL="0" indent="0">
+              <a:buNone/>
+            </a:pPr>
+            <a:endParaRPr lang="de-DE" dirty="0"/>
+          </a:p>
+          <a:p>
             <a:endParaRPr lang="de-DE" dirty="0"/>
           </a:p>
         </p:txBody>
@@ -9979,7 +9957,7 @@
     </p:spTree>
     <p:extLst>
       <p:ext uri="{BB962C8B-B14F-4D97-AF65-F5344CB8AC3E}">
-        <p14:creationId xmlns:p14="http://schemas.microsoft.com/office/powerpoint/2010/main" val="3096845263"/>
+        <p14:creationId xmlns:p14="http://schemas.microsoft.com/office/powerpoint/2010/main" val="366060195"/>
       </p:ext>
     </p:extLst>
   </p:cSld>
@@ -10011,7 +9989,7 @@
           <p:cNvPr id="2" name="Titel 1">
             <a:extLst>
               <a:ext uri="{FF2B5EF4-FFF2-40B4-BE49-F238E27FC236}">
-                <a16:creationId xmlns:a16="http://schemas.microsoft.com/office/drawing/2014/main" id="{42A5B1AA-ADEF-F348-A0E4-381E0CA6525F}"/>
+                <a16:creationId xmlns:a16="http://schemas.microsoft.com/office/drawing/2014/main" id="{19033134-0BFA-AE4B-AAE3-E9131EA31B93}"/>
               </a:ext>
             </a:extLst>
           </p:cNvPr>
@@ -10038,171 +10016,281 @@
           </a:p>
         </p:txBody>
       </p:sp>
-      <p:pic>
-        <p:nvPicPr>
-          <p:cNvPr id="5" name="Inhaltsplatzhalter 4">
+      <p:sp>
+        <p:nvSpPr>
+          <p:cNvPr id="7" name="Inhaltsplatzhalter 6">
             <a:extLst>
               <a:ext uri="{FF2B5EF4-FFF2-40B4-BE49-F238E27FC236}">
-                <a16:creationId xmlns:a16="http://schemas.microsoft.com/office/drawing/2014/main" id="{09F627C6-0BE4-2145-A7D3-7F54CD309458}"/>
+                <a16:creationId xmlns:a16="http://schemas.microsoft.com/office/drawing/2014/main" id="{662274F8-DBDF-1941-95E5-496B43E07EBD}"/>
               </a:ext>
             </a:extLst>
           </p:cNvPr>
-          <p:cNvPicPr>
-            <a:picLocks noGrp="1" noChangeAspect="1"/>
-          </p:cNvPicPr>
+          <p:cNvSpPr>
+            <a:spLocks noGrp="1"/>
+          </p:cNvSpPr>
           <p:nvPr>
             <p:ph idx="1"/>
           </p:nvPr>
-        </p:nvPicPr>
-        <p:blipFill>
-          <a:blip r:embed="rId2"/>
-          <a:stretch>
-            <a:fillRect/>
-          </a:stretch>
-        </p:blipFill>
+        </p:nvSpPr>
         <p:spPr>
           <a:xfrm>
-            <a:off x="680321" y="3343910"/>
-            <a:ext cx="7013709" cy="3022600"/>
+            <a:off x="680321" y="2336873"/>
+            <a:ext cx="9915289" cy="3599316"/>
           </a:xfrm>
         </p:spPr>
-      </p:pic>
-      <p:sp>
-        <p:nvSpPr>
-          <p:cNvPr id="6" name="Rechteck 5">
-            <a:extLst>
-              <a:ext uri="{FF2B5EF4-FFF2-40B4-BE49-F238E27FC236}">
-                <a16:creationId xmlns:a16="http://schemas.microsoft.com/office/drawing/2014/main" id="{1EEC8D5E-3E9D-3E4E-B228-D0BB3D94818B}"/>
-              </a:ext>
-            </a:extLst>
-          </p:cNvPr>
-          <p:cNvSpPr/>
-          <p:nvPr/>
-        </p:nvSpPr>
-        <p:spPr>
-          <a:xfrm>
-            <a:off x="680321" y="2317165"/>
-            <a:ext cx="6873240" cy="369332"/>
-          </a:xfrm>
-          <a:prstGeom prst="rect">
-            <a:avLst/>
-          </a:prstGeom>
-        </p:spPr>
-        <p:txBody>
-          <a:bodyPr wrap="square">
-            <a:spAutoFit/>
-          </a:bodyPr>
+        <p:txBody>
+          <a:bodyPr/>
           <a:lstStyle/>
           <a:p>
             <a:r>
               <a:rPr lang="de-CH" dirty="0" err="1">
-                <a:latin typeface="Arial" panose="020B0604020202020204" pitchFamily="34" charset="0"/>
-                <a:cs typeface="Arial" panose="020B0604020202020204" pitchFamily="34" charset="0"/>
+                <a:solidFill>
+                  <a:schemeClr val="bg1"/>
+                </a:solidFill>
               </a:rPr>
               <a:t>grid</a:t>
             </a:r>
             <a:r>
               <a:rPr lang="de-CH" dirty="0">
-                <a:latin typeface="Arial" panose="020B0604020202020204" pitchFamily="34" charset="0"/>
-                <a:cs typeface="Arial" panose="020B0604020202020204" pitchFamily="34" charset="0"/>
+                <a:solidFill>
+                  <a:schemeClr val="bg1"/>
+                </a:solidFill>
               </a:rPr>
               <a:t>-template-</a:t>
             </a:r>
             <a:r>
               <a:rPr lang="de-CH" dirty="0" err="1">
-                <a:latin typeface="Arial" panose="020B0604020202020204" pitchFamily="34" charset="0"/>
-                <a:cs typeface="Arial" panose="020B0604020202020204" pitchFamily="34" charset="0"/>
+                <a:solidFill>
+                  <a:schemeClr val="bg1"/>
+                </a:solidFill>
               </a:rPr>
               <a:t>columns</a:t>
             </a:r>
             <a:r>
+              <a:rPr lang="de-CH" dirty="0"/>
+              <a:t>:  Definiert die Anzahl und Grösse der Spalten</a:t>
+            </a:r>
+            <a:r>
+              <a:rPr lang="de-CH" b="1" dirty="0"/>
+              <a:t>.</a:t>
+            </a:r>
+            <a:br>
+              <a:rPr lang="de-CH" b="1" dirty="0"/>
+            </a:br>
+            <a:r>
+              <a:rPr lang="de-CH" sz="2000" dirty="0" err="1">
+                <a:latin typeface="Arial" panose="020B0604020202020204" pitchFamily="34" charset="0"/>
+                <a:cs typeface="Arial" panose="020B0604020202020204" pitchFamily="34" charset="0"/>
+              </a:rPr>
+              <a:t>grid</a:t>
+            </a:r>
+            <a:r>
+              <a:rPr lang="de-CH" sz="2000" dirty="0">
+                <a:latin typeface="Arial" panose="020B0604020202020204" pitchFamily="34" charset="0"/>
+                <a:cs typeface="Arial" panose="020B0604020202020204" pitchFamily="34" charset="0"/>
+              </a:rPr>
+              <a:t>-template-</a:t>
+            </a:r>
+            <a:r>
+              <a:rPr lang="de-CH" sz="2000" dirty="0" err="1">
+                <a:latin typeface="Arial" panose="020B0604020202020204" pitchFamily="34" charset="0"/>
+                <a:cs typeface="Arial" panose="020B0604020202020204" pitchFamily="34" charset="0"/>
+              </a:rPr>
+              <a:t>columns</a:t>
+            </a:r>
+            <a:r>
+              <a:rPr lang="de-CH" sz="2000" dirty="0">
+                <a:latin typeface="Arial" panose="020B0604020202020204" pitchFamily="34" charset="0"/>
+                <a:cs typeface="Arial" panose="020B0604020202020204" pitchFamily="34" charset="0"/>
+              </a:rPr>
+              <a:t>: 20% 60% 20%;</a:t>
+            </a:r>
+            <a:br>
+              <a:rPr lang="de-CH" sz="2000" dirty="0">
+                <a:latin typeface="Arial" panose="020B0604020202020204" pitchFamily="34" charset="0"/>
+                <a:cs typeface="Arial" panose="020B0604020202020204" pitchFamily="34" charset="0"/>
+              </a:rPr>
+            </a:br>
+            <a:r>
+              <a:rPr lang="de-CH" sz="2000" dirty="0" err="1">
+                <a:latin typeface="Arial" panose="020B0604020202020204" pitchFamily="34" charset="0"/>
+                <a:cs typeface="Arial" panose="020B0604020202020204" pitchFamily="34" charset="0"/>
+              </a:rPr>
+              <a:t>grid</a:t>
+            </a:r>
+            <a:r>
+              <a:rPr lang="de-CH" sz="2000" dirty="0">
+                <a:latin typeface="Arial" panose="020B0604020202020204" pitchFamily="34" charset="0"/>
+                <a:cs typeface="Arial" panose="020B0604020202020204" pitchFamily="34" charset="0"/>
+              </a:rPr>
+              <a:t>-template-</a:t>
+            </a:r>
+            <a:r>
+              <a:rPr lang="de-CH" sz="2000" dirty="0" err="1">
+                <a:latin typeface="Arial" panose="020B0604020202020204" pitchFamily="34" charset="0"/>
+                <a:cs typeface="Arial" panose="020B0604020202020204" pitchFamily="34" charset="0"/>
+              </a:rPr>
+              <a:t>columns</a:t>
+            </a:r>
+            <a:r>
+              <a:rPr lang="de-CH" sz="2000" dirty="0">
+                <a:latin typeface="Arial" panose="020B0604020202020204" pitchFamily="34" charset="0"/>
+                <a:cs typeface="Arial" panose="020B0604020202020204" pitchFamily="34" charset="0"/>
+              </a:rPr>
+              <a:t>: [eins] 20% [zwei] 60% [drei] 20% [vier];</a:t>
+            </a:r>
+            <a:br>
+              <a:rPr lang="de-CH" sz="2000" b="1" dirty="0">
+                <a:latin typeface="Arial" panose="020B0604020202020204" pitchFamily="34" charset="0"/>
+                <a:cs typeface="Arial" panose="020B0604020202020204" pitchFamily="34" charset="0"/>
+              </a:rPr>
+            </a:br>
+            <a:endParaRPr lang="de-CH" sz="2000" dirty="0">
+              <a:latin typeface="Arial" panose="020B0604020202020204" pitchFamily="34" charset="0"/>
+              <a:cs typeface="Arial" panose="020B0604020202020204" pitchFamily="34" charset="0"/>
+            </a:endParaRPr>
+          </a:p>
+          <a:p>
+            <a:r>
+              <a:rPr lang="de-CH" dirty="0" err="1">
+                <a:solidFill>
+                  <a:schemeClr val="bg1"/>
+                </a:solidFill>
+              </a:rPr>
+              <a:t>grid</a:t>
+            </a:r>
+            <a:r>
               <a:rPr lang="de-CH" dirty="0">
-                <a:latin typeface="Arial" panose="020B0604020202020204" pitchFamily="34" charset="0"/>
-                <a:cs typeface="Arial" panose="020B0604020202020204" pitchFamily="34" charset="0"/>
-              </a:rPr>
-              <a:t>: [eins] 20% [zwei] 60% [drei] 20% [vier];</a:t>
-            </a:r>
-            <a:endParaRPr lang="de-DE" dirty="0"/>
-          </a:p>
-        </p:txBody>
-      </p:sp>
-      <p:sp>
-        <p:nvSpPr>
-          <p:cNvPr id="7" name="Rechteck 6">
-            <a:extLst>
-              <a:ext uri="{FF2B5EF4-FFF2-40B4-BE49-F238E27FC236}">
-                <a16:creationId xmlns:a16="http://schemas.microsoft.com/office/drawing/2014/main" id="{DEBF59EC-59FB-C14F-A76E-FCF584425CF1}"/>
-              </a:ext>
-            </a:extLst>
-          </p:cNvPr>
-          <p:cNvSpPr/>
-          <p:nvPr/>
-        </p:nvSpPr>
-        <p:spPr>
-          <a:xfrm>
-            <a:off x="680321" y="2686497"/>
-            <a:ext cx="7044690" cy="369332"/>
-          </a:xfrm>
-          <a:prstGeom prst="rect">
-            <a:avLst/>
-          </a:prstGeom>
-        </p:spPr>
-        <p:txBody>
-          <a:bodyPr wrap="square">
-            <a:spAutoFit/>
-          </a:bodyPr>
-          <a:lstStyle/>
-          <a:p>
+                <a:solidFill>
+                  <a:schemeClr val="bg1"/>
+                </a:solidFill>
+              </a:rPr>
+              <a:t>-template-</a:t>
+            </a:r>
             <a:r>
               <a:rPr lang="de-CH" dirty="0" err="1">
+                <a:solidFill>
+                  <a:schemeClr val="bg1"/>
+                </a:solidFill>
+              </a:rPr>
+              <a:t>rows</a:t>
+            </a:r>
+            <a:r>
+              <a:rPr lang="de-CH" dirty="0"/>
+              <a:t>: </a:t>
+            </a:r>
+            <a:r>
+              <a:rPr lang="de-CH" dirty="0" err="1"/>
+              <a:t>Definert</a:t>
+            </a:r>
+            <a:r>
+              <a:rPr lang="de-CH" dirty="0"/>
+              <a:t> die Anzahl und Grösse der Reihen</a:t>
+            </a:r>
+            <a:r>
+              <a:rPr lang="de-CH" b="1" dirty="0"/>
+              <a:t>.</a:t>
+            </a:r>
+            <a:br>
+              <a:rPr lang="de-CH" b="1" dirty="0"/>
+            </a:br>
+            <a:r>
+              <a:rPr lang="de-CH" sz="2000" dirty="0" err="1">
                 <a:latin typeface="Arial" panose="020B0604020202020204" pitchFamily="34" charset="0"/>
                 <a:cs typeface="Arial" panose="020B0604020202020204" pitchFamily="34" charset="0"/>
               </a:rPr>
               <a:t>grid</a:t>
             </a:r>
             <a:r>
-              <a:rPr lang="de-CH" dirty="0">
+              <a:rPr lang="de-CH" sz="2000" dirty="0">
                 <a:latin typeface="Arial" panose="020B0604020202020204" pitchFamily="34" charset="0"/>
                 <a:cs typeface="Arial" panose="020B0604020202020204" pitchFamily="34" charset="0"/>
               </a:rPr>
               <a:t>-template-</a:t>
             </a:r>
             <a:r>
-              <a:rPr lang="de-CH" dirty="0" err="1">
+              <a:rPr lang="de-CH" sz="2000" dirty="0" err="1">
                 <a:latin typeface="Arial" panose="020B0604020202020204" pitchFamily="34" charset="0"/>
                 <a:cs typeface="Arial" panose="020B0604020202020204" pitchFamily="34" charset="0"/>
               </a:rPr>
               <a:t>rows</a:t>
             </a:r>
             <a:r>
-              <a:rPr lang="de-CH" dirty="0">
+              <a:rPr lang="de-CH" sz="2000" dirty="0">
+                <a:latin typeface="Arial" panose="020B0604020202020204" pitchFamily="34" charset="0"/>
+                <a:cs typeface="Arial" panose="020B0604020202020204" pitchFamily="34" charset="0"/>
+              </a:rPr>
+              <a:t>: 100px </a:t>
+            </a:r>
+            <a:r>
+              <a:rPr lang="de-CH" sz="2000" dirty="0" err="1">
+                <a:latin typeface="Arial" panose="020B0604020202020204" pitchFamily="34" charset="0"/>
+                <a:cs typeface="Arial" panose="020B0604020202020204" pitchFamily="34" charset="0"/>
+              </a:rPr>
+              <a:t>auto</a:t>
+            </a:r>
+            <a:r>
+              <a:rPr lang="de-CH" sz="2000" dirty="0">
+                <a:latin typeface="Arial" panose="020B0604020202020204" pitchFamily="34" charset="0"/>
+                <a:cs typeface="Arial" panose="020B0604020202020204" pitchFamily="34" charset="0"/>
+              </a:rPr>
+              <a:t> 100px;</a:t>
+            </a:r>
+            <a:br>
+              <a:rPr lang="de-CH" sz="2000" dirty="0">
+                <a:latin typeface="Arial" panose="020B0604020202020204" pitchFamily="34" charset="0"/>
+                <a:cs typeface="Arial" panose="020B0604020202020204" pitchFamily="34" charset="0"/>
+              </a:rPr>
+            </a:br>
+            <a:r>
+              <a:rPr lang="de-CH" sz="2000" dirty="0" err="1">
+                <a:latin typeface="Arial" panose="020B0604020202020204" pitchFamily="34" charset="0"/>
+                <a:cs typeface="Arial" panose="020B0604020202020204" pitchFamily="34" charset="0"/>
+              </a:rPr>
+              <a:t>grid</a:t>
+            </a:r>
+            <a:r>
+              <a:rPr lang="de-CH" sz="2000" dirty="0">
+                <a:latin typeface="Arial" panose="020B0604020202020204" pitchFamily="34" charset="0"/>
+                <a:cs typeface="Arial" panose="020B0604020202020204" pitchFamily="34" charset="0"/>
+              </a:rPr>
+              <a:t>-template-</a:t>
+            </a:r>
+            <a:r>
+              <a:rPr lang="de-CH" sz="2000" dirty="0" err="1">
+                <a:latin typeface="Arial" panose="020B0604020202020204" pitchFamily="34" charset="0"/>
+                <a:cs typeface="Arial" panose="020B0604020202020204" pitchFamily="34" charset="0"/>
+              </a:rPr>
+              <a:t>rows</a:t>
+            </a:r>
+            <a:r>
+              <a:rPr lang="de-CH" sz="2000" dirty="0">
                 <a:latin typeface="Arial" panose="020B0604020202020204" pitchFamily="34" charset="0"/>
                 <a:cs typeface="Arial" panose="020B0604020202020204" pitchFamily="34" charset="0"/>
               </a:rPr>
               <a:t>: [row1] 100px [row2] </a:t>
             </a:r>
             <a:r>
-              <a:rPr lang="de-CH" dirty="0" err="1">
+              <a:rPr lang="de-CH" sz="2000" dirty="0" err="1">
                 <a:latin typeface="Arial" panose="020B0604020202020204" pitchFamily="34" charset="0"/>
                 <a:cs typeface="Arial" panose="020B0604020202020204" pitchFamily="34" charset="0"/>
               </a:rPr>
               <a:t>auto</a:t>
             </a:r>
             <a:r>
-              <a:rPr lang="de-CH" dirty="0">
+              <a:rPr lang="de-CH" sz="2000" dirty="0">
                 <a:latin typeface="Arial" panose="020B0604020202020204" pitchFamily="34" charset="0"/>
                 <a:cs typeface="Arial" panose="020B0604020202020204" pitchFamily="34" charset="0"/>
               </a:rPr>
               <a:t> [row3] 100px [ende];</a:t>
             </a:r>
-            <a:endParaRPr lang="de-DE" dirty="0"/>
           </a:p>
         </p:txBody>
       </p:sp>
     </p:spTree>
     <p:extLst>
       <p:ext uri="{BB962C8B-B14F-4D97-AF65-F5344CB8AC3E}">
-        <p14:creationId xmlns:p14="http://schemas.microsoft.com/office/powerpoint/2010/main" val="1020404966"/>
+        <p14:creationId xmlns:p14="http://schemas.microsoft.com/office/powerpoint/2010/main" val="714284251"/>
       </p:ext>
     </p:extLst>
   </p:cSld>
@@ -10234,6 +10322,452 @@
           <p:cNvPr id="2" name="Titel 1">
             <a:extLst>
               <a:ext uri="{FF2B5EF4-FFF2-40B4-BE49-F238E27FC236}">
+                <a16:creationId xmlns:a16="http://schemas.microsoft.com/office/drawing/2014/main" id="{10085994-E9B3-9C49-88DA-85CB7896D777}"/>
+              </a:ext>
+            </a:extLst>
+          </p:cNvPr>
+          <p:cNvSpPr>
+            <a:spLocks noGrp="1"/>
+          </p:cNvSpPr>
+          <p:nvPr>
+            <p:ph type="title"/>
+          </p:nvPr>
+        </p:nvSpPr>
+        <p:spPr/>
+        <p:txBody>
+          <a:bodyPr/>
+          <a:lstStyle/>
+          <a:p>
+            <a:r>
+              <a:rPr lang="de-DE" dirty="0" err="1"/>
+              <a:t>Grid</a:t>
+            </a:r>
+            <a:r>
+              <a:rPr lang="de-DE" dirty="0"/>
+              <a:t>: Container Properties</a:t>
+            </a:r>
+          </a:p>
+        </p:txBody>
+      </p:sp>
+      <p:pic>
+        <p:nvPicPr>
+          <p:cNvPr id="9" name="Inhaltsplatzhalter 8">
+            <a:extLst>
+              <a:ext uri="{FF2B5EF4-FFF2-40B4-BE49-F238E27FC236}">
+                <a16:creationId xmlns:a16="http://schemas.microsoft.com/office/drawing/2014/main" id="{C644C42D-72EF-2A48-816F-36D82961D15D}"/>
+              </a:ext>
+            </a:extLst>
+          </p:cNvPr>
+          <p:cNvPicPr>
+            <a:picLocks noGrp="1" noChangeAspect="1"/>
+          </p:cNvPicPr>
+          <p:nvPr>
+            <p:ph idx="1"/>
+          </p:nvPr>
+        </p:nvPicPr>
+        <p:blipFill>
+          <a:blip r:embed="rId2"/>
+          <a:stretch>
+            <a:fillRect/>
+          </a:stretch>
+        </p:blipFill>
+        <p:spPr>
+          <a:xfrm>
+            <a:off x="889798" y="3389272"/>
+            <a:ext cx="6592171" cy="2916163"/>
+          </a:xfrm>
+        </p:spPr>
+      </p:pic>
+      <p:sp>
+        <p:nvSpPr>
+          <p:cNvPr id="10" name="Rechteck 9">
+            <a:extLst>
+              <a:ext uri="{FF2B5EF4-FFF2-40B4-BE49-F238E27FC236}">
+                <a16:creationId xmlns:a16="http://schemas.microsoft.com/office/drawing/2014/main" id="{5C1814EE-CFB9-BA40-8AAF-2BE7E486CDD9}"/>
+              </a:ext>
+            </a:extLst>
+          </p:cNvPr>
+          <p:cNvSpPr/>
+          <p:nvPr/>
+        </p:nvSpPr>
+        <p:spPr>
+          <a:xfrm>
+            <a:off x="889798" y="2281276"/>
+            <a:ext cx="4172937" cy="369332"/>
+          </a:xfrm>
+          <a:prstGeom prst="rect">
+            <a:avLst/>
+          </a:prstGeom>
+        </p:spPr>
+        <p:txBody>
+          <a:bodyPr wrap="none">
+            <a:spAutoFit/>
+          </a:bodyPr>
+          <a:lstStyle/>
+          <a:p>
+            <a:r>
+              <a:rPr lang="de-CH" dirty="0" err="1">
+                <a:latin typeface="Arial" panose="020B0604020202020204" pitchFamily="34" charset="0"/>
+                <a:cs typeface="Arial" panose="020B0604020202020204" pitchFamily="34" charset="0"/>
+              </a:rPr>
+              <a:t>grid</a:t>
+            </a:r>
+            <a:r>
+              <a:rPr lang="de-CH" dirty="0">
+                <a:latin typeface="Arial" panose="020B0604020202020204" pitchFamily="34" charset="0"/>
+                <a:cs typeface="Arial" panose="020B0604020202020204" pitchFamily="34" charset="0"/>
+              </a:rPr>
+              <a:t>-template-</a:t>
+            </a:r>
+            <a:r>
+              <a:rPr lang="de-CH" dirty="0" err="1">
+                <a:latin typeface="Arial" panose="020B0604020202020204" pitchFamily="34" charset="0"/>
+                <a:cs typeface="Arial" panose="020B0604020202020204" pitchFamily="34" charset="0"/>
+              </a:rPr>
+              <a:t>columns</a:t>
+            </a:r>
+            <a:r>
+              <a:rPr lang="de-CH" dirty="0">
+                <a:latin typeface="Arial" panose="020B0604020202020204" pitchFamily="34" charset="0"/>
+                <a:cs typeface="Arial" panose="020B0604020202020204" pitchFamily="34" charset="0"/>
+              </a:rPr>
+              <a:t>: 20% 60% 20%;</a:t>
+            </a:r>
+            <a:endParaRPr lang="de-DE" dirty="0"/>
+          </a:p>
+        </p:txBody>
+      </p:sp>
+      <p:sp>
+        <p:nvSpPr>
+          <p:cNvPr id="11" name="Rechteck 10">
+            <a:extLst>
+              <a:ext uri="{FF2B5EF4-FFF2-40B4-BE49-F238E27FC236}">
+                <a16:creationId xmlns:a16="http://schemas.microsoft.com/office/drawing/2014/main" id="{E743F98C-590F-2345-AA1A-E117AC7E1BAF}"/>
+              </a:ext>
+            </a:extLst>
+          </p:cNvPr>
+          <p:cNvSpPr/>
+          <p:nvPr/>
+        </p:nvSpPr>
+        <p:spPr>
+          <a:xfrm>
+            <a:off x="889798" y="2650608"/>
+            <a:ext cx="6096000" cy="369332"/>
+          </a:xfrm>
+          <a:prstGeom prst="rect">
+            <a:avLst/>
+          </a:prstGeom>
+        </p:spPr>
+        <p:txBody>
+          <a:bodyPr>
+            <a:spAutoFit/>
+          </a:bodyPr>
+          <a:lstStyle/>
+          <a:p>
+            <a:r>
+              <a:rPr lang="de-CH" dirty="0" err="1">
+                <a:latin typeface="Arial" panose="020B0604020202020204" pitchFamily="34" charset="0"/>
+                <a:cs typeface="Arial" panose="020B0604020202020204" pitchFamily="34" charset="0"/>
+              </a:rPr>
+              <a:t>grid</a:t>
+            </a:r>
+            <a:r>
+              <a:rPr lang="de-CH" dirty="0">
+                <a:latin typeface="Arial" panose="020B0604020202020204" pitchFamily="34" charset="0"/>
+                <a:cs typeface="Arial" panose="020B0604020202020204" pitchFamily="34" charset="0"/>
+              </a:rPr>
+              <a:t>-template-</a:t>
+            </a:r>
+            <a:r>
+              <a:rPr lang="de-CH" dirty="0" err="1">
+                <a:latin typeface="Arial" panose="020B0604020202020204" pitchFamily="34" charset="0"/>
+                <a:cs typeface="Arial" panose="020B0604020202020204" pitchFamily="34" charset="0"/>
+              </a:rPr>
+              <a:t>rows</a:t>
+            </a:r>
+            <a:r>
+              <a:rPr lang="de-CH" dirty="0">
+                <a:latin typeface="Arial" panose="020B0604020202020204" pitchFamily="34" charset="0"/>
+                <a:cs typeface="Arial" panose="020B0604020202020204" pitchFamily="34" charset="0"/>
+              </a:rPr>
+              <a:t>: 100px </a:t>
+            </a:r>
+            <a:r>
+              <a:rPr lang="de-CH" dirty="0" err="1">
+                <a:latin typeface="Arial" panose="020B0604020202020204" pitchFamily="34" charset="0"/>
+                <a:cs typeface="Arial" panose="020B0604020202020204" pitchFamily="34" charset="0"/>
+              </a:rPr>
+              <a:t>auto</a:t>
+            </a:r>
+            <a:r>
+              <a:rPr lang="de-CH" dirty="0">
+                <a:latin typeface="Arial" panose="020B0604020202020204" pitchFamily="34" charset="0"/>
+                <a:cs typeface="Arial" panose="020B0604020202020204" pitchFamily="34" charset="0"/>
+              </a:rPr>
+              <a:t> 100px;</a:t>
+            </a:r>
+            <a:endParaRPr lang="de-DE" dirty="0"/>
+          </a:p>
+        </p:txBody>
+      </p:sp>
+    </p:spTree>
+    <p:extLst>
+      <p:ext uri="{BB962C8B-B14F-4D97-AF65-F5344CB8AC3E}">
+        <p14:creationId xmlns:p14="http://schemas.microsoft.com/office/powerpoint/2010/main" val="3096845263"/>
+      </p:ext>
+    </p:extLst>
+  </p:cSld>
+  <p:clrMapOvr>
+    <a:masterClrMapping/>
+  </p:clrMapOvr>
+</p:sld>
+</file>
+
+<file path=ppt/slides/slide107.xml><?xml version="1.0" encoding="utf-8"?>
+<p:sld xmlns:a="http://schemas.openxmlformats.org/drawingml/2006/main" xmlns:r="http://schemas.openxmlformats.org/officeDocument/2006/relationships" xmlns:p="http://schemas.openxmlformats.org/presentationml/2006/main">
+  <p:cSld>
+    <p:spTree>
+      <p:nvGrpSpPr>
+        <p:cNvPr id="1" name=""/>
+        <p:cNvGrpSpPr/>
+        <p:nvPr/>
+      </p:nvGrpSpPr>
+      <p:grpSpPr>
+        <a:xfrm>
+          <a:off x="0" y="0"/>
+          <a:ext cx="0" cy="0"/>
+          <a:chOff x="0" y="0"/>
+          <a:chExt cx="0" cy="0"/>
+        </a:xfrm>
+      </p:grpSpPr>
+      <p:sp>
+        <p:nvSpPr>
+          <p:cNvPr id="2" name="Titel 1">
+            <a:extLst>
+              <a:ext uri="{FF2B5EF4-FFF2-40B4-BE49-F238E27FC236}">
+                <a16:creationId xmlns:a16="http://schemas.microsoft.com/office/drawing/2014/main" id="{42A5B1AA-ADEF-F348-A0E4-381E0CA6525F}"/>
+              </a:ext>
+            </a:extLst>
+          </p:cNvPr>
+          <p:cNvSpPr>
+            <a:spLocks noGrp="1"/>
+          </p:cNvSpPr>
+          <p:nvPr>
+            <p:ph type="title"/>
+          </p:nvPr>
+        </p:nvSpPr>
+        <p:spPr/>
+        <p:txBody>
+          <a:bodyPr/>
+          <a:lstStyle/>
+          <a:p>
+            <a:r>
+              <a:rPr lang="de-DE" dirty="0" err="1"/>
+              <a:t>Grid</a:t>
+            </a:r>
+            <a:r>
+              <a:rPr lang="de-DE" dirty="0"/>
+              <a:t>: Container Properties</a:t>
+            </a:r>
+          </a:p>
+        </p:txBody>
+      </p:sp>
+      <p:pic>
+        <p:nvPicPr>
+          <p:cNvPr id="5" name="Inhaltsplatzhalter 4">
+            <a:extLst>
+              <a:ext uri="{FF2B5EF4-FFF2-40B4-BE49-F238E27FC236}">
+                <a16:creationId xmlns:a16="http://schemas.microsoft.com/office/drawing/2014/main" id="{09F627C6-0BE4-2145-A7D3-7F54CD309458}"/>
+              </a:ext>
+            </a:extLst>
+          </p:cNvPr>
+          <p:cNvPicPr>
+            <a:picLocks noGrp="1" noChangeAspect="1"/>
+          </p:cNvPicPr>
+          <p:nvPr>
+            <p:ph idx="1"/>
+          </p:nvPr>
+        </p:nvPicPr>
+        <p:blipFill>
+          <a:blip r:embed="rId2"/>
+          <a:stretch>
+            <a:fillRect/>
+          </a:stretch>
+        </p:blipFill>
+        <p:spPr>
+          <a:xfrm>
+            <a:off x="680321" y="3343910"/>
+            <a:ext cx="7013709" cy="3022600"/>
+          </a:xfrm>
+        </p:spPr>
+      </p:pic>
+      <p:sp>
+        <p:nvSpPr>
+          <p:cNvPr id="6" name="Rechteck 5">
+            <a:extLst>
+              <a:ext uri="{FF2B5EF4-FFF2-40B4-BE49-F238E27FC236}">
+                <a16:creationId xmlns:a16="http://schemas.microsoft.com/office/drawing/2014/main" id="{1EEC8D5E-3E9D-3E4E-B228-D0BB3D94818B}"/>
+              </a:ext>
+            </a:extLst>
+          </p:cNvPr>
+          <p:cNvSpPr/>
+          <p:nvPr/>
+        </p:nvSpPr>
+        <p:spPr>
+          <a:xfrm>
+            <a:off x="680321" y="2317165"/>
+            <a:ext cx="6873240" cy="369332"/>
+          </a:xfrm>
+          <a:prstGeom prst="rect">
+            <a:avLst/>
+          </a:prstGeom>
+        </p:spPr>
+        <p:txBody>
+          <a:bodyPr wrap="square">
+            <a:spAutoFit/>
+          </a:bodyPr>
+          <a:lstStyle/>
+          <a:p>
+            <a:r>
+              <a:rPr lang="de-CH" dirty="0" err="1">
+                <a:latin typeface="Arial" panose="020B0604020202020204" pitchFamily="34" charset="0"/>
+                <a:cs typeface="Arial" panose="020B0604020202020204" pitchFamily="34" charset="0"/>
+              </a:rPr>
+              <a:t>grid</a:t>
+            </a:r>
+            <a:r>
+              <a:rPr lang="de-CH" dirty="0">
+                <a:latin typeface="Arial" panose="020B0604020202020204" pitchFamily="34" charset="0"/>
+                <a:cs typeface="Arial" panose="020B0604020202020204" pitchFamily="34" charset="0"/>
+              </a:rPr>
+              <a:t>-template-</a:t>
+            </a:r>
+            <a:r>
+              <a:rPr lang="de-CH" dirty="0" err="1">
+                <a:latin typeface="Arial" panose="020B0604020202020204" pitchFamily="34" charset="0"/>
+                <a:cs typeface="Arial" panose="020B0604020202020204" pitchFamily="34" charset="0"/>
+              </a:rPr>
+              <a:t>columns</a:t>
+            </a:r>
+            <a:r>
+              <a:rPr lang="de-CH" dirty="0">
+                <a:latin typeface="Arial" panose="020B0604020202020204" pitchFamily="34" charset="0"/>
+                <a:cs typeface="Arial" panose="020B0604020202020204" pitchFamily="34" charset="0"/>
+              </a:rPr>
+              <a:t>: [eins] 20% [zwei] 60% [drei] 20% [vier];</a:t>
+            </a:r>
+            <a:endParaRPr lang="de-DE" dirty="0"/>
+          </a:p>
+        </p:txBody>
+      </p:sp>
+      <p:sp>
+        <p:nvSpPr>
+          <p:cNvPr id="7" name="Rechteck 6">
+            <a:extLst>
+              <a:ext uri="{FF2B5EF4-FFF2-40B4-BE49-F238E27FC236}">
+                <a16:creationId xmlns:a16="http://schemas.microsoft.com/office/drawing/2014/main" id="{DEBF59EC-59FB-C14F-A76E-FCF584425CF1}"/>
+              </a:ext>
+            </a:extLst>
+          </p:cNvPr>
+          <p:cNvSpPr/>
+          <p:nvPr/>
+        </p:nvSpPr>
+        <p:spPr>
+          <a:xfrm>
+            <a:off x="680321" y="2686497"/>
+            <a:ext cx="7044690" cy="369332"/>
+          </a:xfrm>
+          <a:prstGeom prst="rect">
+            <a:avLst/>
+          </a:prstGeom>
+        </p:spPr>
+        <p:txBody>
+          <a:bodyPr wrap="square">
+            <a:spAutoFit/>
+          </a:bodyPr>
+          <a:lstStyle/>
+          <a:p>
+            <a:r>
+              <a:rPr lang="de-CH" dirty="0" err="1">
+                <a:latin typeface="Arial" panose="020B0604020202020204" pitchFamily="34" charset="0"/>
+                <a:cs typeface="Arial" panose="020B0604020202020204" pitchFamily="34" charset="0"/>
+              </a:rPr>
+              <a:t>grid</a:t>
+            </a:r>
+            <a:r>
+              <a:rPr lang="de-CH" dirty="0">
+                <a:latin typeface="Arial" panose="020B0604020202020204" pitchFamily="34" charset="0"/>
+                <a:cs typeface="Arial" panose="020B0604020202020204" pitchFamily="34" charset="0"/>
+              </a:rPr>
+              <a:t>-template-</a:t>
+            </a:r>
+            <a:r>
+              <a:rPr lang="de-CH" dirty="0" err="1">
+                <a:latin typeface="Arial" panose="020B0604020202020204" pitchFamily="34" charset="0"/>
+                <a:cs typeface="Arial" panose="020B0604020202020204" pitchFamily="34" charset="0"/>
+              </a:rPr>
+              <a:t>rows</a:t>
+            </a:r>
+            <a:r>
+              <a:rPr lang="de-CH" dirty="0">
+                <a:latin typeface="Arial" panose="020B0604020202020204" pitchFamily="34" charset="0"/>
+                <a:cs typeface="Arial" panose="020B0604020202020204" pitchFamily="34" charset="0"/>
+              </a:rPr>
+              <a:t>: [row1] 100px [row2] </a:t>
+            </a:r>
+            <a:r>
+              <a:rPr lang="de-CH" dirty="0" err="1">
+                <a:latin typeface="Arial" panose="020B0604020202020204" pitchFamily="34" charset="0"/>
+                <a:cs typeface="Arial" panose="020B0604020202020204" pitchFamily="34" charset="0"/>
+              </a:rPr>
+              <a:t>auto</a:t>
+            </a:r>
+            <a:r>
+              <a:rPr lang="de-CH" dirty="0">
+                <a:latin typeface="Arial" panose="020B0604020202020204" pitchFamily="34" charset="0"/>
+                <a:cs typeface="Arial" panose="020B0604020202020204" pitchFamily="34" charset="0"/>
+              </a:rPr>
+              <a:t> [row3] 100px [ende];</a:t>
+            </a:r>
+            <a:endParaRPr lang="de-DE" dirty="0"/>
+          </a:p>
+        </p:txBody>
+      </p:sp>
+    </p:spTree>
+    <p:extLst>
+      <p:ext uri="{BB962C8B-B14F-4D97-AF65-F5344CB8AC3E}">
+        <p14:creationId xmlns:p14="http://schemas.microsoft.com/office/powerpoint/2010/main" val="1020404966"/>
+      </p:ext>
+    </p:extLst>
+  </p:cSld>
+  <p:clrMapOvr>
+    <a:masterClrMapping/>
+  </p:clrMapOvr>
+</p:sld>
+</file>
+
+<file path=ppt/slides/slide108.xml><?xml version="1.0" encoding="utf-8"?>
+<p:sld xmlns:a="http://schemas.openxmlformats.org/drawingml/2006/main" xmlns:r="http://schemas.openxmlformats.org/officeDocument/2006/relationships" xmlns:p="http://schemas.openxmlformats.org/presentationml/2006/main">
+  <p:cSld>
+    <p:spTree>
+      <p:nvGrpSpPr>
+        <p:cNvPr id="1" name=""/>
+        <p:cNvGrpSpPr/>
+        <p:nvPr/>
+      </p:nvGrpSpPr>
+      <p:grpSpPr>
+        <a:xfrm>
+          <a:off x="0" y="0"/>
+          <a:ext cx="0" cy="0"/>
+          <a:chOff x="0" y="0"/>
+          <a:chExt cx="0" cy="0"/>
+        </a:xfrm>
+      </p:grpSpPr>
+      <p:sp>
+        <p:nvSpPr>
+          <p:cNvPr id="2" name="Titel 1">
+            <a:extLst>
+              <a:ext uri="{FF2B5EF4-FFF2-40B4-BE49-F238E27FC236}">
                 <a16:creationId xmlns:a16="http://schemas.microsoft.com/office/drawing/2014/main" id="{D519ED13-21BE-A54C-A031-AD61373B520E}"/>
               </a:ext>
             </a:extLst>
@@ -10502,7 +11036,7 @@
 </p:sld>
 </file>
 
-<file path=ppt/slides/slide107.xml><?xml version="1.0" encoding="utf-8"?>
+<file path=ppt/slides/slide109.xml><?xml version="1.0" encoding="utf-8"?>
 <p:sld xmlns:a="http://schemas.openxmlformats.org/drawingml/2006/main" xmlns:r="http://schemas.openxmlformats.org/officeDocument/2006/relationships" xmlns:p="http://schemas.openxmlformats.org/presentationml/2006/main">
   <p:cSld>
     <p:spTree>
@@ -10873,7 +11407,94 @@
 </p:sld>
 </file>
 
-<file path=ppt/slides/slide108.xml><?xml version="1.0" encoding="utf-8"?>
+<file path=ppt/slides/slide11.xml><?xml version="1.0" encoding="utf-8"?>
+<p:sld xmlns:a="http://schemas.openxmlformats.org/drawingml/2006/main" xmlns:r="http://schemas.openxmlformats.org/officeDocument/2006/relationships" xmlns:p="http://schemas.openxmlformats.org/presentationml/2006/main">
+  <p:cSld>
+    <p:spTree>
+      <p:nvGrpSpPr>
+        <p:cNvPr id="1" name=""/>
+        <p:cNvGrpSpPr/>
+        <p:nvPr/>
+      </p:nvGrpSpPr>
+      <p:grpSpPr>
+        <a:xfrm>
+          <a:off x="0" y="0"/>
+          <a:ext cx="0" cy="0"/>
+          <a:chOff x="0" y="0"/>
+          <a:chExt cx="0" cy="0"/>
+        </a:xfrm>
+      </p:grpSpPr>
+      <p:sp>
+        <p:nvSpPr>
+          <p:cNvPr id="2" name="Title 1">
+            <a:extLst>
+              <a:ext uri="{FF2B5EF4-FFF2-40B4-BE49-F238E27FC236}">
+                <a16:creationId xmlns:a16="http://schemas.microsoft.com/office/drawing/2014/main" id="{D4842EE6-90FE-4D4F-8FD5-8BF05E56109F}"/>
+              </a:ext>
+            </a:extLst>
+          </p:cNvPr>
+          <p:cNvSpPr>
+            <a:spLocks noGrp="1"/>
+          </p:cNvSpPr>
+          <p:nvPr>
+            <p:ph type="title"/>
+          </p:nvPr>
+        </p:nvSpPr>
+        <p:spPr/>
+        <p:txBody>
+          <a:bodyPr/>
+          <a:lstStyle/>
+          <a:p>
+            <a:r>
+              <a:rPr lang="en-US" dirty="0"/>
+              <a:t>DOM</a:t>
+            </a:r>
+          </a:p>
+        </p:txBody>
+      </p:sp>
+      <p:pic>
+        <p:nvPicPr>
+          <p:cNvPr id="5" name="Content Placeholder 4">
+            <a:extLst>
+              <a:ext uri="{FF2B5EF4-FFF2-40B4-BE49-F238E27FC236}">
+                <a16:creationId xmlns:a16="http://schemas.microsoft.com/office/drawing/2014/main" id="{578B15D8-F54D-294D-9CF9-5CCCA0E3553F}"/>
+              </a:ext>
+            </a:extLst>
+          </p:cNvPr>
+          <p:cNvPicPr>
+            <a:picLocks noGrp="1" noChangeAspect="1"/>
+          </p:cNvPicPr>
+          <p:nvPr>
+            <p:ph idx="1"/>
+          </p:nvPr>
+        </p:nvPicPr>
+        <p:blipFill>
+          <a:blip r:embed="rId2"/>
+          <a:stretch>
+            <a:fillRect/>
+          </a:stretch>
+        </p:blipFill>
+        <p:spPr>
+          <a:xfrm>
+            <a:off x="2921596" y="2116083"/>
+            <a:ext cx="6348807" cy="4370462"/>
+          </a:xfrm>
+        </p:spPr>
+      </p:pic>
+    </p:spTree>
+    <p:extLst>
+      <p:ext uri="{BB962C8B-B14F-4D97-AF65-F5344CB8AC3E}">
+        <p14:creationId xmlns:p14="http://schemas.microsoft.com/office/powerpoint/2010/main" val="777804555"/>
+      </p:ext>
+    </p:extLst>
+  </p:cSld>
+  <p:clrMapOvr>
+    <a:masterClrMapping/>
+  </p:clrMapOvr>
+</p:sld>
+</file>
+
+<file path=ppt/slides/slide110.xml><?xml version="1.0" encoding="utf-8"?>
 <p:sld xmlns:a="http://schemas.openxmlformats.org/drawingml/2006/main" xmlns:r="http://schemas.openxmlformats.org/officeDocument/2006/relationships" xmlns:p="http://schemas.openxmlformats.org/presentationml/2006/main">
   <p:cSld>
     <p:spTree>
@@ -11078,7 +11699,7 @@
 </p:sld>
 </file>
 
-<file path=ppt/slides/slide109.xml><?xml version="1.0" encoding="utf-8"?>
+<file path=ppt/slides/slide111.xml><?xml version="1.0" encoding="utf-8"?>
 <p:sld xmlns:a="http://schemas.openxmlformats.org/drawingml/2006/main" xmlns:r="http://schemas.openxmlformats.org/officeDocument/2006/relationships" xmlns:p="http://schemas.openxmlformats.org/presentationml/2006/main">
   <p:cSld>
     <p:spTree>
@@ -11778,7 +12399,7 @@
 </p:sld>
 </file>
 
-<file path=ppt/slides/slide11.xml><?xml version="1.0" encoding="utf-8"?>
+<file path=ppt/slides/slide112.xml><?xml version="1.0" encoding="utf-8"?>
 <p:sld xmlns:a="http://schemas.openxmlformats.org/drawingml/2006/main" xmlns:r="http://schemas.openxmlformats.org/officeDocument/2006/relationships" xmlns:p="http://schemas.openxmlformats.org/presentationml/2006/main">
   <p:cSld>
     <p:spTree>
@@ -11800,93 +12421,6 @@
           <p:cNvPr id="2" name="Title 1">
             <a:extLst>
               <a:ext uri="{FF2B5EF4-FFF2-40B4-BE49-F238E27FC236}">
-                <a16:creationId xmlns:a16="http://schemas.microsoft.com/office/drawing/2014/main" id="{D4842EE6-90FE-4D4F-8FD5-8BF05E56109F}"/>
-              </a:ext>
-            </a:extLst>
-          </p:cNvPr>
-          <p:cNvSpPr>
-            <a:spLocks noGrp="1"/>
-          </p:cNvSpPr>
-          <p:nvPr>
-            <p:ph type="title"/>
-          </p:nvPr>
-        </p:nvSpPr>
-        <p:spPr/>
-        <p:txBody>
-          <a:bodyPr/>
-          <a:lstStyle/>
-          <a:p>
-            <a:r>
-              <a:rPr lang="en-US" dirty="0"/>
-              <a:t>DOM</a:t>
-            </a:r>
-          </a:p>
-        </p:txBody>
-      </p:sp>
-      <p:pic>
-        <p:nvPicPr>
-          <p:cNvPr id="5" name="Content Placeholder 4">
-            <a:extLst>
-              <a:ext uri="{FF2B5EF4-FFF2-40B4-BE49-F238E27FC236}">
-                <a16:creationId xmlns:a16="http://schemas.microsoft.com/office/drawing/2014/main" id="{578B15D8-F54D-294D-9CF9-5CCCA0E3553F}"/>
-              </a:ext>
-            </a:extLst>
-          </p:cNvPr>
-          <p:cNvPicPr>
-            <a:picLocks noGrp="1" noChangeAspect="1"/>
-          </p:cNvPicPr>
-          <p:nvPr>
-            <p:ph idx="1"/>
-          </p:nvPr>
-        </p:nvPicPr>
-        <p:blipFill>
-          <a:blip r:embed="rId2"/>
-          <a:stretch>
-            <a:fillRect/>
-          </a:stretch>
-        </p:blipFill>
-        <p:spPr>
-          <a:xfrm>
-            <a:off x="2921596" y="2116083"/>
-            <a:ext cx="6348807" cy="4370462"/>
-          </a:xfrm>
-        </p:spPr>
-      </p:pic>
-    </p:spTree>
-    <p:extLst>
-      <p:ext uri="{BB962C8B-B14F-4D97-AF65-F5344CB8AC3E}">
-        <p14:creationId xmlns:p14="http://schemas.microsoft.com/office/powerpoint/2010/main" val="777804555"/>
-      </p:ext>
-    </p:extLst>
-  </p:cSld>
-  <p:clrMapOvr>
-    <a:masterClrMapping/>
-  </p:clrMapOvr>
-</p:sld>
-</file>
-
-<file path=ppt/slides/slide110.xml><?xml version="1.0" encoding="utf-8"?>
-<p:sld xmlns:a="http://schemas.openxmlformats.org/drawingml/2006/main" xmlns:r="http://schemas.openxmlformats.org/officeDocument/2006/relationships" xmlns:p="http://schemas.openxmlformats.org/presentationml/2006/main">
-  <p:cSld>
-    <p:spTree>
-      <p:nvGrpSpPr>
-        <p:cNvPr id="1" name=""/>
-        <p:cNvGrpSpPr/>
-        <p:nvPr/>
-      </p:nvGrpSpPr>
-      <p:grpSpPr>
-        <a:xfrm>
-          <a:off x="0" y="0"/>
-          <a:ext cx="0" cy="0"/>
-          <a:chOff x="0" y="0"/>
-          <a:chExt cx="0" cy="0"/>
-        </a:xfrm>
-      </p:grpSpPr>
-      <p:sp>
-        <p:nvSpPr>
-          <p:cNvPr id="2" name="Title 1">
-            <a:extLst>
-              <a:ext uri="{FF2B5EF4-FFF2-40B4-BE49-F238E27FC236}">
                 <a16:creationId xmlns:a16="http://schemas.microsoft.com/office/drawing/2014/main" id="{D19ADA92-AB07-1841-8DDE-D3B5425A6490}"/>
               </a:ext>
             </a:extLst>
@@ -11973,7 +12507,7 @@
 </p:sld>
 </file>
 
-<file path=ppt/slides/slide111.xml><?xml version="1.0" encoding="utf-8"?>
+<file path=ppt/slides/slide113.xml><?xml version="1.0" encoding="utf-8"?>
 <p:sld xmlns:a="http://schemas.openxmlformats.org/drawingml/2006/main" xmlns:r="http://schemas.openxmlformats.org/officeDocument/2006/relationships" xmlns:p="http://schemas.openxmlformats.org/presentationml/2006/main">
   <p:cSld>
     <p:spTree>
@@ -12139,7 +12673,7 @@
 </p:sld>
 </file>
 
-<file path=ppt/slides/slide112.xml><?xml version="1.0" encoding="utf-8"?>
+<file path=ppt/slides/slide114.xml><?xml version="1.0" encoding="utf-8"?>
 <p:sld xmlns:a="http://schemas.openxmlformats.org/drawingml/2006/main" xmlns:r="http://schemas.openxmlformats.org/officeDocument/2006/relationships" xmlns:p="http://schemas.openxmlformats.org/presentationml/2006/main">
   <p:cSld>
     <p:spTree>
@@ -30914,6 +31448,599 @@
       </p:grpSpPr>
       <p:sp>
         <p:nvSpPr>
+          <p:cNvPr id="2" name="Titel 1">
+            <a:extLst>
+              <a:ext uri="{FF2B5EF4-FFF2-40B4-BE49-F238E27FC236}">
+                <a16:creationId xmlns:a16="http://schemas.microsoft.com/office/drawing/2014/main" id="{05A95A32-40E1-C444-81B5-0BA8A6C28264}"/>
+              </a:ext>
+            </a:extLst>
+          </p:cNvPr>
+          <p:cNvSpPr>
+            <a:spLocks noGrp="1"/>
+          </p:cNvSpPr>
+          <p:nvPr>
+            <p:ph type="title"/>
+          </p:nvPr>
+        </p:nvSpPr>
+        <p:spPr/>
+        <p:txBody>
+          <a:bodyPr/>
+          <a:lstStyle/>
+          <a:p>
+            <a:r>
+              <a:rPr lang="de-DE" dirty="0"/>
+              <a:t>Media </a:t>
+            </a:r>
+            <a:r>
+              <a:rPr lang="de-DE" dirty="0" err="1"/>
+              <a:t>Queries</a:t>
+            </a:r>
+            <a:endParaRPr lang="de-DE" dirty="0"/>
+          </a:p>
+        </p:txBody>
+      </p:sp>
+      <p:sp>
+        <p:nvSpPr>
+          <p:cNvPr id="3" name="Inhaltsplatzhalter 2">
+            <a:extLst>
+              <a:ext uri="{FF2B5EF4-FFF2-40B4-BE49-F238E27FC236}">
+                <a16:creationId xmlns:a16="http://schemas.microsoft.com/office/drawing/2014/main" id="{FE3FA2DA-A5E2-C84F-BD77-12DE906DD9C1}"/>
+              </a:ext>
+            </a:extLst>
+          </p:cNvPr>
+          <p:cNvSpPr>
+            <a:spLocks noGrp="1"/>
+          </p:cNvSpPr>
+          <p:nvPr>
+            <p:ph idx="1"/>
+          </p:nvPr>
+        </p:nvSpPr>
+        <p:spPr/>
+        <p:txBody>
+          <a:bodyPr/>
+          <a:lstStyle/>
+          <a:p>
+            <a:r>
+              <a:rPr lang="de-DE" dirty="0"/>
+              <a:t>Mit </a:t>
+            </a:r>
+            <a:r>
+              <a:rPr lang="de-DE" dirty="0" err="1"/>
+              <a:t>media</a:t>
+            </a:r>
+            <a:r>
+              <a:rPr lang="de-DE" dirty="0"/>
+              <a:t> </a:t>
+            </a:r>
+            <a:r>
+              <a:rPr lang="de-DE" dirty="0" err="1"/>
+              <a:t>queries</a:t>
+            </a:r>
+            <a:r>
+              <a:rPr lang="de-DE" dirty="0"/>
+              <a:t> kann man das </a:t>
+            </a:r>
+            <a:r>
+              <a:rPr lang="de-DE" dirty="0" err="1"/>
+              <a:t>responsive</a:t>
+            </a:r>
+            <a:r>
+              <a:rPr lang="de-DE" dirty="0"/>
+              <a:t> Verhalten einer Webseite steuern. Also beispielsweise, was soll auf Smartphones und was soll auf Desktop Bildschirmen angezeigt werden.</a:t>
+            </a:r>
+          </a:p>
+          <a:p>
+            <a:r>
+              <a:rPr lang="de-DE" dirty="0"/>
+              <a:t>z.B.:</a:t>
+            </a:r>
+            <a:br>
+              <a:rPr lang="de-DE" dirty="0"/>
+            </a:br>
+            <a:r>
+              <a:rPr lang="de-DE" sz="1800" dirty="0">
+                <a:latin typeface="Arial" panose="020B0604020202020204" pitchFamily="34" charset="0"/>
+                <a:cs typeface="Arial" panose="020B0604020202020204" pitchFamily="34" charset="0"/>
+              </a:rPr>
+              <a:t>@</a:t>
+            </a:r>
+            <a:r>
+              <a:rPr lang="de-DE" sz="1800" dirty="0" err="1">
+                <a:latin typeface="Arial" panose="020B0604020202020204" pitchFamily="34" charset="0"/>
+                <a:cs typeface="Arial" panose="020B0604020202020204" pitchFamily="34" charset="0"/>
+              </a:rPr>
+              <a:t>media</a:t>
+            </a:r>
+            <a:r>
+              <a:rPr lang="de-DE" sz="1800" dirty="0">
+                <a:latin typeface="Arial" panose="020B0604020202020204" pitchFamily="34" charset="0"/>
+                <a:cs typeface="Arial" panose="020B0604020202020204" pitchFamily="34" charset="0"/>
+              </a:rPr>
+              <a:t> </a:t>
+            </a:r>
+            <a:r>
+              <a:rPr lang="de-DE" sz="1800" dirty="0" err="1">
+                <a:latin typeface="Arial" panose="020B0604020202020204" pitchFamily="34" charset="0"/>
+                <a:cs typeface="Arial" panose="020B0604020202020204" pitchFamily="34" charset="0"/>
+              </a:rPr>
+              <a:t>screen</a:t>
+            </a:r>
+            <a:r>
+              <a:rPr lang="de-DE" sz="1800" dirty="0">
+                <a:latin typeface="Arial" panose="020B0604020202020204" pitchFamily="34" charset="0"/>
+                <a:cs typeface="Arial" panose="020B0604020202020204" pitchFamily="34" charset="0"/>
+              </a:rPr>
+              <a:t> </a:t>
+            </a:r>
+            <a:r>
+              <a:rPr lang="de-DE" sz="1800" dirty="0" err="1">
+                <a:latin typeface="Arial" panose="020B0604020202020204" pitchFamily="34" charset="0"/>
+                <a:cs typeface="Arial" panose="020B0604020202020204" pitchFamily="34" charset="0"/>
+              </a:rPr>
+              <a:t>and</a:t>
+            </a:r>
+            <a:r>
+              <a:rPr lang="de-DE" sz="1800" dirty="0">
+                <a:latin typeface="Arial" panose="020B0604020202020204" pitchFamily="34" charset="0"/>
+                <a:cs typeface="Arial" panose="020B0604020202020204" pitchFamily="34" charset="0"/>
+              </a:rPr>
+              <a:t> (min-</a:t>
+            </a:r>
+            <a:r>
+              <a:rPr lang="de-DE" sz="1800" dirty="0" err="1">
+                <a:latin typeface="Arial" panose="020B0604020202020204" pitchFamily="34" charset="0"/>
+                <a:cs typeface="Arial" panose="020B0604020202020204" pitchFamily="34" charset="0"/>
+              </a:rPr>
+              <a:t>width</a:t>
+            </a:r>
+            <a:r>
+              <a:rPr lang="de-DE" sz="1800" dirty="0">
+                <a:latin typeface="Arial" panose="020B0604020202020204" pitchFamily="34" charset="0"/>
+                <a:cs typeface="Arial" panose="020B0604020202020204" pitchFamily="34" charset="0"/>
+              </a:rPr>
+              <a:t>: 450px) {</a:t>
+            </a:r>
+            <a:br>
+              <a:rPr lang="de-DE" sz="1800" dirty="0">
+                <a:latin typeface="Arial" panose="020B0604020202020204" pitchFamily="34" charset="0"/>
+                <a:cs typeface="Arial" panose="020B0604020202020204" pitchFamily="34" charset="0"/>
+              </a:rPr>
+            </a:br>
+            <a:r>
+              <a:rPr lang="de-DE" sz="1800" dirty="0">
+                <a:latin typeface="Arial" panose="020B0604020202020204" pitchFamily="34" charset="0"/>
+                <a:cs typeface="Arial" panose="020B0604020202020204" pitchFamily="34" charset="0"/>
+              </a:rPr>
+              <a:t>    …	</a:t>
+            </a:r>
+            <a:r>
+              <a:rPr lang="de-DE" sz="1800" dirty="0">
+                <a:solidFill>
+                  <a:schemeClr val="bg1"/>
+                </a:solidFill>
+                <a:latin typeface="Arial" panose="020B0604020202020204" pitchFamily="34" charset="0"/>
+                <a:cs typeface="Arial" panose="020B0604020202020204" pitchFamily="34" charset="0"/>
+              </a:rPr>
+              <a:t>Styles für Bildschirmbreiten grösser 450px</a:t>
+            </a:r>
+            <a:br>
+              <a:rPr lang="de-DE" sz="1800" dirty="0">
+                <a:latin typeface="Arial" panose="020B0604020202020204" pitchFamily="34" charset="0"/>
+                <a:cs typeface="Arial" panose="020B0604020202020204" pitchFamily="34" charset="0"/>
+              </a:rPr>
+            </a:br>
+            <a:r>
+              <a:rPr lang="de-DE" sz="1800" dirty="0">
+                <a:latin typeface="Arial" panose="020B0604020202020204" pitchFamily="34" charset="0"/>
+                <a:cs typeface="Arial" panose="020B0604020202020204" pitchFamily="34" charset="0"/>
+              </a:rPr>
+              <a:t>}</a:t>
+            </a:r>
+            <a:br>
+              <a:rPr lang="de-DE" sz="1800" dirty="0">
+                <a:latin typeface="Arial" panose="020B0604020202020204" pitchFamily="34" charset="0"/>
+                <a:cs typeface="Arial" panose="020B0604020202020204" pitchFamily="34" charset="0"/>
+              </a:rPr>
+            </a:br>
+            <a:br>
+              <a:rPr lang="de-DE" sz="1800" dirty="0">
+                <a:latin typeface="Arial" panose="020B0604020202020204" pitchFamily="34" charset="0"/>
+                <a:cs typeface="Arial" panose="020B0604020202020204" pitchFamily="34" charset="0"/>
+              </a:rPr>
+            </a:br>
+            <a:r>
+              <a:rPr lang="de-DE" sz="1800" dirty="0">
+                <a:latin typeface="Arial" panose="020B0604020202020204" pitchFamily="34" charset="0"/>
+                <a:cs typeface="Arial" panose="020B0604020202020204" pitchFamily="34" charset="0"/>
+              </a:rPr>
+              <a:t>@</a:t>
+            </a:r>
+            <a:r>
+              <a:rPr lang="de-DE" sz="1800" dirty="0" err="1">
+                <a:latin typeface="Arial" panose="020B0604020202020204" pitchFamily="34" charset="0"/>
+                <a:cs typeface="Arial" panose="020B0604020202020204" pitchFamily="34" charset="0"/>
+              </a:rPr>
+              <a:t>media</a:t>
+            </a:r>
+            <a:r>
+              <a:rPr lang="de-DE" sz="1800" dirty="0">
+                <a:latin typeface="Arial" panose="020B0604020202020204" pitchFamily="34" charset="0"/>
+                <a:cs typeface="Arial" panose="020B0604020202020204" pitchFamily="34" charset="0"/>
+              </a:rPr>
+              <a:t> </a:t>
+            </a:r>
+            <a:r>
+              <a:rPr lang="de-DE" sz="1800" dirty="0" err="1">
+                <a:latin typeface="Arial" panose="020B0604020202020204" pitchFamily="34" charset="0"/>
+                <a:cs typeface="Arial" panose="020B0604020202020204" pitchFamily="34" charset="0"/>
+              </a:rPr>
+              <a:t>screen</a:t>
+            </a:r>
+            <a:r>
+              <a:rPr lang="de-DE" sz="1800" dirty="0">
+                <a:latin typeface="Arial" panose="020B0604020202020204" pitchFamily="34" charset="0"/>
+                <a:cs typeface="Arial" panose="020B0604020202020204" pitchFamily="34" charset="0"/>
+              </a:rPr>
+              <a:t> </a:t>
+            </a:r>
+            <a:r>
+              <a:rPr lang="de-DE" sz="1800" dirty="0" err="1">
+                <a:latin typeface="Arial" panose="020B0604020202020204" pitchFamily="34" charset="0"/>
+                <a:cs typeface="Arial" panose="020B0604020202020204" pitchFamily="34" charset="0"/>
+              </a:rPr>
+              <a:t>and</a:t>
+            </a:r>
+            <a:r>
+              <a:rPr lang="de-DE" sz="1800" dirty="0">
+                <a:latin typeface="Arial" panose="020B0604020202020204" pitchFamily="34" charset="0"/>
+                <a:cs typeface="Arial" panose="020B0604020202020204" pitchFamily="34" charset="0"/>
+              </a:rPr>
+              <a:t> (min-</a:t>
+            </a:r>
+            <a:r>
+              <a:rPr lang="de-DE" sz="1800" dirty="0" err="1">
+                <a:latin typeface="Arial" panose="020B0604020202020204" pitchFamily="34" charset="0"/>
+                <a:cs typeface="Arial" panose="020B0604020202020204" pitchFamily="34" charset="0"/>
+              </a:rPr>
+              <a:t>width</a:t>
+            </a:r>
+            <a:r>
+              <a:rPr lang="de-DE" sz="1800" dirty="0">
+                <a:latin typeface="Arial" panose="020B0604020202020204" pitchFamily="34" charset="0"/>
+                <a:cs typeface="Arial" panose="020B0604020202020204" pitchFamily="34" charset="0"/>
+              </a:rPr>
+              <a:t>: 450px) </a:t>
+            </a:r>
+            <a:r>
+              <a:rPr lang="de-CH" sz="1800" dirty="0" err="1">
+                <a:latin typeface="Arial" panose="020B0604020202020204" pitchFamily="34" charset="0"/>
+                <a:cs typeface="Arial" panose="020B0604020202020204" pitchFamily="34" charset="0"/>
+              </a:rPr>
+              <a:t>and</a:t>
+            </a:r>
+            <a:r>
+              <a:rPr lang="de-CH" sz="1800" dirty="0">
+                <a:latin typeface="Arial" panose="020B0604020202020204" pitchFamily="34" charset="0"/>
+                <a:cs typeface="Arial" panose="020B0604020202020204" pitchFamily="34" charset="0"/>
+              </a:rPr>
+              <a:t> (</a:t>
+            </a:r>
+            <a:r>
+              <a:rPr lang="de-CH" sz="1800" dirty="0" err="1">
+                <a:latin typeface="Arial" panose="020B0604020202020204" pitchFamily="34" charset="0"/>
+                <a:cs typeface="Arial" panose="020B0604020202020204" pitchFamily="34" charset="0"/>
+              </a:rPr>
+              <a:t>max-width</a:t>
+            </a:r>
+            <a:r>
+              <a:rPr lang="de-CH" sz="1800" dirty="0">
+                <a:latin typeface="Arial" panose="020B0604020202020204" pitchFamily="34" charset="0"/>
+                <a:cs typeface="Arial" panose="020B0604020202020204" pitchFamily="34" charset="0"/>
+              </a:rPr>
+              <a:t>: 900px) </a:t>
+            </a:r>
+            <a:r>
+              <a:rPr lang="de-DE" sz="1800" dirty="0">
+                <a:latin typeface="Arial" panose="020B0604020202020204" pitchFamily="34" charset="0"/>
+                <a:cs typeface="Arial" panose="020B0604020202020204" pitchFamily="34" charset="0"/>
+              </a:rPr>
+              <a:t>{</a:t>
+            </a:r>
+            <a:br>
+              <a:rPr lang="de-DE" sz="1800" dirty="0">
+                <a:latin typeface="Arial" panose="020B0604020202020204" pitchFamily="34" charset="0"/>
+                <a:cs typeface="Arial" panose="020B0604020202020204" pitchFamily="34" charset="0"/>
+              </a:rPr>
+            </a:br>
+            <a:r>
+              <a:rPr lang="de-DE" sz="1800" dirty="0">
+                <a:latin typeface="Arial" panose="020B0604020202020204" pitchFamily="34" charset="0"/>
+                <a:cs typeface="Arial" panose="020B0604020202020204" pitchFamily="34" charset="0"/>
+              </a:rPr>
+              <a:t>    …	</a:t>
+            </a:r>
+            <a:r>
+              <a:rPr lang="de-DE" sz="1800" dirty="0">
+                <a:solidFill>
+                  <a:schemeClr val="bg1"/>
+                </a:solidFill>
+                <a:latin typeface="Arial" panose="020B0604020202020204" pitchFamily="34" charset="0"/>
+                <a:cs typeface="Arial" panose="020B0604020202020204" pitchFamily="34" charset="0"/>
+              </a:rPr>
+              <a:t>Styles für Bildschirmbreiten grösser 450px und kleiner 900px</a:t>
+            </a:r>
+            <a:br>
+              <a:rPr lang="de-DE" sz="1800" dirty="0">
+                <a:latin typeface="Arial" panose="020B0604020202020204" pitchFamily="34" charset="0"/>
+                <a:cs typeface="Arial" panose="020B0604020202020204" pitchFamily="34" charset="0"/>
+              </a:rPr>
+            </a:br>
+            <a:r>
+              <a:rPr lang="de-DE" sz="1800" dirty="0">
+                <a:latin typeface="Arial" panose="020B0604020202020204" pitchFamily="34" charset="0"/>
+                <a:cs typeface="Arial" panose="020B0604020202020204" pitchFamily="34" charset="0"/>
+              </a:rPr>
+              <a:t>}</a:t>
+            </a:r>
+          </a:p>
+        </p:txBody>
+      </p:sp>
+    </p:spTree>
+    <p:extLst>
+      <p:ext uri="{BB962C8B-B14F-4D97-AF65-F5344CB8AC3E}">
+        <p14:creationId xmlns:p14="http://schemas.microsoft.com/office/powerpoint/2010/main" val="2536957321"/>
+      </p:ext>
+    </p:extLst>
+  </p:cSld>
+  <p:clrMapOvr>
+    <a:masterClrMapping/>
+  </p:clrMapOvr>
+</p:sld>
+</file>
+
+<file path=ppt/slides/slide87.xml><?xml version="1.0" encoding="utf-8"?>
+<p:sld xmlns:a="http://schemas.openxmlformats.org/drawingml/2006/main" xmlns:r="http://schemas.openxmlformats.org/officeDocument/2006/relationships" xmlns:p="http://schemas.openxmlformats.org/presentationml/2006/main">
+  <p:cSld>
+    <p:spTree>
+      <p:nvGrpSpPr>
+        <p:cNvPr id="1" name=""/>
+        <p:cNvGrpSpPr/>
+        <p:nvPr/>
+      </p:nvGrpSpPr>
+      <p:grpSpPr>
+        <a:xfrm>
+          <a:off x="0" y="0"/>
+          <a:ext cx="0" cy="0"/>
+          <a:chOff x="0" y="0"/>
+          <a:chExt cx="0" cy="0"/>
+        </a:xfrm>
+      </p:grpSpPr>
+      <p:sp>
+        <p:nvSpPr>
+          <p:cNvPr id="2" name="Titel 1">
+            <a:extLst>
+              <a:ext uri="{FF2B5EF4-FFF2-40B4-BE49-F238E27FC236}">
+                <a16:creationId xmlns:a16="http://schemas.microsoft.com/office/drawing/2014/main" id="{BA908B3B-DEEB-254C-A695-7D6CB5D63B58}"/>
+              </a:ext>
+            </a:extLst>
+          </p:cNvPr>
+          <p:cNvSpPr>
+            <a:spLocks noGrp="1"/>
+          </p:cNvSpPr>
+          <p:nvPr>
+            <p:ph type="title"/>
+          </p:nvPr>
+        </p:nvSpPr>
+        <p:spPr/>
+        <p:txBody>
+          <a:bodyPr/>
+          <a:lstStyle/>
+          <a:p>
+            <a:r>
+              <a:rPr lang="de-DE" dirty="0"/>
+              <a:t>Übung</a:t>
+            </a:r>
+          </a:p>
+        </p:txBody>
+      </p:sp>
+      <p:sp>
+        <p:nvSpPr>
+          <p:cNvPr id="3" name="Inhaltsplatzhalter 2">
+            <a:extLst>
+              <a:ext uri="{FF2B5EF4-FFF2-40B4-BE49-F238E27FC236}">
+                <a16:creationId xmlns:a16="http://schemas.microsoft.com/office/drawing/2014/main" id="{B4B6B825-B6A4-BC44-8487-BB58B2DC3B94}"/>
+              </a:ext>
+            </a:extLst>
+          </p:cNvPr>
+          <p:cNvSpPr>
+            <a:spLocks noGrp="1"/>
+          </p:cNvSpPr>
+          <p:nvPr>
+            <p:ph idx="1"/>
+          </p:nvPr>
+        </p:nvSpPr>
+        <p:spPr/>
+        <p:txBody>
+          <a:bodyPr/>
+          <a:lstStyle/>
+          <a:p>
+            <a:r>
+              <a:rPr lang="de-DE" dirty="0"/>
+              <a:t>Mach unser Beispiel von vorher </a:t>
+            </a:r>
+            <a:r>
+              <a:rPr lang="de-DE" dirty="0" err="1"/>
+              <a:t>responsive</a:t>
+            </a:r>
+            <a:r>
+              <a:rPr lang="de-DE" dirty="0"/>
+              <a:t>…</a:t>
+            </a:r>
+          </a:p>
+        </p:txBody>
+      </p:sp>
+      <p:pic>
+        <p:nvPicPr>
+          <p:cNvPr id="5" name="Grafik 4">
+            <a:extLst>
+              <a:ext uri="{FF2B5EF4-FFF2-40B4-BE49-F238E27FC236}">
+                <a16:creationId xmlns:a16="http://schemas.microsoft.com/office/drawing/2014/main" id="{3C8F291D-FFD8-FF42-9ED2-DBE26BA37E34}"/>
+              </a:ext>
+            </a:extLst>
+          </p:cNvPr>
+          <p:cNvPicPr>
+            <a:picLocks noChangeAspect="1"/>
+          </p:cNvPicPr>
+          <p:nvPr/>
+        </p:nvPicPr>
+        <p:blipFill>
+          <a:blip r:embed="rId2"/>
+          <a:stretch>
+            <a:fillRect/>
+          </a:stretch>
+        </p:blipFill>
+        <p:spPr>
+          <a:xfrm>
+            <a:off x="876571" y="3253350"/>
+            <a:ext cx="2771485" cy="2867505"/>
+          </a:xfrm>
+          <a:prstGeom prst="rect">
+            <a:avLst/>
+          </a:prstGeom>
+        </p:spPr>
+      </p:pic>
+      <p:pic>
+        <p:nvPicPr>
+          <p:cNvPr id="7" name="Grafik 6">
+            <a:extLst>
+              <a:ext uri="{FF2B5EF4-FFF2-40B4-BE49-F238E27FC236}">
+                <a16:creationId xmlns:a16="http://schemas.microsoft.com/office/drawing/2014/main" id="{84246140-3403-1643-823C-401A1301936D}"/>
+              </a:ext>
+            </a:extLst>
+          </p:cNvPr>
+          <p:cNvPicPr>
+            <a:picLocks noChangeAspect="1"/>
+          </p:cNvPicPr>
+          <p:nvPr/>
+        </p:nvPicPr>
+        <p:blipFill>
+          <a:blip r:embed="rId3"/>
+          <a:stretch>
+            <a:fillRect/>
+          </a:stretch>
+        </p:blipFill>
+        <p:spPr>
+          <a:xfrm>
+            <a:off x="4382429" y="3253349"/>
+            <a:ext cx="6423102" cy="2867506"/>
+          </a:xfrm>
+          <a:prstGeom prst="rect">
+            <a:avLst/>
+          </a:prstGeom>
+        </p:spPr>
+      </p:pic>
+      <p:sp>
+        <p:nvSpPr>
+          <p:cNvPr id="8" name="Textfeld 7">
+            <a:extLst>
+              <a:ext uri="{FF2B5EF4-FFF2-40B4-BE49-F238E27FC236}">
+                <a16:creationId xmlns:a16="http://schemas.microsoft.com/office/drawing/2014/main" id="{7B72A44C-1C19-3243-BF4D-75A81981820F}"/>
+              </a:ext>
+            </a:extLst>
+          </p:cNvPr>
+          <p:cNvSpPr txBox="1"/>
+          <p:nvPr/>
+        </p:nvSpPr>
+        <p:spPr>
+          <a:xfrm>
+            <a:off x="798512" y="2884018"/>
+            <a:ext cx="1582484" cy="369332"/>
+          </a:xfrm>
+          <a:prstGeom prst="rect">
+            <a:avLst/>
+          </a:prstGeom>
+          <a:noFill/>
+        </p:spPr>
+        <p:txBody>
+          <a:bodyPr wrap="none" rtlCol="0">
+            <a:spAutoFit/>
+          </a:bodyPr>
+          <a:lstStyle/>
+          <a:p>
+            <a:r>
+              <a:rPr lang="de-DE" dirty="0"/>
+              <a:t>kleiner 740px</a:t>
+            </a:r>
+          </a:p>
+        </p:txBody>
+      </p:sp>
+      <p:sp>
+        <p:nvSpPr>
+          <p:cNvPr id="9" name="Textfeld 8">
+            <a:extLst>
+              <a:ext uri="{FF2B5EF4-FFF2-40B4-BE49-F238E27FC236}">
+                <a16:creationId xmlns:a16="http://schemas.microsoft.com/office/drawing/2014/main" id="{32F54D90-C665-2243-ABEF-87958BEFDB3C}"/>
+              </a:ext>
+            </a:extLst>
+          </p:cNvPr>
+          <p:cNvSpPr txBox="1"/>
+          <p:nvPr/>
+        </p:nvSpPr>
+        <p:spPr>
+          <a:xfrm>
+            <a:off x="4296278" y="2884017"/>
+            <a:ext cx="1588897" cy="369332"/>
+          </a:xfrm>
+          <a:prstGeom prst="rect">
+            <a:avLst/>
+          </a:prstGeom>
+          <a:noFill/>
+        </p:spPr>
+        <p:txBody>
+          <a:bodyPr wrap="none" rtlCol="0">
+            <a:spAutoFit/>
+          </a:bodyPr>
+          <a:lstStyle/>
+          <a:p>
+            <a:r>
+              <a:rPr lang="de-DE" dirty="0"/>
+              <a:t>grösser 740px</a:t>
+            </a:r>
+          </a:p>
+        </p:txBody>
+      </p:sp>
+    </p:spTree>
+    <p:extLst>
+      <p:ext uri="{BB962C8B-B14F-4D97-AF65-F5344CB8AC3E}">
+        <p14:creationId xmlns:p14="http://schemas.microsoft.com/office/powerpoint/2010/main" val="2832268151"/>
+      </p:ext>
+    </p:extLst>
+  </p:cSld>
+  <p:clrMapOvr>
+    <a:masterClrMapping/>
+  </p:clrMapOvr>
+</p:sld>
+</file>
+
+<file path=ppt/slides/slide88.xml><?xml version="1.0" encoding="utf-8"?>
+<p:sld xmlns:a="http://schemas.openxmlformats.org/drawingml/2006/main" xmlns:r="http://schemas.openxmlformats.org/officeDocument/2006/relationships" xmlns:p="http://schemas.openxmlformats.org/presentationml/2006/main">
+  <p:cSld>
+    <p:spTree>
+      <p:nvGrpSpPr>
+        <p:cNvPr id="1" name=""/>
+        <p:cNvGrpSpPr/>
+        <p:nvPr/>
+      </p:nvGrpSpPr>
+      <p:grpSpPr>
+        <a:xfrm>
+          <a:off x="0" y="0"/>
+          <a:ext cx="0" cy="0"/>
+          <a:chOff x="0" y="0"/>
+          <a:chExt cx="0" cy="0"/>
+        </a:xfrm>
+      </p:grpSpPr>
+      <p:sp>
+        <p:nvSpPr>
           <p:cNvPr id="2" name="Title 1">
             <a:extLst>
               <a:ext uri="{FF2B5EF4-FFF2-40B4-BE49-F238E27FC236}">
@@ -31171,7 +32298,7 @@
 </p:sld>
 </file>
 
-<file path=ppt/slides/slide87.xml><?xml version="1.0" encoding="utf-8"?>
+<file path=ppt/slides/slide89.xml><?xml version="1.0" encoding="utf-8"?>
 <p:sld xmlns:a="http://schemas.openxmlformats.org/drawingml/2006/main" xmlns:r="http://schemas.openxmlformats.org/officeDocument/2006/relationships" xmlns:p="http://schemas.openxmlformats.org/presentationml/2006/main">
   <p:cSld>
     <p:spTree>
@@ -31613,668 +32740,6 @@
 </p:sld>
 </file>
 
-<file path=ppt/slides/slide88.xml><?xml version="1.0" encoding="utf-8"?>
-<p:sld xmlns:a="http://schemas.openxmlformats.org/drawingml/2006/main" xmlns:r="http://schemas.openxmlformats.org/officeDocument/2006/relationships" xmlns:p="http://schemas.openxmlformats.org/presentationml/2006/main">
-  <p:cSld>
-    <p:spTree>
-      <p:nvGrpSpPr>
-        <p:cNvPr id="1" name=""/>
-        <p:cNvGrpSpPr/>
-        <p:nvPr/>
-      </p:nvGrpSpPr>
-      <p:grpSpPr>
-        <a:xfrm>
-          <a:off x="0" y="0"/>
-          <a:ext cx="0" cy="0"/>
-          <a:chOff x="0" y="0"/>
-          <a:chExt cx="0" cy="0"/>
-        </a:xfrm>
-      </p:grpSpPr>
-      <p:sp>
-        <p:nvSpPr>
-          <p:cNvPr id="2" name="Title 1">
-            <a:extLst>
-              <a:ext uri="{FF2B5EF4-FFF2-40B4-BE49-F238E27FC236}">
-                <a16:creationId xmlns:a16="http://schemas.microsoft.com/office/drawing/2014/main" id="{E1B3D9A2-0FB8-0646-88C3-FE5D6AB11CFC}"/>
-              </a:ext>
-            </a:extLst>
-          </p:cNvPr>
-          <p:cNvSpPr>
-            <a:spLocks noGrp="1"/>
-          </p:cNvSpPr>
-          <p:nvPr>
-            <p:ph type="title"/>
-          </p:nvPr>
-        </p:nvSpPr>
-        <p:spPr/>
-        <p:txBody>
-          <a:bodyPr/>
-          <a:lstStyle/>
-          <a:p>
-            <a:r>
-              <a:rPr lang="en-US" dirty="0"/>
-              <a:t>Flexbox: Container Properties</a:t>
-            </a:r>
-          </a:p>
-        </p:txBody>
-      </p:sp>
-      <p:sp>
-        <p:nvSpPr>
-          <p:cNvPr id="3" name="Content Placeholder 2">
-            <a:extLst>
-              <a:ext uri="{FF2B5EF4-FFF2-40B4-BE49-F238E27FC236}">
-                <a16:creationId xmlns:a16="http://schemas.microsoft.com/office/drawing/2014/main" id="{4F332575-B5FE-144F-9D81-EBD8922382A8}"/>
-              </a:ext>
-            </a:extLst>
-          </p:cNvPr>
-          <p:cNvSpPr>
-            <a:spLocks noGrp="1"/>
-          </p:cNvSpPr>
-          <p:nvPr>
-            <p:ph idx="1"/>
-          </p:nvPr>
-        </p:nvSpPr>
-        <p:spPr/>
-        <p:txBody>
-          <a:bodyPr/>
-          <a:lstStyle/>
-          <a:p>
-            <a:r>
-              <a:rPr lang="en-US" dirty="0">
-                <a:solidFill>
-                  <a:schemeClr val="bg1"/>
-                </a:solidFill>
-              </a:rPr>
-              <a:t>flex-wrap</a:t>
-            </a:r>
-            <a:r>
-              <a:rPr lang="en-US" dirty="0"/>
-              <a:t>: </a:t>
-            </a:r>
-            <a:r>
-              <a:rPr lang="en-US" dirty="0" err="1"/>
-              <a:t>versucht</a:t>
-            </a:r>
-            <a:r>
-              <a:rPr lang="en-US" dirty="0"/>
-              <a:t> </a:t>
-            </a:r>
-            <a:r>
-              <a:rPr lang="en-US" dirty="0" err="1"/>
-              <a:t>alle</a:t>
-            </a:r>
-            <a:r>
-              <a:rPr lang="en-US" dirty="0"/>
-              <a:t> Items in </a:t>
-            </a:r>
-            <a:r>
-              <a:rPr lang="en-US" dirty="0" err="1"/>
-              <a:t>eine</a:t>
-            </a:r>
-            <a:r>
-              <a:rPr lang="en-US" dirty="0"/>
-              <a:t> </a:t>
-            </a:r>
-            <a:r>
-              <a:rPr lang="en-US" dirty="0" err="1"/>
-              <a:t>Zeile</a:t>
-            </a:r>
-            <a:r>
-              <a:rPr lang="en-US" dirty="0"/>
-              <a:t> </a:t>
-            </a:r>
-            <a:r>
-              <a:rPr lang="en-US" dirty="0" err="1"/>
-              <a:t>zu</a:t>
-            </a:r>
-            <a:r>
-              <a:rPr lang="en-US" dirty="0"/>
-              <a:t> </a:t>
-            </a:r>
-            <a:r>
-              <a:rPr lang="en-US" dirty="0" err="1"/>
-              <a:t>packen</a:t>
-            </a:r>
-            <a:br>
-              <a:rPr lang="en-US" dirty="0"/>
-            </a:br>
-            <a:br>
-              <a:rPr lang="en-US" dirty="0"/>
-            </a:br>
-            <a:r>
-              <a:rPr lang="en-US" dirty="0"/>
-              <a:t>flex-wrap: </a:t>
-            </a:r>
-            <a:r>
-              <a:rPr lang="en-US" dirty="0" err="1"/>
-              <a:t>nowrap</a:t>
-            </a:r>
-            <a:r>
-              <a:rPr lang="en-US" dirty="0"/>
-              <a:t> | wrap | wrap-reverse</a:t>
-            </a:r>
-            <a:br>
-              <a:rPr lang="en-US" dirty="0"/>
-            </a:br>
-            <a:br>
-              <a:rPr lang="en-US" dirty="0"/>
-            </a:br>
-            <a:endParaRPr lang="en-US" dirty="0"/>
-          </a:p>
-          <a:p>
-            <a:r>
-              <a:rPr lang="en-US" dirty="0">
-                <a:solidFill>
-                  <a:schemeClr val="bg1"/>
-                </a:solidFill>
-              </a:rPr>
-              <a:t>flex-flow</a:t>
-            </a:r>
-            <a:r>
-              <a:rPr lang="en-US" dirty="0"/>
-              <a:t>:</a:t>
-            </a:r>
-            <a:r>
-              <a:rPr lang="en-US" b="1" dirty="0"/>
-              <a:t> </a:t>
-            </a:r>
-            <a:r>
-              <a:rPr lang="en-US" dirty="0" err="1"/>
-              <a:t>ist</a:t>
-            </a:r>
-            <a:r>
-              <a:rPr lang="en-US" dirty="0"/>
-              <a:t> </a:t>
-            </a:r>
-            <a:r>
-              <a:rPr lang="en-US" dirty="0" err="1"/>
-              <a:t>ein</a:t>
-            </a:r>
-            <a:r>
-              <a:rPr lang="en-US" dirty="0"/>
-              <a:t> shorthand </a:t>
-            </a:r>
-            <a:r>
-              <a:rPr lang="en-US" dirty="0" err="1"/>
-              <a:t>für</a:t>
-            </a:r>
-            <a:r>
-              <a:rPr lang="en-US" dirty="0"/>
-              <a:t> flex-direction und flex-wrap</a:t>
-            </a:r>
-            <a:br>
-              <a:rPr lang="en-US" dirty="0"/>
-            </a:br>
-            <a:br>
-              <a:rPr lang="en-US" dirty="0"/>
-            </a:br>
-            <a:r>
-              <a:rPr lang="en-US" dirty="0"/>
-              <a:t>flex-flow: row </a:t>
-            </a:r>
-            <a:r>
-              <a:rPr lang="en-US" dirty="0" err="1"/>
-              <a:t>nowrap</a:t>
-            </a:r>
-            <a:endParaRPr lang="en-US" dirty="0"/>
-          </a:p>
-        </p:txBody>
-      </p:sp>
-    </p:spTree>
-    <p:extLst>
-      <p:ext uri="{BB962C8B-B14F-4D97-AF65-F5344CB8AC3E}">
-        <p14:creationId xmlns:p14="http://schemas.microsoft.com/office/powerpoint/2010/main" val="1777042083"/>
-      </p:ext>
-    </p:extLst>
-  </p:cSld>
-  <p:clrMapOvr>
-    <a:masterClrMapping/>
-  </p:clrMapOvr>
-</p:sld>
-</file>
-
-<file path=ppt/slides/slide89.xml><?xml version="1.0" encoding="utf-8"?>
-<p:sld xmlns:a="http://schemas.openxmlformats.org/drawingml/2006/main" xmlns:r="http://schemas.openxmlformats.org/officeDocument/2006/relationships" xmlns:p="http://schemas.openxmlformats.org/presentationml/2006/main">
-  <p:cSld>
-    <p:spTree>
-      <p:nvGrpSpPr>
-        <p:cNvPr id="1" name=""/>
-        <p:cNvGrpSpPr/>
-        <p:nvPr/>
-      </p:nvGrpSpPr>
-      <p:grpSpPr>
-        <a:xfrm>
-          <a:off x="0" y="0"/>
-          <a:ext cx="0" cy="0"/>
-          <a:chOff x="0" y="0"/>
-          <a:chExt cx="0" cy="0"/>
-        </a:xfrm>
-      </p:grpSpPr>
-      <p:sp>
-        <p:nvSpPr>
-          <p:cNvPr id="2" name="Title 1">
-            <a:extLst>
-              <a:ext uri="{FF2B5EF4-FFF2-40B4-BE49-F238E27FC236}">
-                <a16:creationId xmlns:a16="http://schemas.microsoft.com/office/drawing/2014/main" id="{2B2CD961-5709-C241-A54E-238F4D05CD7C}"/>
-              </a:ext>
-            </a:extLst>
-          </p:cNvPr>
-          <p:cNvSpPr>
-            <a:spLocks noGrp="1"/>
-          </p:cNvSpPr>
-          <p:nvPr>
-            <p:ph type="title"/>
-          </p:nvPr>
-        </p:nvSpPr>
-        <p:spPr>
-          <a:xfrm>
-            <a:off x="680321" y="753228"/>
-            <a:ext cx="9613861" cy="1080938"/>
-          </a:xfrm>
-        </p:spPr>
-        <p:txBody>
-          <a:bodyPr/>
-          <a:lstStyle/>
-          <a:p>
-            <a:r>
-              <a:rPr lang="en-US" dirty="0"/>
-              <a:t>Flexbox: Container Properties</a:t>
-            </a:r>
-          </a:p>
-        </p:txBody>
-      </p:sp>
-      <p:sp>
-        <p:nvSpPr>
-          <p:cNvPr id="3" name="Content Placeholder 2">
-            <a:extLst>
-              <a:ext uri="{FF2B5EF4-FFF2-40B4-BE49-F238E27FC236}">
-                <a16:creationId xmlns:a16="http://schemas.microsoft.com/office/drawing/2014/main" id="{A3D67316-99A5-E94E-A390-438B2046BAF7}"/>
-              </a:ext>
-            </a:extLst>
-          </p:cNvPr>
-          <p:cNvSpPr>
-            <a:spLocks noGrp="1"/>
-          </p:cNvSpPr>
-          <p:nvPr>
-            <p:ph idx="1"/>
-          </p:nvPr>
-        </p:nvSpPr>
-        <p:spPr/>
-        <p:txBody>
-          <a:bodyPr>
-            <a:normAutofit fontScale="92500" lnSpcReduction="10000"/>
-          </a:bodyPr>
-          <a:lstStyle/>
-          <a:p>
-            <a:r>
-              <a:rPr lang="en-US" dirty="0">
-                <a:solidFill>
-                  <a:schemeClr val="bg1"/>
-                </a:solidFill>
-              </a:rPr>
-              <a:t>justify-content</a:t>
-            </a:r>
-            <a:r>
-              <a:rPr lang="en-US" dirty="0"/>
-              <a:t>: </a:t>
-            </a:r>
-            <a:r>
-              <a:rPr lang="en-US" dirty="0" err="1"/>
-              <a:t>Wie</a:t>
-            </a:r>
-            <a:r>
-              <a:rPr lang="en-US" dirty="0"/>
-              <a:t> </a:t>
-            </a:r>
-            <a:r>
-              <a:rPr lang="en-US" dirty="0" err="1"/>
-              <a:t>wird</a:t>
-            </a:r>
-            <a:r>
-              <a:rPr lang="en-US" dirty="0"/>
-              <a:t> extra </a:t>
-            </a:r>
-            <a:r>
-              <a:rPr lang="en-US" dirty="0" err="1"/>
-              <a:t>freier</a:t>
-            </a:r>
-            <a:r>
-              <a:rPr lang="en-US" dirty="0"/>
-              <a:t> Platz </a:t>
-            </a:r>
-            <a:r>
-              <a:rPr lang="en-US" dirty="0" err="1"/>
-              <a:t>zwischen</a:t>
-            </a:r>
-            <a:r>
-              <a:rPr lang="en-US" dirty="0"/>
-              <a:t> den Items </a:t>
-            </a:r>
-            <a:r>
-              <a:rPr lang="en-US" dirty="0" err="1"/>
-              <a:t>entlang</a:t>
-            </a:r>
-            <a:r>
-              <a:rPr lang="en-US" dirty="0"/>
-              <a:t> der </a:t>
-            </a:r>
-            <a:r>
-              <a:rPr lang="en-US" b="1" dirty="0"/>
-              <a:t>main-axis</a:t>
-            </a:r>
-            <a:r>
-              <a:rPr lang="en-US" dirty="0"/>
-              <a:t> </a:t>
-            </a:r>
-            <a:r>
-              <a:rPr lang="en-US" dirty="0" err="1"/>
-              <a:t>verteilt</a:t>
-            </a:r>
-            <a:r>
-              <a:rPr lang="en-US" dirty="0"/>
-              <a:t>.</a:t>
-            </a:r>
-            <a:br>
-              <a:rPr lang="en-US" dirty="0"/>
-            </a:br>
-            <a:r>
-              <a:rPr lang="en-US" sz="1800" dirty="0">
-                <a:latin typeface="Arial" panose="020B0604020202020204" pitchFamily="34" charset="0"/>
-                <a:cs typeface="Arial" panose="020B0604020202020204" pitchFamily="34" charset="0"/>
-              </a:rPr>
-              <a:t>justify-content: flex-start | flex-end | center | space-between | space-around | space-evenly</a:t>
-            </a:r>
-            <a:br>
-              <a:rPr lang="en-US" b="1" dirty="0"/>
-            </a:br>
-            <a:endParaRPr lang="en-US" dirty="0"/>
-          </a:p>
-          <a:p>
-            <a:r>
-              <a:rPr lang="en-US" dirty="0">
-                <a:solidFill>
-                  <a:schemeClr val="bg1"/>
-                </a:solidFill>
-              </a:rPr>
-              <a:t>align-items</a:t>
-            </a:r>
-            <a:r>
-              <a:rPr lang="en-US" b="1" dirty="0"/>
-              <a:t>: </a:t>
-            </a:r>
-            <a:r>
-              <a:rPr lang="en-US" dirty="0" err="1"/>
-              <a:t>Wie</a:t>
-            </a:r>
-            <a:r>
-              <a:rPr lang="en-US" dirty="0"/>
-              <a:t> </a:t>
-            </a:r>
-            <a:r>
-              <a:rPr lang="en-US" dirty="0" err="1"/>
-              <a:t>wird</a:t>
-            </a:r>
-            <a:r>
-              <a:rPr lang="en-US" dirty="0"/>
-              <a:t> extra </a:t>
-            </a:r>
-            <a:r>
-              <a:rPr lang="en-US" dirty="0" err="1"/>
-              <a:t>freier</a:t>
-            </a:r>
-            <a:r>
-              <a:rPr lang="en-US" dirty="0"/>
-              <a:t> Platz </a:t>
-            </a:r>
-            <a:r>
-              <a:rPr lang="en-US" dirty="0" err="1"/>
-              <a:t>zwischen</a:t>
-            </a:r>
-            <a:r>
-              <a:rPr lang="en-US" dirty="0"/>
-              <a:t> den Items </a:t>
-            </a:r>
-            <a:r>
-              <a:rPr lang="en-US" dirty="0" err="1"/>
-              <a:t>entlang</a:t>
-            </a:r>
-            <a:r>
-              <a:rPr lang="en-US" dirty="0"/>
-              <a:t> der </a:t>
-            </a:r>
-            <a:r>
-              <a:rPr lang="en-US" b="1" dirty="0"/>
-              <a:t>cross-axis</a:t>
-            </a:r>
-            <a:r>
-              <a:rPr lang="en-US" dirty="0"/>
-              <a:t> </a:t>
-            </a:r>
-            <a:r>
-              <a:rPr lang="en-US" dirty="0" err="1"/>
-              <a:t>verteilt</a:t>
-            </a:r>
-            <a:r>
-              <a:rPr lang="en-US" dirty="0"/>
-              <a:t>.</a:t>
-            </a:r>
-            <a:br>
-              <a:rPr lang="en-US" b="1" dirty="0"/>
-            </a:br>
-            <a:r>
-              <a:rPr lang="en-US" sz="1800" dirty="0">
-                <a:latin typeface="Arial" panose="020B0604020202020204" pitchFamily="34" charset="0"/>
-                <a:cs typeface="Arial" panose="020B0604020202020204" pitchFamily="34" charset="0"/>
-              </a:rPr>
-              <a:t>align-items: stretch | flex-start | flex-end | center | baseline</a:t>
-            </a:r>
-            <a:br>
-              <a:rPr lang="en-US" sz="1800" dirty="0">
-                <a:latin typeface="Arial" panose="020B0604020202020204" pitchFamily="34" charset="0"/>
-                <a:cs typeface="Arial" panose="020B0604020202020204" pitchFamily="34" charset="0"/>
-              </a:rPr>
-            </a:br>
-            <a:endParaRPr lang="en-US" sz="1800" dirty="0">
-              <a:latin typeface="Arial" panose="020B0604020202020204" pitchFamily="34" charset="0"/>
-              <a:cs typeface="Arial" panose="020B0604020202020204" pitchFamily="34" charset="0"/>
-            </a:endParaRPr>
-          </a:p>
-          <a:p>
-            <a:r>
-              <a:rPr lang="en-US" dirty="0">
-                <a:solidFill>
-                  <a:schemeClr val="bg1"/>
-                </a:solidFill>
-              </a:rPr>
-              <a:t>align-content</a:t>
-            </a:r>
-            <a:r>
-              <a:rPr lang="en-US" b="1" dirty="0"/>
-              <a:t>: </a:t>
-            </a:r>
-            <a:r>
-              <a:rPr lang="en-US" dirty="0" err="1"/>
-              <a:t>Kommt</a:t>
-            </a:r>
-            <a:r>
-              <a:rPr lang="en-US" b="1" dirty="0"/>
-              <a:t> </a:t>
-            </a:r>
-            <a:r>
-              <a:rPr lang="en-US" dirty="0" err="1"/>
-              <a:t>nur</a:t>
-            </a:r>
-            <a:r>
-              <a:rPr lang="en-US" dirty="0"/>
-              <a:t> </a:t>
-            </a:r>
-            <a:r>
-              <a:rPr lang="en-US" dirty="0" err="1"/>
-              <a:t>zum</a:t>
-            </a:r>
-            <a:r>
-              <a:rPr lang="en-US" dirty="0"/>
-              <a:t> </a:t>
-            </a:r>
-            <a:r>
-              <a:rPr lang="en-US" dirty="0" err="1"/>
-              <a:t>tragen</a:t>
-            </a:r>
-            <a:r>
-              <a:rPr lang="en-US" dirty="0"/>
-              <a:t>, </a:t>
-            </a:r>
-            <a:r>
-              <a:rPr lang="en-US" dirty="0" err="1"/>
-              <a:t>wenn</a:t>
-            </a:r>
-            <a:r>
-              <a:rPr lang="en-US" dirty="0"/>
-              <a:t> </a:t>
-            </a:r>
-            <a:r>
-              <a:rPr lang="en-US" dirty="0" err="1"/>
-              <a:t>es</a:t>
-            </a:r>
-            <a:r>
-              <a:rPr lang="en-US" dirty="0"/>
-              <a:t> </a:t>
-            </a:r>
-            <a:r>
-              <a:rPr lang="en-US" dirty="0" err="1"/>
-              <a:t>mehr</a:t>
-            </a:r>
-            <a:r>
-              <a:rPr lang="en-US" dirty="0"/>
-              <a:t> </a:t>
-            </a:r>
-            <a:r>
-              <a:rPr lang="en-US" dirty="0" err="1"/>
-              <a:t>wie</a:t>
-            </a:r>
-            <a:r>
-              <a:rPr lang="en-US" dirty="0"/>
-              <a:t> </a:t>
-            </a:r>
-            <a:r>
-              <a:rPr lang="en-US" dirty="0" err="1"/>
-              <a:t>eine</a:t>
-            </a:r>
-            <a:r>
-              <a:rPr lang="en-US" dirty="0"/>
-              <a:t> </a:t>
-            </a:r>
-            <a:r>
-              <a:rPr lang="en-US" dirty="0" err="1"/>
-              <a:t>Zeile</a:t>
-            </a:r>
-            <a:r>
-              <a:rPr lang="en-US" dirty="0"/>
-              <a:t> Items hat. </a:t>
-            </a:r>
-            <a:r>
-              <a:rPr lang="en-US" dirty="0" err="1"/>
-              <a:t>Wie</a:t>
-            </a:r>
-            <a:r>
-              <a:rPr lang="en-US" dirty="0"/>
-              <a:t> </a:t>
-            </a:r>
-            <a:r>
-              <a:rPr lang="en-US" dirty="0" err="1"/>
-              <a:t>wird</a:t>
-            </a:r>
-            <a:r>
-              <a:rPr lang="en-US" dirty="0"/>
-              <a:t> extra </a:t>
-            </a:r>
-            <a:r>
-              <a:rPr lang="en-US" dirty="0" err="1"/>
-              <a:t>freier</a:t>
-            </a:r>
-            <a:r>
-              <a:rPr lang="en-US" dirty="0"/>
-              <a:t> Platz </a:t>
-            </a:r>
-            <a:r>
-              <a:rPr lang="en-US" dirty="0" err="1"/>
-              <a:t>entlang</a:t>
-            </a:r>
-            <a:r>
-              <a:rPr lang="en-US" dirty="0"/>
-              <a:t> der </a:t>
-            </a:r>
-            <a:r>
-              <a:rPr lang="en-US" b="1" dirty="0"/>
-              <a:t>cross-axis</a:t>
-            </a:r>
-            <a:r>
-              <a:rPr lang="en-US" dirty="0"/>
-              <a:t> </a:t>
-            </a:r>
-            <a:r>
-              <a:rPr lang="en-US" dirty="0" err="1"/>
-              <a:t>zwischen</a:t>
-            </a:r>
-            <a:r>
-              <a:rPr lang="en-US" dirty="0"/>
-              <a:t> den </a:t>
-            </a:r>
-            <a:r>
-              <a:rPr lang="en-US" dirty="0" err="1"/>
-              <a:t>Zeilen</a:t>
-            </a:r>
-            <a:r>
-              <a:rPr lang="en-US" dirty="0"/>
-              <a:t> </a:t>
-            </a:r>
-            <a:r>
-              <a:rPr lang="en-US" dirty="0" err="1"/>
-              <a:t>verteilt</a:t>
-            </a:r>
-            <a:r>
-              <a:rPr lang="en-US" dirty="0"/>
-              <a:t>.</a:t>
-            </a:r>
-            <a:br>
-              <a:rPr lang="en-US" b="1" dirty="0"/>
-            </a:br>
-            <a:r>
-              <a:rPr lang="en-US" sz="1800" dirty="0">
-                <a:latin typeface="Arial" panose="020B0604020202020204" pitchFamily="34" charset="0"/>
-                <a:cs typeface="Arial" panose="020B0604020202020204" pitchFamily="34" charset="0"/>
-              </a:rPr>
-              <a:t>align-content: stretch | flex-start | flex-end | center | space-between | space-around</a:t>
-            </a:r>
-            <a:br>
-              <a:rPr lang="en-US" sz="1800" b="1" dirty="0">
-                <a:latin typeface="Arial" panose="020B0604020202020204" pitchFamily="34" charset="0"/>
-                <a:cs typeface="Arial" panose="020B0604020202020204" pitchFamily="34" charset="0"/>
-              </a:rPr>
-            </a:br>
-            <a:endParaRPr lang="en-US" sz="1800" dirty="0">
-              <a:latin typeface="Arial" panose="020B0604020202020204" pitchFamily="34" charset="0"/>
-              <a:cs typeface="Arial" panose="020B0604020202020204" pitchFamily="34" charset="0"/>
-            </a:endParaRPr>
-          </a:p>
-          <a:p>
-            <a:endParaRPr lang="en-US" dirty="0"/>
-          </a:p>
-        </p:txBody>
-      </p:sp>
-    </p:spTree>
-    <p:extLst>
-      <p:ext uri="{BB962C8B-B14F-4D97-AF65-F5344CB8AC3E}">
-        <p14:creationId xmlns:p14="http://schemas.microsoft.com/office/powerpoint/2010/main" val="2970264264"/>
-      </p:ext>
-    </p:extLst>
-  </p:cSld>
-  <p:clrMapOvr>
-    <a:masterClrMapping/>
-  </p:clrMapOvr>
-</p:sld>
-</file>
-
 <file path=ppt/slides/slide9.xml><?xml version="1.0" encoding="utf-8"?>
 <p:sld xmlns:a="http://schemas.openxmlformats.org/drawingml/2006/main" xmlns:r="http://schemas.openxmlformats.org/officeDocument/2006/relationships" xmlns:p="http://schemas.openxmlformats.org/presentationml/2006/main">
   <p:cSld>
@@ -32746,6 +33211,668 @@
           <p:cNvPr id="2" name="Title 1">
             <a:extLst>
               <a:ext uri="{FF2B5EF4-FFF2-40B4-BE49-F238E27FC236}">
+                <a16:creationId xmlns:a16="http://schemas.microsoft.com/office/drawing/2014/main" id="{E1B3D9A2-0FB8-0646-88C3-FE5D6AB11CFC}"/>
+              </a:ext>
+            </a:extLst>
+          </p:cNvPr>
+          <p:cNvSpPr>
+            <a:spLocks noGrp="1"/>
+          </p:cNvSpPr>
+          <p:nvPr>
+            <p:ph type="title"/>
+          </p:nvPr>
+        </p:nvSpPr>
+        <p:spPr/>
+        <p:txBody>
+          <a:bodyPr/>
+          <a:lstStyle/>
+          <a:p>
+            <a:r>
+              <a:rPr lang="en-US" dirty="0"/>
+              <a:t>Flexbox: Container Properties</a:t>
+            </a:r>
+          </a:p>
+        </p:txBody>
+      </p:sp>
+      <p:sp>
+        <p:nvSpPr>
+          <p:cNvPr id="3" name="Content Placeholder 2">
+            <a:extLst>
+              <a:ext uri="{FF2B5EF4-FFF2-40B4-BE49-F238E27FC236}">
+                <a16:creationId xmlns:a16="http://schemas.microsoft.com/office/drawing/2014/main" id="{4F332575-B5FE-144F-9D81-EBD8922382A8}"/>
+              </a:ext>
+            </a:extLst>
+          </p:cNvPr>
+          <p:cNvSpPr>
+            <a:spLocks noGrp="1"/>
+          </p:cNvSpPr>
+          <p:nvPr>
+            <p:ph idx="1"/>
+          </p:nvPr>
+        </p:nvSpPr>
+        <p:spPr/>
+        <p:txBody>
+          <a:bodyPr/>
+          <a:lstStyle/>
+          <a:p>
+            <a:r>
+              <a:rPr lang="en-US" dirty="0">
+                <a:solidFill>
+                  <a:schemeClr val="bg1"/>
+                </a:solidFill>
+              </a:rPr>
+              <a:t>flex-wrap</a:t>
+            </a:r>
+            <a:r>
+              <a:rPr lang="en-US" dirty="0"/>
+              <a:t>: </a:t>
+            </a:r>
+            <a:r>
+              <a:rPr lang="en-US" dirty="0" err="1"/>
+              <a:t>versucht</a:t>
+            </a:r>
+            <a:r>
+              <a:rPr lang="en-US" dirty="0"/>
+              <a:t> </a:t>
+            </a:r>
+            <a:r>
+              <a:rPr lang="en-US" dirty="0" err="1"/>
+              <a:t>alle</a:t>
+            </a:r>
+            <a:r>
+              <a:rPr lang="en-US" dirty="0"/>
+              <a:t> Items in </a:t>
+            </a:r>
+            <a:r>
+              <a:rPr lang="en-US" dirty="0" err="1"/>
+              <a:t>eine</a:t>
+            </a:r>
+            <a:r>
+              <a:rPr lang="en-US" dirty="0"/>
+              <a:t> </a:t>
+            </a:r>
+            <a:r>
+              <a:rPr lang="en-US" dirty="0" err="1"/>
+              <a:t>Zeile</a:t>
+            </a:r>
+            <a:r>
+              <a:rPr lang="en-US" dirty="0"/>
+              <a:t> </a:t>
+            </a:r>
+            <a:r>
+              <a:rPr lang="en-US" dirty="0" err="1"/>
+              <a:t>zu</a:t>
+            </a:r>
+            <a:r>
+              <a:rPr lang="en-US" dirty="0"/>
+              <a:t> </a:t>
+            </a:r>
+            <a:r>
+              <a:rPr lang="en-US" dirty="0" err="1"/>
+              <a:t>packen</a:t>
+            </a:r>
+            <a:br>
+              <a:rPr lang="en-US" dirty="0"/>
+            </a:br>
+            <a:br>
+              <a:rPr lang="en-US" dirty="0"/>
+            </a:br>
+            <a:r>
+              <a:rPr lang="en-US" dirty="0"/>
+              <a:t>flex-wrap: </a:t>
+            </a:r>
+            <a:r>
+              <a:rPr lang="en-US" dirty="0" err="1"/>
+              <a:t>nowrap</a:t>
+            </a:r>
+            <a:r>
+              <a:rPr lang="en-US" dirty="0"/>
+              <a:t> | wrap | wrap-reverse</a:t>
+            </a:r>
+            <a:br>
+              <a:rPr lang="en-US" dirty="0"/>
+            </a:br>
+            <a:br>
+              <a:rPr lang="en-US" dirty="0"/>
+            </a:br>
+            <a:endParaRPr lang="en-US" dirty="0"/>
+          </a:p>
+          <a:p>
+            <a:r>
+              <a:rPr lang="en-US" dirty="0">
+                <a:solidFill>
+                  <a:schemeClr val="bg1"/>
+                </a:solidFill>
+              </a:rPr>
+              <a:t>flex-flow</a:t>
+            </a:r>
+            <a:r>
+              <a:rPr lang="en-US" dirty="0"/>
+              <a:t>:</a:t>
+            </a:r>
+            <a:r>
+              <a:rPr lang="en-US" b="1" dirty="0"/>
+              <a:t> </a:t>
+            </a:r>
+            <a:r>
+              <a:rPr lang="en-US" dirty="0" err="1"/>
+              <a:t>ist</a:t>
+            </a:r>
+            <a:r>
+              <a:rPr lang="en-US" dirty="0"/>
+              <a:t> </a:t>
+            </a:r>
+            <a:r>
+              <a:rPr lang="en-US" dirty="0" err="1"/>
+              <a:t>ein</a:t>
+            </a:r>
+            <a:r>
+              <a:rPr lang="en-US" dirty="0"/>
+              <a:t> shorthand </a:t>
+            </a:r>
+            <a:r>
+              <a:rPr lang="en-US" dirty="0" err="1"/>
+              <a:t>für</a:t>
+            </a:r>
+            <a:r>
+              <a:rPr lang="en-US" dirty="0"/>
+              <a:t> flex-direction und flex-wrap</a:t>
+            </a:r>
+            <a:br>
+              <a:rPr lang="en-US" dirty="0"/>
+            </a:br>
+            <a:br>
+              <a:rPr lang="en-US" dirty="0"/>
+            </a:br>
+            <a:r>
+              <a:rPr lang="en-US" dirty="0"/>
+              <a:t>flex-flow: row </a:t>
+            </a:r>
+            <a:r>
+              <a:rPr lang="en-US" dirty="0" err="1"/>
+              <a:t>nowrap</a:t>
+            </a:r>
+            <a:endParaRPr lang="en-US" dirty="0"/>
+          </a:p>
+        </p:txBody>
+      </p:sp>
+    </p:spTree>
+    <p:extLst>
+      <p:ext uri="{BB962C8B-B14F-4D97-AF65-F5344CB8AC3E}">
+        <p14:creationId xmlns:p14="http://schemas.microsoft.com/office/powerpoint/2010/main" val="1777042083"/>
+      </p:ext>
+    </p:extLst>
+  </p:cSld>
+  <p:clrMapOvr>
+    <a:masterClrMapping/>
+  </p:clrMapOvr>
+</p:sld>
+</file>
+
+<file path=ppt/slides/slide91.xml><?xml version="1.0" encoding="utf-8"?>
+<p:sld xmlns:a="http://schemas.openxmlformats.org/drawingml/2006/main" xmlns:r="http://schemas.openxmlformats.org/officeDocument/2006/relationships" xmlns:p="http://schemas.openxmlformats.org/presentationml/2006/main">
+  <p:cSld>
+    <p:spTree>
+      <p:nvGrpSpPr>
+        <p:cNvPr id="1" name=""/>
+        <p:cNvGrpSpPr/>
+        <p:nvPr/>
+      </p:nvGrpSpPr>
+      <p:grpSpPr>
+        <a:xfrm>
+          <a:off x="0" y="0"/>
+          <a:ext cx="0" cy="0"/>
+          <a:chOff x="0" y="0"/>
+          <a:chExt cx="0" cy="0"/>
+        </a:xfrm>
+      </p:grpSpPr>
+      <p:sp>
+        <p:nvSpPr>
+          <p:cNvPr id="2" name="Title 1">
+            <a:extLst>
+              <a:ext uri="{FF2B5EF4-FFF2-40B4-BE49-F238E27FC236}">
+                <a16:creationId xmlns:a16="http://schemas.microsoft.com/office/drawing/2014/main" id="{2B2CD961-5709-C241-A54E-238F4D05CD7C}"/>
+              </a:ext>
+            </a:extLst>
+          </p:cNvPr>
+          <p:cNvSpPr>
+            <a:spLocks noGrp="1"/>
+          </p:cNvSpPr>
+          <p:nvPr>
+            <p:ph type="title"/>
+          </p:nvPr>
+        </p:nvSpPr>
+        <p:spPr>
+          <a:xfrm>
+            <a:off x="680321" y="753228"/>
+            <a:ext cx="9613861" cy="1080938"/>
+          </a:xfrm>
+        </p:spPr>
+        <p:txBody>
+          <a:bodyPr/>
+          <a:lstStyle/>
+          <a:p>
+            <a:r>
+              <a:rPr lang="en-US" dirty="0"/>
+              <a:t>Flexbox: Container Properties</a:t>
+            </a:r>
+          </a:p>
+        </p:txBody>
+      </p:sp>
+      <p:sp>
+        <p:nvSpPr>
+          <p:cNvPr id="3" name="Content Placeholder 2">
+            <a:extLst>
+              <a:ext uri="{FF2B5EF4-FFF2-40B4-BE49-F238E27FC236}">
+                <a16:creationId xmlns:a16="http://schemas.microsoft.com/office/drawing/2014/main" id="{A3D67316-99A5-E94E-A390-438B2046BAF7}"/>
+              </a:ext>
+            </a:extLst>
+          </p:cNvPr>
+          <p:cNvSpPr>
+            <a:spLocks noGrp="1"/>
+          </p:cNvSpPr>
+          <p:nvPr>
+            <p:ph idx="1"/>
+          </p:nvPr>
+        </p:nvSpPr>
+        <p:spPr/>
+        <p:txBody>
+          <a:bodyPr>
+            <a:normAutofit fontScale="92500" lnSpcReduction="10000"/>
+          </a:bodyPr>
+          <a:lstStyle/>
+          <a:p>
+            <a:r>
+              <a:rPr lang="en-US" dirty="0">
+                <a:solidFill>
+                  <a:schemeClr val="bg1"/>
+                </a:solidFill>
+              </a:rPr>
+              <a:t>justify-content</a:t>
+            </a:r>
+            <a:r>
+              <a:rPr lang="en-US" dirty="0"/>
+              <a:t>: </a:t>
+            </a:r>
+            <a:r>
+              <a:rPr lang="en-US" dirty="0" err="1"/>
+              <a:t>Wie</a:t>
+            </a:r>
+            <a:r>
+              <a:rPr lang="en-US" dirty="0"/>
+              <a:t> </a:t>
+            </a:r>
+            <a:r>
+              <a:rPr lang="en-US" dirty="0" err="1"/>
+              <a:t>wird</a:t>
+            </a:r>
+            <a:r>
+              <a:rPr lang="en-US" dirty="0"/>
+              <a:t> extra </a:t>
+            </a:r>
+            <a:r>
+              <a:rPr lang="en-US" dirty="0" err="1"/>
+              <a:t>freier</a:t>
+            </a:r>
+            <a:r>
+              <a:rPr lang="en-US" dirty="0"/>
+              <a:t> Platz </a:t>
+            </a:r>
+            <a:r>
+              <a:rPr lang="en-US" dirty="0" err="1"/>
+              <a:t>zwischen</a:t>
+            </a:r>
+            <a:r>
+              <a:rPr lang="en-US" dirty="0"/>
+              <a:t> den Items </a:t>
+            </a:r>
+            <a:r>
+              <a:rPr lang="en-US" dirty="0" err="1"/>
+              <a:t>entlang</a:t>
+            </a:r>
+            <a:r>
+              <a:rPr lang="en-US" dirty="0"/>
+              <a:t> der </a:t>
+            </a:r>
+            <a:r>
+              <a:rPr lang="en-US" b="1" dirty="0"/>
+              <a:t>main-axis</a:t>
+            </a:r>
+            <a:r>
+              <a:rPr lang="en-US" dirty="0"/>
+              <a:t> </a:t>
+            </a:r>
+            <a:r>
+              <a:rPr lang="en-US" dirty="0" err="1"/>
+              <a:t>verteilt</a:t>
+            </a:r>
+            <a:r>
+              <a:rPr lang="en-US" dirty="0"/>
+              <a:t>.</a:t>
+            </a:r>
+            <a:br>
+              <a:rPr lang="en-US" dirty="0"/>
+            </a:br>
+            <a:r>
+              <a:rPr lang="en-US" sz="1800" dirty="0">
+                <a:latin typeface="Arial" panose="020B0604020202020204" pitchFamily="34" charset="0"/>
+                <a:cs typeface="Arial" panose="020B0604020202020204" pitchFamily="34" charset="0"/>
+              </a:rPr>
+              <a:t>justify-content: flex-start | flex-end | center | space-between | space-around | space-evenly</a:t>
+            </a:r>
+            <a:br>
+              <a:rPr lang="en-US" b="1" dirty="0"/>
+            </a:br>
+            <a:endParaRPr lang="en-US" dirty="0"/>
+          </a:p>
+          <a:p>
+            <a:r>
+              <a:rPr lang="en-US" dirty="0">
+                <a:solidFill>
+                  <a:schemeClr val="bg1"/>
+                </a:solidFill>
+              </a:rPr>
+              <a:t>align-items</a:t>
+            </a:r>
+            <a:r>
+              <a:rPr lang="en-US" b="1" dirty="0"/>
+              <a:t>: </a:t>
+            </a:r>
+            <a:r>
+              <a:rPr lang="en-US" dirty="0" err="1"/>
+              <a:t>Wie</a:t>
+            </a:r>
+            <a:r>
+              <a:rPr lang="en-US" dirty="0"/>
+              <a:t> </a:t>
+            </a:r>
+            <a:r>
+              <a:rPr lang="en-US" dirty="0" err="1"/>
+              <a:t>wird</a:t>
+            </a:r>
+            <a:r>
+              <a:rPr lang="en-US" dirty="0"/>
+              <a:t> extra </a:t>
+            </a:r>
+            <a:r>
+              <a:rPr lang="en-US" dirty="0" err="1"/>
+              <a:t>freier</a:t>
+            </a:r>
+            <a:r>
+              <a:rPr lang="en-US" dirty="0"/>
+              <a:t> Platz </a:t>
+            </a:r>
+            <a:r>
+              <a:rPr lang="en-US" dirty="0" err="1"/>
+              <a:t>zwischen</a:t>
+            </a:r>
+            <a:r>
+              <a:rPr lang="en-US" dirty="0"/>
+              <a:t> den Items </a:t>
+            </a:r>
+            <a:r>
+              <a:rPr lang="en-US" dirty="0" err="1"/>
+              <a:t>entlang</a:t>
+            </a:r>
+            <a:r>
+              <a:rPr lang="en-US" dirty="0"/>
+              <a:t> der </a:t>
+            </a:r>
+            <a:r>
+              <a:rPr lang="en-US" b="1" dirty="0"/>
+              <a:t>cross-axis</a:t>
+            </a:r>
+            <a:r>
+              <a:rPr lang="en-US" dirty="0"/>
+              <a:t> </a:t>
+            </a:r>
+            <a:r>
+              <a:rPr lang="en-US" dirty="0" err="1"/>
+              <a:t>verteilt</a:t>
+            </a:r>
+            <a:r>
+              <a:rPr lang="en-US" dirty="0"/>
+              <a:t>.</a:t>
+            </a:r>
+            <a:br>
+              <a:rPr lang="en-US" b="1" dirty="0"/>
+            </a:br>
+            <a:r>
+              <a:rPr lang="en-US" sz="1800" dirty="0">
+                <a:latin typeface="Arial" panose="020B0604020202020204" pitchFamily="34" charset="0"/>
+                <a:cs typeface="Arial" panose="020B0604020202020204" pitchFamily="34" charset="0"/>
+              </a:rPr>
+              <a:t>align-items: stretch | flex-start | flex-end | center | baseline</a:t>
+            </a:r>
+            <a:br>
+              <a:rPr lang="en-US" sz="1800" dirty="0">
+                <a:latin typeface="Arial" panose="020B0604020202020204" pitchFamily="34" charset="0"/>
+                <a:cs typeface="Arial" panose="020B0604020202020204" pitchFamily="34" charset="0"/>
+              </a:rPr>
+            </a:br>
+            <a:endParaRPr lang="en-US" sz="1800" dirty="0">
+              <a:latin typeface="Arial" panose="020B0604020202020204" pitchFamily="34" charset="0"/>
+              <a:cs typeface="Arial" panose="020B0604020202020204" pitchFamily="34" charset="0"/>
+            </a:endParaRPr>
+          </a:p>
+          <a:p>
+            <a:r>
+              <a:rPr lang="en-US" dirty="0">
+                <a:solidFill>
+                  <a:schemeClr val="bg1"/>
+                </a:solidFill>
+              </a:rPr>
+              <a:t>align-content</a:t>
+            </a:r>
+            <a:r>
+              <a:rPr lang="en-US" b="1" dirty="0"/>
+              <a:t>: </a:t>
+            </a:r>
+            <a:r>
+              <a:rPr lang="en-US" dirty="0" err="1"/>
+              <a:t>Kommt</a:t>
+            </a:r>
+            <a:r>
+              <a:rPr lang="en-US" b="1" dirty="0"/>
+              <a:t> </a:t>
+            </a:r>
+            <a:r>
+              <a:rPr lang="en-US" dirty="0" err="1"/>
+              <a:t>nur</a:t>
+            </a:r>
+            <a:r>
+              <a:rPr lang="en-US" dirty="0"/>
+              <a:t> </a:t>
+            </a:r>
+            <a:r>
+              <a:rPr lang="en-US" dirty="0" err="1"/>
+              <a:t>zum</a:t>
+            </a:r>
+            <a:r>
+              <a:rPr lang="en-US" dirty="0"/>
+              <a:t> </a:t>
+            </a:r>
+            <a:r>
+              <a:rPr lang="en-US" dirty="0" err="1"/>
+              <a:t>tragen</a:t>
+            </a:r>
+            <a:r>
+              <a:rPr lang="en-US" dirty="0"/>
+              <a:t>, </a:t>
+            </a:r>
+            <a:r>
+              <a:rPr lang="en-US" dirty="0" err="1"/>
+              <a:t>wenn</a:t>
+            </a:r>
+            <a:r>
+              <a:rPr lang="en-US" dirty="0"/>
+              <a:t> </a:t>
+            </a:r>
+            <a:r>
+              <a:rPr lang="en-US" dirty="0" err="1"/>
+              <a:t>es</a:t>
+            </a:r>
+            <a:r>
+              <a:rPr lang="en-US" dirty="0"/>
+              <a:t> </a:t>
+            </a:r>
+            <a:r>
+              <a:rPr lang="en-US" dirty="0" err="1"/>
+              <a:t>mehr</a:t>
+            </a:r>
+            <a:r>
+              <a:rPr lang="en-US" dirty="0"/>
+              <a:t> </a:t>
+            </a:r>
+            <a:r>
+              <a:rPr lang="en-US" dirty="0" err="1"/>
+              <a:t>wie</a:t>
+            </a:r>
+            <a:r>
+              <a:rPr lang="en-US" dirty="0"/>
+              <a:t> </a:t>
+            </a:r>
+            <a:r>
+              <a:rPr lang="en-US" dirty="0" err="1"/>
+              <a:t>eine</a:t>
+            </a:r>
+            <a:r>
+              <a:rPr lang="en-US" dirty="0"/>
+              <a:t> </a:t>
+            </a:r>
+            <a:r>
+              <a:rPr lang="en-US" dirty="0" err="1"/>
+              <a:t>Zeile</a:t>
+            </a:r>
+            <a:r>
+              <a:rPr lang="en-US" dirty="0"/>
+              <a:t> Items hat. </a:t>
+            </a:r>
+            <a:r>
+              <a:rPr lang="en-US" dirty="0" err="1"/>
+              <a:t>Wie</a:t>
+            </a:r>
+            <a:r>
+              <a:rPr lang="en-US" dirty="0"/>
+              <a:t> </a:t>
+            </a:r>
+            <a:r>
+              <a:rPr lang="en-US" dirty="0" err="1"/>
+              <a:t>wird</a:t>
+            </a:r>
+            <a:r>
+              <a:rPr lang="en-US" dirty="0"/>
+              <a:t> extra </a:t>
+            </a:r>
+            <a:r>
+              <a:rPr lang="en-US" dirty="0" err="1"/>
+              <a:t>freier</a:t>
+            </a:r>
+            <a:r>
+              <a:rPr lang="en-US" dirty="0"/>
+              <a:t> Platz </a:t>
+            </a:r>
+            <a:r>
+              <a:rPr lang="en-US" dirty="0" err="1"/>
+              <a:t>entlang</a:t>
+            </a:r>
+            <a:r>
+              <a:rPr lang="en-US" dirty="0"/>
+              <a:t> der </a:t>
+            </a:r>
+            <a:r>
+              <a:rPr lang="en-US" b="1" dirty="0"/>
+              <a:t>cross-axis</a:t>
+            </a:r>
+            <a:r>
+              <a:rPr lang="en-US" dirty="0"/>
+              <a:t> </a:t>
+            </a:r>
+            <a:r>
+              <a:rPr lang="en-US" dirty="0" err="1"/>
+              <a:t>zwischen</a:t>
+            </a:r>
+            <a:r>
+              <a:rPr lang="en-US" dirty="0"/>
+              <a:t> den </a:t>
+            </a:r>
+            <a:r>
+              <a:rPr lang="en-US" dirty="0" err="1"/>
+              <a:t>Zeilen</a:t>
+            </a:r>
+            <a:r>
+              <a:rPr lang="en-US" dirty="0"/>
+              <a:t> </a:t>
+            </a:r>
+            <a:r>
+              <a:rPr lang="en-US" dirty="0" err="1"/>
+              <a:t>verteilt</a:t>
+            </a:r>
+            <a:r>
+              <a:rPr lang="en-US" dirty="0"/>
+              <a:t>.</a:t>
+            </a:r>
+            <a:br>
+              <a:rPr lang="en-US" b="1" dirty="0"/>
+            </a:br>
+            <a:r>
+              <a:rPr lang="en-US" sz="1800" dirty="0">
+                <a:latin typeface="Arial" panose="020B0604020202020204" pitchFamily="34" charset="0"/>
+                <a:cs typeface="Arial" panose="020B0604020202020204" pitchFamily="34" charset="0"/>
+              </a:rPr>
+              <a:t>align-content: stretch | flex-start | flex-end | center | space-between | space-around</a:t>
+            </a:r>
+            <a:br>
+              <a:rPr lang="en-US" sz="1800" b="1" dirty="0">
+                <a:latin typeface="Arial" panose="020B0604020202020204" pitchFamily="34" charset="0"/>
+                <a:cs typeface="Arial" panose="020B0604020202020204" pitchFamily="34" charset="0"/>
+              </a:rPr>
+            </a:br>
+            <a:endParaRPr lang="en-US" sz="1800" dirty="0">
+              <a:latin typeface="Arial" panose="020B0604020202020204" pitchFamily="34" charset="0"/>
+              <a:cs typeface="Arial" panose="020B0604020202020204" pitchFamily="34" charset="0"/>
+            </a:endParaRPr>
+          </a:p>
+          <a:p>
+            <a:endParaRPr lang="en-US" dirty="0"/>
+          </a:p>
+        </p:txBody>
+      </p:sp>
+    </p:spTree>
+    <p:extLst>
+      <p:ext uri="{BB962C8B-B14F-4D97-AF65-F5344CB8AC3E}">
+        <p14:creationId xmlns:p14="http://schemas.microsoft.com/office/powerpoint/2010/main" val="2970264264"/>
+      </p:ext>
+    </p:extLst>
+  </p:cSld>
+  <p:clrMapOvr>
+    <a:masterClrMapping/>
+  </p:clrMapOvr>
+</p:sld>
+</file>
+
+<file path=ppt/slides/slide92.xml><?xml version="1.0" encoding="utf-8"?>
+<p:sld xmlns:a="http://schemas.openxmlformats.org/drawingml/2006/main" xmlns:r="http://schemas.openxmlformats.org/officeDocument/2006/relationships" xmlns:p="http://schemas.openxmlformats.org/presentationml/2006/main">
+  <p:cSld>
+    <p:spTree>
+      <p:nvGrpSpPr>
+        <p:cNvPr id="1" name=""/>
+        <p:cNvGrpSpPr/>
+        <p:nvPr/>
+      </p:nvGrpSpPr>
+      <p:grpSpPr>
+        <a:xfrm>
+          <a:off x="0" y="0"/>
+          <a:ext cx="0" cy="0"/>
+          <a:chOff x="0" y="0"/>
+          <a:chExt cx="0" cy="0"/>
+        </a:xfrm>
+      </p:grpSpPr>
+      <p:sp>
+        <p:nvSpPr>
+          <p:cNvPr id="2" name="Title 1">
+            <a:extLst>
+              <a:ext uri="{FF2B5EF4-FFF2-40B4-BE49-F238E27FC236}">
                 <a16:creationId xmlns:a16="http://schemas.microsoft.com/office/drawing/2014/main" id="{51E96799-DB13-104C-822A-E2CBCB6F4EA1}"/>
               </a:ext>
             </a:extLst>
@@ -32986,7 +34113,7 @@
 </p:sld>
 </file>
 
-<file path=ppt/slides/slide91.xml><?xml version="1.0" encoding="utf-8"?>
+<file path=ppt/slides/slide93.xml><?xml version="1.0" encoding="utf-8"?>
 <p:sld xmlns:a="http://schemas.openxmlformats.org/drawingml/2006/main" xmlns:r="http://schemas.openxmlformats.org/officeDocument/2006/relationships" xmlns:p="http://schemas.openxmlformats.org/presentationml/2006/main">
   <p:cSld>
     <p:spTree>
@@ -33321,7 +34448,7 @@
 </p:sld>
 </file>
 
-<file path=ppt/slides/slide92.xml><?xml version="1.0" encoding="utf-8"?>
+<file path=ppt/slides/slide94.xml><?xml version="1.0" encoding="utf-8"?>
 <p:sld xmlns:a="http://schemas.openxmlformats.org/drawingml/2006/main" xmlns:r="http://schemas.openxmlformats.org/officeDocument/2006/relationships" xmlns:p="http://schemas.openxmlformats.org/presentationml/2006/main">
   <p:cSld>
     <p:spTree>
@@ -33429,7 +34556,7 @@
 </p:sld>
 </file>
 
-<file path=ppt/slides/slide93.xml><?xml version="1.0" encoding="utf-8"?>
+<file path=ppt/slides/slide95.xml><?xml version="1.0" encoding="utf-8"?>
 <p:sld xmlns:a="http://schemas.openxmlformats.org/drawingml/2006/main" xmlns:r="http://schemas.openxmlformats.org/officeDocument/2006/relationships" xmlns:p="http://schemas.openxmlformats.org/presentationml/2006/main">
   <p:cSld>
     <p:spTree>
@@ -33766,7 +34893,7 @@
 </p:sld>
 </file>
 
-<file path=ppt/slides/slide94.xml><?xml version="1.0" encoding="utf-8"?>
+<file path=ppt/slides/slide96.xml><?xml version="1.0" encoding="utf-8"?>
 <p:sld xmlns:a="http://schemas.openxmlformats.org/drawingml/2006/main" xmlns:r="http://schemas.openxmlformats.org/officeDocument/2006/relationships" xmlns:p="http://schemas.openxmlformats.org/presentationml/2006/main">
   <p:cSld>
     <p:spTree>
@@ -33922,7 +35049,7 @@
 </p:sld>
 </file>
 
-<file path=ppt/slides/slide95.xml><?xml version="1.0" encoding="utf-8"?>
+<file path=ppt/slides/slide97.xml><?xml version="1.0" encoding="utf-8"?>
 <p:sld xmlns:a="http://schemas.openxmlformats.org/drawingml/2006/main" xmlns:r="http://schemas.openxmlformats.org/officeDocument/2006/relationships" xmlns:p="http://schemas.openxmlformats.org/presentationml/2006/main">
   <p:cSld>
     <p:spTree>
@@ -34102,7 +35229,7 @@
 </p:sld>
 </file>
 
-<file path=ppt/slides/slide96.xml><?xml version="1.0" encoding="utf-8"?>
+<file path=ppt/slides/slide98.xml><?xml version="1.0" encoding="utf-8"?>
 <p:sld xmlns:a="http://schemas.openxmlformats.org/drawingml/2006/main" xmlns:r="http://schemas.openxmlformats.org/officeDocument/2006/relationships" xmlns:p="http://schemas.openxmlformats.org/presentationml/2006/main">
   <p:cSld>
     <p:spTree>
@@ -34288,7 +35415,7 @@
 </p:sld>
 </file>
 
-<file path=ppt/slides/slide97.xml><?xml version="1.0" encoding="utf-8"?>
+<file path=ppt/slides/slide99.xml><?xml version="1.0" encoding="utf-8"?>
 <p:sld xmlns:a="http://schemas.openxmlformats.org/drawingml/2006/main" xmlns:r="http://schemas.openxmlformats.org/officeDocument/2006/relationships" xmlns:p="http://schemas.openxmlformats.org/presentationml/2006/main">
   <p:cSld>
     <p:spTree>
@@ -34440,538 +35567,6 @@
     <p:extLst>
       <p:ext uri="{BB962C8B-B14F-4D97-AF65-F5344CB8AC3E}">
         <p14:creationId xmlns:p14="http://schemas.microsoft.com/office/powerpoint/2010/main" val="538053837"/>
-      </p:ext>
-    </p:extLst>
-  </p:cSld>
-  <p:clrMapOvr>
-    <a:masterClrMapping/>
-  </p:clrMapOvr>
-</p:sld>
-</file>
-
-<file path=ppt/slides/slide98.xml><?xml version="1.0" encoding="utf-8"?>
-<p:sld xmlns:a="http://schemas.openxmlformats.org/drawingml/2006/main" xmlns:r="http://schemas.openxmlformats.org/officeDocument/2006/relationships" xmlns:p="http://schemas.openxmlformats.org/presentationml/2006/main">
-  <p:cSld>
-    <p:spTree>
-      <p:nvGrpSpPr>
-        <p:cNvPr id="1" name=""/>
-        <p:cNvGrpSpPr/>
-        <p:nvPr/>
-      </p:nvGrpSpPr>
-      <p:grpSpPr>
-        <a:xfrm>
-          <a:off x="0" y="0"/>
-          <a:ext cx="0" cy="0"/>
-          <a:chOff x="0" y="0"/>
-          <a:chExt cx="0" cy="0"/>
-        </a:xfrm>
-      </p:grpSpPr>
-      <p:sp>
-        <p:nvSpPr>
-          <p:cNvPr id="2" name="Title 1">
-            <a:extLst>
-              <a:ext uri="{FF2B5EF4-FFF2-40B4-BE49-F238E27FC236}">
-                <a16:creationId xmlns:a16="http://schemas.microsoft.com/office/drawing/2014/main" id="{BD12F5B6-1D4F-FC43-9C9B-58CB5B6D4246}"/>
-              </a:ext>
-            </a:extLst>
-          </p:cNvPr>
-          <p:cNvSpPr>
-            <a:spLocks noGrp="1"/>
-          </p:cNvSpPr>
-          <p:nvPr>
-            <p:ph type="title"/>
-          </p:nvPr>
-        </p:nvSpPr>
-        <p:spPr/>
-        <p:txBody>
-          <a:bodyPr/>
-          <a:lstStyle/>
-          <a:p>
-            <a:r>
-              <a:rPr lang="en-US" dirty="0"/>
-              <a:t>Grid</a:t>
-            </a:r>
-          </a:p>
-        </p:txBody>
-      </p:sp>
-      <p:sp>
-        <p:nvSpPr>
-          <p:cNvPr id="3" name="Content Placeholder 2">
-            <a:extLst>
-              <a:ext uri="{FF2B5EF4-FFF2-40B4-BE49-F238E27FC236}">
-                <a16:creationId xmlns:a16="http://schemas.microsoft.com/office/drawing/2014/main" id="{CC3FAD12-4AE5-964C-9563-4A3588BB2406}"/>
-              </a:ext>
-            </a:extLst>
-          </p:cNvPr>
-          <p:cNvSpPr>
-            <a:spLocks noGrp="1"/>
-          </p:cNvSpPr>
-          <p:nvPr>
-            <p:ph idx="1"/>
-          </p:nvPr>
-        </p:nvSpPr>
-        <p:spPr/>
-        <p:txBody>
-          <a:bodyPr/>
-          <a:lstStyle/>
-          <a:p>
-            <a:r>
-              <a:rPr lang="en-US" dirty="0"/>
-              <a:t>Grid </a:t>
-            </a:r>
-            <a:r>
-              <a:rPr lang="en-US" dirty="0" err="1"/>
-              <a:t>ist</a:t>
-            </a:r>
-            <a:r>
-              <a:rPr lang="en-US" dirty="0"/>
-              <a:t> </a:t>
-            </a:r>
-            <a:r>
-              <a:rPr lang="en-US" dirty="0" err="1"/>
-              <a:t>ein</a:t>
-            </a:r>
-            <a:r>
-              <a:rPr lang="en-US" dirty="0"/>
-              <a:t> </a:t>
-            </a:r>
-            <a:r>
-              <a:rPr lang="en-US" b="1" dirty="0" err="1"/>
-              <a:t>zweidimensionales</a:t>
-            </a:r>
-            <a:r>
-              <a:rPr lang="en-US" dirty="0"/>
-              <a:t> </a:t>
-            </a:r>
-            <a:r>
-              <a:rPr lang="en-US" dirty="0" err="1"/>
-              <a:t>Layoutmodell</a:t>
-            </a:r>
-            <a:br>
-              <a:rPr lang="en-US" dirty="0"/>
-            </a:br>
-            <a:r>
-              <a:rPr lang="en-US" dirty="0" err="1"/>
-              <a:t>Somit</a:t>
-            </a:r>
-            <a:r>
-              <a:rPr lang="en-US" dirty="0"/>
-              <a:t> </a:t>
-            </a:r>
-            <a:r>
-              <a:rPr lang="en-US" dirty="0" err="1"/>
-              <a:t>wäre</a:t>
-            </a:r>
-            <a:r>
-              <a:rPr lang="en-US" dirty="0"/>
-              <a:t> Grid am </a:t>
-            </a:r>
-            <a:r>
-              <a:rPr lang="en-US" dirty="0" err="1"/>
-              <a:t>geeignetsten</a:t>
-            </a:r>
-            <a:r>
-              <a:rPr lang="en-US" dirty="0"/>
-              <a:t> </a:t>
-            </a:r>
-            <a:r>
-              <a:rPr lang="en-US" dirty="0" err="1"/>
-              <a:t>für</a:t>
-            </a:r>
-            <a:r>
-              <a:rPr lang="en-US" dirty="0"/>
-              <a:t> </a:t>
-            </a:r>
-            <a:r>
-              <a:rPr lang="en-US" dirty="0" err="1"/>
-              <a:t>ein</a:t>
-            </a:r>
-            <a:r>
-              <a:rPr lang="en-US" dirty="0"/>
-              <a:t> Overall Layout, </a:t>
-            </a:r>
-            <a:r>
-              <a:rPr lang="en-US" dirty="0" err="1"/>
-              <a:t>wie</a:t>
-            </a:r>
-            <a:r>
-              <a:rPr lang="en-US" dirty="0"/>
-              <a:t> das “Holy Grail”.</a:t>
-            </a:r>
-          </a:p>
-          <a:p>
-            <a:endParaRPr lang="en-US" dirty="0"/>
-          </a:p>
-        </p:txBody>
-      </p:sp>
-      <p:pic>
-        <p:nvPicPr>
-          <p:cNvPr id="5" name="Picture 4">
-            <a:extLst>
-              <a:ext uri="{FF2B5EF4-FFF2-40B4-BE49-F238E27FC236}">
-                <a16:creationId xmlns:a16="http://schemas.microsoft.com/office/drawing/2014/main" id="{DC1A4F37-09E5-6F4F-985B-5CBCB5CDD59B}"/>
-              </a:ext>
-            </a:extLst>
-          </p:cNvPr>
-          <p:cNvPicPr>
-            <a:picLocks noChangeAspect="1"/>
-          </p:cNvPicPr>
-          <p:nvPr/>
-        </p:nvPicPr>
-        <p:blipFill>
-          <a:blip r:embed="rId2"/>
-          <a:stretch>
-            <a:fillRect/>
-          </a:stretch>
-        </p:blipFill>
-        <p:spPr>
-          <a:xfrm>
-            <a:off x="3058160" y="3429000"/>
-            <a:ext cx="4511040" cy="3077174"/>
-          </a:xfrm>
-          <a:prstGeom prst="rect">
-            <a:avLst/>
-          </a:prstGeom>
-        </p:spPr>
-      </p:pic>
-      <p:sp>
-        <p:nvSpPr>
-          <p:cNvPr id="6" name="TextBox 5">
-            <a:extLst>
-              <a:ext uri="{FF2B5EF4-FFF2-40B4-BE49-F238E27FC236}">
-                <a16:creationId xmlns:a16="http://schemas.microsoft.com/office/drawing/2014/main" id="{CA0D84CC-B286-3F4F-A36B-E8A2692654F6}"/>
-              </a:ext>
-            </a:extLst>
-          </p:cNvPr>
-          <p:cNvSpPr txBox="1"/>
-          <p:nvPr/>
-        </p:nvSpPr>
-        <p:spPr>
-          <a:xfrm>
-            <a:off x="1503732" y="3951865"/>
-            <a:ext cx="1170513" cy="369332"/>
-          </a:xfrm>
-          <a:prstGeom prst="rect">
-            <a:avLst/>
-          </a:prstGeom>
-          <a:noFill/>
-        </p:spPr>
-        <p:txBody>
-          <a:bodyPr wrap="none" rtlCol="0">
-            <a:spAutoFit/>
-          </a:bodyPr>
-          <a:lstStyle/>
-          <a:p>
-            <a:r>
-              <a:rPr lang="en-US" dirty="0">
-                <a:solidFill>
-                  <a:schemeClr val="bg1"/>
-                </a:solidFill>
-              </a:rPr>
-              <a:t>container</a:t>
-            </a:r>
-          </a:p>
-        </p:txBody>
-      </p:sp>
-      <p:sp>
-        <p:nvSpPr>
-          <p:cNvPr id="7" name="TextBox 6">
-            <a:extLst>
-              <a:ext uri="{FF2B5EF4-FFF2-40B4-BE49-F238E27FC236}">
-                <a16:creationId xmlns:a16="http://schemas.microsoft.com/office/drawing/2014/main" id="{1B0ABAD5-C265-5D48-971B-CEF3E69D3F39}"/>
-              </a:ext>
-            </a:extLst>
-          </p:cNvPr>
-          <p:cNvSpPr txBox="1"/>
-          <p:nvPr/>
-        </p:nvSpPr>
-        <p:spPr>
-          <a:xfrm>
-            <a:off x="2013487" y="4598255"/>
-            <a:ext cx="660758" cy="369332"/>
-          </a:xfrm>
-          <a:prstGeom prst="rect">
-            <a:avLst/>
-          </a:prstGeom>
-          <a:noFill/>
-        </p:spPr>
-        <p:txBody>
-          <a:bodyPr wrap="none" rtlCol="0">
-            <a:spAutoFit/>
-          </a:bodyPr>
-          <a:lstStyle/>
-          <a:p>
-            <a:r>
-              <a:rPr lang="en-US" dirty="0">
-                <a:solidFill>
-                  <a:schemeClr val="bg1"/>
-                </a:solidFill>
-              </a:rPr>
-              <a:t>item</a:t>
-            </a:r>
-          </a:p>
-        </p:txBody>
-      </p:sp>
-      <p:cxnSp>
-        <p:nvCxnSpPr>
-          <p:cNvPr id="8" name="Gerade Verbindung mit Pfeil 4">
-            <a:extLst>
-              <a:ext uri="{FF2B5EF4-FFF2-40B4-BE49-F238E27FC236}">
-                <a16:creationId xmlns:a16="http://schemas.microsoft.com/office/drawing/2014/main" id="{051D78F4-22C4-DC4A-B5FB-254504E555FA}"/>
-              </a:ext>
-            </a:extLst>
-          </p:cNvPr>
-          <p:cNvCxnSpPr>
-            <a:cxnSpLocks/>
-          </p:cNvCxnSpPr>
-          <p:nvPr/>
-        </p:nvCxnSpPr>
-        <p:spPr>
-          <a:xfrm flipV="1">
-            <a:off x="2674245" y="3728720"/>
-            <a:ext cx="526155" cy="412928"/>
-          </a:xfrm>
-          <a:prstGeom prst="straightConnector1">
-            <a:avLst/>
-          </a:prstGeom>
-          <a:ln w="38100">
-            <a:solidFill>
-              <a:schemeClr val="bg1"/>
-            </a:solidFill>
-            <a:tailEnd type="triangle"/>
-          </a:ln>
-        </p:spPr>
-        <p:style>
-          <a:lnRef idx="1">
-            <a:schemeClr val="dk1"/>
-          </a:lnRef>
-          <a:fillRef idx="0">
-            <a:schemeClr val="dk1"/>
-          </a:fillRef>
-          <a:effectRef idx="0">
-            <a:schemeClr val="dk1"/>
-          </a:effectRef>
-          <a:fontRef idx="minor">
-            <a:schemeClr val="tx1"/>
-          </a:fontRef>
-        </p:style>
-      </p:cxnSp>
-      <p:cxnSp>
-        <p:nvCxnSpPr>
-          <p:cNvPr id="10" name="Gerade Verbindung mit Pfeil 4">
-            <a:extLst>
-              <a:ext uri="{FF2B5EF4-FFF2-40B4-BE49-F238E27FC236}">
-                <a16:creationId xmlns:a16="http://schemas.microsoft.com/office/drawing/2014/main" id="{4448EDFC-1EB3-8C48-83DE-89F403F81BBE}"/>
-              </a:ext>
-            </a:extLst>
-          </p:cNvPr>
-          <p:cNvCxnSpPr>
-            <a:cxnSpLocks/>
-          </p:cNvCxnSpPr>
-          <p:nvPr/>
-        </p:nvCxnSpPr>
-        <p:spPr>
-          <a:xfrm flipV="1">
-            <a:off x="2664085" y="4364793"/>
-            <a:ext cx="1247515" cy="386013"/>
-          </a:xfrm>
-          <a:prstGeom prst="straightConnector1">
-            <a:avLst/>
-          </a:prstGeom>
-          <a:ln w="38100">
-            <a:solidFill>
-              <a:schemeClr val="bg1"/>
-            </a:solidFill>
-            <a:tailEnd type="triangle"/>
-          </a:ln>
-        </p:spPr>
-        <p:style>
-          <a:lnRef idx="1">
-            <a:schemeClr val="dk1"/>
-          </a:lnRef>
-          <a:fillRef idx="0">
-            <a:schemeClr val="dk1"/>
-          </a:fillRef>
-          <a:effectRef idx="0">
-            <a:schemeClr val="dk1"/>
-          </a:effectRef>
-          <a:fontRef idx="minor">
-            <a:schemeClr val="tx1"/>
-          </a:fontRef>
-        </p:style>
-      </p:cxnSp>
-    </p:spTree>
-    <p:extLst>
-      <p:ext uri="{BB962C8B-B14F-4D97-AF65-F5344CB8AC3E}">
-        <p14:creationId xmlns:p14="http://schemas.microsoft.com/office/powerpoint/2010/main" val="80854726"/>
-      </p:ext>
-    </p:extLst>
-  </p:cSld>
-  <p:clrMapOvr>
-    <a:masterClrMapping/>
-  </p:clrMapOvr>
-</p:sld>
-</file>
-
-<file path=ppt/slides/slide99.xml><?xml version="1.0" encoding="utf-8"?>
-<p:sld xmlns:a="http://schemas.openxmlformats.org/drawingml/2006/main" xmlns:r="http://schemas.openxmlformats.org/officeDocument/2006/relationships" xmlns:p="http://schemas.openxmlformats.org/presentationml/2006/main">
-  <p:cSld>
-    <p:spTree>
-      <p:nvGrpSpPr>
-        <p:cNvPr id="1" name=""/>
-        <p:cNvGrpSpPr/>
-        <p:nvPr/>
-      </p:nvGrpSpPr>
-      <p:grpSpPr>
-        <a:xfrm>
-          <a:off x="0" y="0"/>
-          <a:ext cx="0" cy="0"/>
-          <a:chOff x="0" y="0"/>
-          <a:chExt cx="0" cy="0"/>
-        </a:xfrm>
-      </p:grpSpPr>
-      <p:sp>
-        <p:nvSpPr>
-          <p:cNvPr id="2" name="Title 1">
-            <a:extLst>
-              <a:ext uri="{FF2B5EF4-FFF2-40B4-BE49-F238E27FC236}">
-                <a16:creationId xmlns:a16="http://schemas.microsoft.com/office/drawing/2014/main" id="{C57CC73E-83AF-9D48-8780-676E6EE6AB4D}"/>
-              </a:ext>
-            </a:extLst>
-          </p:cNvPr>
-          <p:cNvSpPr>
-            <a:spLocks noGrp="1"/>
-          </p:cNvSpPr>
-          <p:nvPr>
-            <p:ph type="title"/>
-          </p:nvPr>
-        </p:nvSpPr>
-        <p:spPr/>
-        <p:txBody>
-          <a:bodyPr/>
-          <a:lstStyle/>
-          <a:p>
-            <a:r>
-              <a:rPr lang="en-US" dirty="0"/>
-              <a:t>Grid</a:t>
-            </a:r>
-          </a:p>
-        </p:txBody>
-      </p:sp>
-      <p:sp>
-        <p:nvSpPr>
-          <p:cNvPr id="3" name="Content Placeholder 2">
-            <a:extLst>
-              <a:ext uri="{FF2B5EF4-FFF2-40B4-BE49-F238E27FC236}">
-                <a16:creationId xmlns:a16="http://schemas.microsoft.com/office/drawing/2014/main" id="{25799DE7-BC49-E444-A85A-C391B6D9D5F2}"/>
-              </a:ext>
-            </a:extLst>
-          </p:cNvPr>
-          <p:cNvSpPr>
-            <a:spLocks noGrp="1"/>
-          </p:cNvSpPr>
-          <p:nvPr>
-            <p:ph idx="1"/>
-          </p:nvPr>
-        </p:nvSpPr>
-        <p:spPr/>
-        <p:txBody>
-          <a:bodyPr/>
-          <a:lstStyle/>
-          <a:p>
-            <a:r>
-              <a:rPr lang="en-US" dirty="0"/>
-              <a:t>Das Grid Layout </a:t>
-            </a:r>
-            <a:r>
-              <a:rPr lang="en-US" dirty="0" err="1"/>
-              <a:t>wird</a:t>
-            </a:r>
-            <a:r>
-              <a:rPr lang="en-US" dirty="0"/>
-              <a:t> </a:t>
-            </a:r>
-            <a:r>
-              <a:rPr lang="en-US" dirty="0" err="1"/>
-              <a:t>noch</a:t>
-            </a:r>
-            <a:r>
-              <a:rPr lang="en-US" dirty="0"/>
-              <a:t> </a:t>
-            </a:r>
-            <a:r>
-              <a:rPr lang="en-US" dirty="0" err="1"/>
-              <a:t>nicht</a:t>
-            </a:r>
-            <a:r>
-              <a:rPr lang="en-US" dirty="0"/>
-              <a:t> so </a:t>
-            </a:r>
-            <a:r>
-              <a:rPr lang="en-US" dirty="0" err="1"/>
-              <a:t>lange</a:t>
-            </a:r>
-            <a:r>
-              <a:rPr lang="en-US" dirty="0"/>
-              <a:t> von “</a:t>
-            </a:r>
-            <a:r>
-              <a:rPr lang="en-US" dirty="0" err="1"/>
-              <a:t>allen</a:t>
-            </a:r>
-            <a:r>
-              <a:rPr lang="en-US" dirty="0"/>
-              <a:t>” </a:t>
-            </a:r>
-            <a:r>
-              <a:rPr lang="en-US" dirty="0" err="1"/>
-              <a:t>Browsern</a:t>
-            </a:r>
-            <a:r>
-              <a:rPr lang="en-US" dirty="0"/>
-              <a:t> </a:t>
-            </a:r>
-            <a:r>
-              <a:rPr lang="en-US" dirty="0" err="1"/>
-              <a:t>unterstützt</a:t>
-            </a:r>
-            <a:r>
-              <a:rPr lang="en-US" dirty="0"/>
-              <a:t>. Z.B. IE11 </a:t>
-            </a:r>
-            <a:r>
-              <a:rPr lang="en-US" dirty="0" err="1"/>
-              <a:t>unterstützt</a:t>
-            </a:r>
-            <a:r>
-              <a:rPr lang="en-US" dirty="0"/>
-              <a:t> Grid </a:t>
-            </a:r>
-            <a:r>
-              <a:rPr lang="en-US" dirty="0" err="1"/>
-              <a:t>nicht</a:t>
-            </a:r>
-            <a:r>
-              <a:rPr lang="en-US" dirty="0"/>
-              <a:t>.</a:t>
-            </a:r>
-            <a:br>
-              <a:rPr lang="en-US" dirty="0"/>
-            </a:br>
-            <a:r>
-              <a:rPr lang="en-US" dirty="0">
-                <a:hlinkClick r:id="rId2"/>
-              </a:rPr>
-              <a:t>https://caniuse.com/#search=css-grid</a:t>
-            </a:r>
-            <a:endParaRPr lang="en-US" dirty="0"/>
-          </a:p>
-        </p:txBody>
-      </p:sp>
-    </p:spTree>
-    <p:extLst>
-      <p:ext uri="{BB962C8B-B14F-4D97-AF65-F5344CB8AC3E}">
-        <p14:creationId xmlns:p14="http://schemas.microsoft.com/office/powerpoint/2010/main" val="2496049358"/>
       </p:ext>
     </p:extLst>
   </p:cSld>

--- a/htmlSchulung.pptx
+++ b/htmlSchulung.pptx
@@ -330,7 +330,7 @@
           <a:p>
             <a:fld id="{BE2D71F2-CD9B-7C46-8D66-54734C07EE34}" type="datetimeFigureOut">
               <a:rPr lang="de-DE" smtClean="0"/>
-              <a:t>31.03.19</a:t>
+              <a:t>03.04.19</a:t>
             </a:fld>
             <a:endParaRPr lang="de-DE"/>
           </a:p>
@@ -1518,7 +1518,7 @@
           <a:p>
             <a:fld id="{97F8442F-7EFF-D846-8D33-E60C8BAB8488}" type="datetimeFigureOut">
               <a:rPr lang="de-DE" smtClean="0"/>
-              <a:t>31.03.19</a:t>
+              <a:t>03.04.19</a:t>
             </a:fld>
             <a:endParaRPr lang="de-DE"/>
           </a:p>
@@ -1937,7 +1937,7 @@
           <a:p>
             <a:fld id="{97F8442F-7EFF-D846-8D33-E60C8BAB8488}" type="datetimeFigureOut">
               <a:rPr lang="de-DE" smtClean="0"/>
-              <a:t>31.03.19</a:t>
+              <a:t>03.04.19</a:t>
             </a:fld>
             <a:endParaRPr lang="de-DE"/>
           </a:p>
@@ -2278,7 +2278,7 @@
           <a:p>
             <a:fld id="{97F8442F-7EFF-D846-8D33-E60C8BAB8488}" type="datetimeFigureOut">
               <a:rPr lang="de-DE" smtClean="0"/>
-              <a:t>31.03.19</a:t>
+              <a:t>03.04.19</a:t>
             </a:fld>
             <a:endParaRPr lang="de-DE"/>
           </a:p>
@@ -2693,7 +2693,7 @@
           <a:p>
             <a:fld id="{97F8442F-7EFF-D846-8D33-E60C8BAB8488}" type="datetimeFigureOut">
               <a:rPr lang="de-DE" smtClean="0"/>
-              <a:t>31.03.19</a:t>
+              <a:t>03.04.19</a:t>
             </a:fld>
             <a:endParaRPr lang="de-DE"/>
           </a:p>
@@ -3266,7 +3266,7 @@
           <a:p>
             <a:fld id="{97F8442F-7EFF-D846-8D33-E60C8BAB8488}" type="datetimeFigureOut">
               <a:rPr lang="de-DE" smtClean="0"/>
-              <a:t>31.03.19</a:t>
+              <a:t>03.04.19</a:t>
             </a:fld>
             <a:endParaRPr lang="de-DE"/>
           </a:p>
@@ -3977,7 +3977,7 @@
           <a:p>
             <a:fld id="{97F8442F-7EFF-D846-8D33-E60C8BAB8488}" type="datetimeFigureOut">
               <a:rPr lang="de-DE" smtClean="0"/>
-              <a:t>31.03.19</a:t>
+              <a:t>03.04.19</a:t>
             </a:fld>
             <a:endParaRPr lang="de-DE"/>
           </a:p>
@@ -4920,7 +4920,7 @@
           <a:p>
             <a:fld id="{97F8442F-7EFF-D846-8D33-E60C8BAB8488}" type="datetimeFigureOut">
               <a:rPr lang="de-DE" smtClean="0"/>
-              <a:t>31.03.19</a:t>
+              <a:t>03.04.19</a:t>
             </a:fld>
             <a:endParaRPr lang="de-DE"/>
           </a:p>
@@ -5209,7 +5209,7 @@
           <a:p>
             <a:fld id="{97F8442F-7EFF-D846-8D33-E60C8BAB8488}" type="datetimeFigureOut">
               <a:rPr lang="de-DE" smtClean="0"/>
-              <a:t>31.03.19</a:t>
+              <a:t>03.04.19</a:t>
             </a:fld>
             <a:endParaRPr lang="de-DE"/>
           </a:p>
@@ -5449,7 +5449,7 @@
           <a:p>
             <a:fld id="{97F8442F-7EFF-D846-8D33-E60C8BAB8488}" type="datetimeFigureOut">
               <a:rPr lang="de-DE" smtClean="0"/>
-              <a:t>31.03.19</a:t>
+              <a:t>03.04.19</a:t>
             </a:fld>
             <a:endParaRPr lang="de-DE"/>
           </a:p>
@@ -5748,7 +5748,7 @@
           <a:p>
             <a:fld id="{97F8442F-7EFF-D846-8D33-E60C8BAB8488}" type="datetimeFigureOut">
               <a:rPr lang="de-DE" smtClean="0"/>
-              <a:t>31.03.19</a:t>
+              <a:t>03.04.19</a:t>
             </a:fld>
             <a:endParaRPr lang="de-DE"/>
           </a:p>
@@ -6142,7 +6142,7 @@
           <a:p>
             <a:fld id="{97F8442F-7EFF-D846-8D33-E60C8BAB8488}" type="datetimeFigureOut">
               <a:rPr lang="de-DE" smtClean="0"/>
-              <a:t>31.03.19</a:t>
+              <a:t>03.04.19</a:t>
             </a:fld>
             <a:endParaRPr lang="de-DE"/>
           </a:p>
@@ -6470,7 +6470,7 @@
           <a:p>
             <a:fld id="{97F8442F-7EFF-D846-8D33-E60C8BAB8488}" type="datetimeFigureOut">
               <a:rPr lang="de-DE" smtClean="0"/>
-              <a:t>31.03.19</a:t>
+              <a:t>03.04.19</a:t>
             </a:fld>
             <a:endParaRPr lang="de-DE"/>
           </a:p>
@@ -6938,7 +6938,7 @@
           <a:p>
             <a:fld id="{97F8442F-7EFF-D846-8D33-E60C8BAB8488}" type="datetimeFigureOut">
               <a:rPr lang="de-DE" smtClean="0"/>
-              <a:t>31.03.19</a:t>
+              <a:t>03.04.19</a:t>
             </a:fld>
             <a:endParaRPr lang="de-DE"/>
           </a:p>
@@ -7195,7 +7195,7 @@
           <a:p>
             <a:fld id="{97F8442F-7EFF-D846-8D33-E60C8BAB8488}" type="datetimeFigureOut">
               <a:rPr lang="de-DE" smtClean="0"/>
-              <a:t>31.03.19</a:t>
+              <a:t>03.04.19</a:t>
             </a:fld>
             <a:endParaRPr lang="de-DE"/>
           </a:p>
@@ -7358,7 +7358,7 @@
           <a:p>
             <a:fld id="{97F8442F-7EFF-D846-8D33-E60C8BAB8488}" type="datetimeFigureOut">
               <a:rPr lang="de-DE" smtClean="0"/>
-              <a:t>31.03.19</a:t>
+              <a:t>03.04.19</a:t>
             </a:fld>
             <a:endParaRPr lang="de-DE"/>
           </a:p>
@@ -7729,7 +7729,7 @@
           <a:p>
             <a:fld id="{97F8442F-7EFF-D846-8D33-E60C8BAB8488}" type="datetimeFigureOut">
               <a:rPr lang="de-DE" smtClean="0"/>
-              <a:t>31.03.19</a:t>
+              <a:t>03.04.19</a:t>
             </a:fld>
             <a:endParaRPr lang="de-DE"/>
           </a:p>
@@ -8143,7 +8143,7 @@
           <a:p>
             <a:fld id="{97F8442F-7EFF-D846-8D33-E60C8BAB8488}" type="datetimeFigureOut">
               <a:rPr lang="de-DE" smtClean="0"/>
-              <a:t>31.03.19</a:t>
+              <a:t>03.04.19</a:t>
             </a:fld>
             <a:endParaRPr lang="de-DE"/>
           </a:p>
@@ -8363,7 +8363,7 @@
           <a:p>
             <a:fld id="{97F8442F-7EFF-D846-8D33-E60C8BAB8488}" type="datetimeFigureOut">
               <a:rPr lang="de-DE" smtClean="0"/>
-              <a:t>31.03.19</a:t>
+              <a:t>03.04.19</a:t>
             </a:fld>
             <a:endParaRPr lang="de-DE"/>
           </a:p>
@@ -27429,7 +27429,7 @@
             </a:pPr>
             <a:r>
               <a:rPr lang="de-CH" dirty="0"/>
-              <a:t>Erstelle eine Box, die 400px x 400px gross ist. Darin sind drei kleine Boxen, die 100px breit sind und so hoch, dass die in die grosse Box hinein passen. Verwende Farben und Rahmen, damit du die Boxen besser unterscheiden kannst.</a:t>
+              <a:t>Erstelle eine Box, die 400px x 400px gross ist. Darin sind vier kleine Boxen, die 100px breit sind und so hoch, dass die in die grosse Box hinein passen. Verwende Farben und Rahmen, damit du die Boxen besser unterscheiden kannst.</a:t>
             </a:r>
           </a:p>
         </p:txBody>
@@ -30826,7 +30826,9 @@
         </p:nvSpPr>
         <p:spPr/>
         <p:txBody>
-          <a:bodyPr/>
+          <a:bodyPr>
+            <a:normAutofit lnSpcReduction="10000"/>
+          </a:bodyPr>
           <a:lstStyle/>
           <a:p>
             <a:r>
@@ -31144,6 +31146,21 @@
               <a:rPr lang="en-US" dirty="0"/>
               <a:t>.</a:t>
             </a:r>
+          </a:p>
+          <a:p>
+            <a:r>
+              <a:rPr lang="en-US" dirty="0">
+                <a:hlinkClick r:id="rId2"/>
+              </a:rPr>
+              <a:t>https://medium.freecodecamp.org</a:t>
+            </a:r>
+            <a:r>
+              <a:rPr lang="en-US">
+                <a:hlinkClick r:id="rId2"/>
+              </a:rPr>
+              <a:t>/how-to-understand-css-position-absolute-once-and-for-all-b71ca10cd3fd</a:t>
+            </a:r>
+            <a:endParaRPr lang="en-US" dirty="0"/>
           </a:p>
         </p:txBody>
       </p:sp>

--- a/htmlSchulung.pptx
+++ b/htmlSchulung.pptx
@@ -31146,19 +31146,20 @@
               <a:rPr lang="en-US" dirty="0"/>
               <a:t>.</a:t>
             </a:r>
-          </a:p>
-          <a:p>
+            <a:br>
+              <a:rPr lang="en-US" dirty="0"/>
+            </a:br>
+            <a:endParaRPr lang="en-US" dirty="0"/>
+          </a:p>
+          <a:p>
+            <a:pPr marL="0" indent="0">
+              <a:buNone/>
+            </a:pPr>
             <a:r>
               <a:rPr lang="en-US" dirty="0">
                 <a:hlinkClick r:id="rId2"/>
               </a:rPr>
-              <a:t>https://medium.freecodecamp.org</a:t>
-            </a:r>
-            <a:r>
-              <a:rPr lang="en-US">
-                <a:hlinkClick r:id="rId2"/>
-              </a:rPr>
-              <a:t>/how-to-understand-css-position-absolute-once-and-for-all-b71ca10cd3fd</a:t>
+              <a:t>https://medium.freecodecamp.org/how-to-understand-css-position-absolute-once-and-for-all-b71ca10cd3fd</a:t>
             </a:r>
             <a:endParaRPr lang="en-US" dirty="0"/>
           </a:p>
@@ -31514,7 +31515,9 @@
         </p:nvSpPr>
         <p:spPr/>
         <p:txBody>
-          <a:bodyPr/>
+          <a:bodyPr>
+            <a:normAutofit fontScale="92500" lnSpcReduction="10000"/>
+          </a:bodyPr>
           <a:lstStyle/>
           <a:p>
             <a:r>
@@ -31799,6 +31802,32 @@
               </a:rPr>
               <a:t>}</a:t>
             </a:r>
+          </a:p>
+          <a:p>
+            <a:pPr marL="0" indent="0">
+              <a:buNone/>
+            </a:pPr>
+            <a:endParaRPr lang="de-DE" sz="1800" dirty="0">
+              <a:latin typeface="Arial" panose="020B0604020202020204" pitchFamily="34" charset="0"/>
+              <a:cs typeface="Arial" panose="020B0604020202020204" pitchFamily="34" charset="0"/>
+            </a:endParaRPr>
+          </a:p>
+          <a:p>
+            <a:pPr marL="0" indent="0">
+              <a:buNone/>
+            </a:pPr>
+            <a:r>
+              <a:rPr lang="de-DE" sz="1800" dirty="0">
+                <a:latin typeface="Arial" panose="020B0604020202020204" pitchFamily="34" charset="0"/>
+                <a:cs typeface="Arial" panose="020B0604020202020204" pitchFamily="34" charset="0"/>
+                <a:hlinkClick r:id="rId2"/>
+              </a:rPr>
+              <a:t>https://css-tricks.com/snippets/css/media-queries-for-standard-devices/</a:t>
+            </a:r>
+            <a:endParaRPr lang="de-DE" sz="1800" dirty="0">
+              <a:latin typeface="Arial" panose="020B0604020202020204" pitchFamily="34" charset="0"/>
+              <a:cs typeface="Arial" panose="020B0604020202020204" pitchFamily="34" charset="0"/>
+            </a:endParaRPr>
           </a:p>
         </p:txBody>
       </p:sp>

--- a/htmlSchulung.pptx
+++ b/htmlSchulung.pptx
@@ -330,7 +330,7 @@
           <a:p>
             <a:fld id="{BE2D71F2-CD9B-7C46-8D66-54734C07EE34}" type="datetimeFigureOut">
               <a:rPr lang="de-DE" smtClean="0"/>
-              <a:t>03.04.19</a:t>
+              <a:t>09.04.19</a:t>
             </a:fld>
             <a:endParaRPr lang="de-DE"/>
           </a:p>
@@ -463,7 +463,7 @@
           <a:p>
             <a:fld id="{60940F8C-0819-D64A-BC61-6EB4B2E2912A}" type="slidenum">
               <a:rPr lang="de-DE" smtClean="0"/>
-              <a:t>‹Nr.›</a:t>
+              <a:t>‹#›</a:t>
             </a:fld>
             <a:endParaRPr lang="de-DE"/>
           </a:p>
@@ -1518,7 +1518,7 @@
           <a:p>
             <a:fld id="{97F8442F-7EFF-D846-8D33-E60C8BAB8488}" type="datetimeFigureOut">
               <a:rPr lang="de-DE" smtClean="0"/>
-              <a:t>03.04.19</a:t>
+              <a:t>09.04.19</a:t>
             </a:fld>
             <a:endParaRPr lang="de-DE"/>
           </a:p>
@@ -1565,7 +1565,7 @@
           <a:p>
             <a:fld id="{D90341C6-B83F-F944-B0DF-A5D91789E42C}" type="slidenum">
               <a:rPr lang="de-DE" smtClean="0"/>
-              <a:t>‹Nr.›</a:t>
+              <a:t>‹#›</a:t>
             </a:fld>
             <a:endParaRPr lang="de-DE"/>
           </a:p>
@@ -1937,7 +1937,7 @@
           <a:p>
             <a:fld id="{97F8442F-7EFF-D846-8D33-E60C8BAB8488}" type="datetimeFigureOut">
               <a:rPr lang="de-DE" smtClean="0"/>
-              <a:t>03.04.19</a:t>
+              <a:t>09.04.19</a:t>
             </a:fld>
             <a:endParaRPr lang="de-DE"/>
           </a:p>
@@ -1984,7 +1984,7 @@
           <a:p>
             <a:fld id="{D90341C6-B83F-F944-B0DF-A5D91789E42C}" type="slidenum">
               <a:rPr lang="de-DE" smtClean="0"/>
-              <a:t>‹Nr.›</a:t>
+              <a:t>‹#›</a:t>
             </a:fld>
             <a:endParaRPr lang="de-DE"/>
           </a:p>
@@ -2278,7 +2278,7 @@
           <a:p>
             <a:fld id="{97F8442F-7EFF-D846-8D33-E60C8BAB8488}" type="datetimeFigureOut">
               <a:rPr lang="de-DE" smtClean="0"/>
-              <a:t>03.04.19</a:t>
+              <a:t>09.04.19</a:t>
             </a:fld>
             <a:endParaRPr lang="de-DE"/>
           </a:p>
@@ -2325,7 +2325,7 @@
           <a:p>
             <a:fld id="{D90341C6-B83F-F944-B0DF-A5D91789E42C}" type="slidenum">
               <a:rPr lang="de-DE" smtClean="0"/>
-              <a:t>‹Nr.›</a:t>
+              <a:t>‹#›</a:t>
             </a:fld>
             <a:endParaRPr lang="de-DE"/>
           </a:p>
@@ -2693,7 +2693,7 @@
           <a:p>
             <a:fld id="{97F8442F-7EFF-D846-8D33-E60C8BAB8488}" type="datetimeFigureOut">
               <a:rPr lang="de-DE" smtClean="0"/>
-              <a:t>03.04.19</a:t>
+              <a:t>09.04.19</a:t>
             </a:fld>
             <a:endParaRPr lang="de-DE"/>
           </a:p>
@@ -2740,7 +2740,7 @@
           <a:p>
             <a:fld id="{D90341C6-B83F-F944-B0DF-A5D91789E42C}" type="slidenum">
               <a:rPr lang="de-DE" smtClean="0"/>
-              <a:t>‹Nr.›</a:t>
+              <a:t>‹#›</a:t>
             </a:fld>
             <a:endParaRPr lang="de-DE"/>
           </a:p>
@@ -3266,7 +3266,7 @@
           <a:p>
             <a:fld id="{97F8442F-7EFF-D846-8D33-E60C8BAB8488}" type="datetimeFigureOut">
               <a:rPr lang="de-DE" smtClean="0"/>
-              <a:t>03.04.19</a:t>
+              <a:t>09.04.19</a:t>
             </a:fld>
             <a:endParaRPr lang="de-DE"/>
           </a:p>
@@ -3313,7 +3313,7 @@
           <a:p>
             <a:fld id="{D90341C6-B83F-F944-B0DF-A5D91789E42C}" type="slidenum">
               <a:rPr lang="de-DE" smtClean="0"/>
-              <a:t>‹Nr.›</a:t>
+              <a:t>‹#›</a:t>
             </a:fld>
             <a:endParaRPr lang="de-DE"/>
           </a:p>
@@ -3977,7 +3977,7 @@
           <a:p>
             <a:fld id="{97F8442F-7EFF-D846-8D33-E60C8BAB8488}" type="datetimeFigureOut">
               <a:rPr lang="de-DE" smtClean="0"/>
-              <a:t>03.04.19</a:t>
+              <a:t>09.04.19</a:t>
             </a:fld>
             <a:endParaRPr lang="de-DE"/>
           </a:p>
@@ -4019,7 +4019,7 @@
           <a:p>
             <a:fld id="{D90341C6-B83F-F944-B0DF-A5D91789E42C}" type="slidenum">
               <a:rPr lang="de-DE" smtClean="0"/>
-              <a:t>‹Nr.›</a:t>
+              <a:t>‹#›</a:t>
             </a:fld>
             <a:endParaRPr lang="de-DE"/>
           </a:p>
@@ -4920,7 +4920,7 @@
           <a:p>
             <a:fld id="{97F8442F-7EFF-D846-8D33-E60C8BAB8488}" type="datetimeFigureOut">
               <a:rPr lang="de-DE" smtClean="0"/>
-              <a:t>03.04.19</a:t>
+              <a:t>09.04.19</a:t>
             </a:fld>
             <a:endParaRPr lang="de-DE"/>
           </a:p>
@@ -4962,7 +4962,7 @@
           <a:p>
             <a:fld id="{D90341C6-B83F-F944-B0DF-A5D91789E42C}" type="slidenum">
               <a:rPr lang="de-DE" smtClean="0"/>
-              <a:t>‹Nr.›</a:t>
+              <a:t>‹#›</a:t>
             </a:fld>
             <a:endParaRPr lang="de-DE"/>
           </a:p>
@@ -5209,7 +5209,7 @@
           <a:p>
             <a:fld id="{97F8442F-7EFF-D846-8D33-E60C8BAB8488}" type="datetimeFigureOut">
               <a:rPr lang="de-DE" smtClean="0"/>
-              <a:t>03.04.19</a:t>
+              <a:t>09.04.19</a:t>
             </a:fld>
             <a:endParaRPr lang="de-DE"/>
           </a:p>
@@ -5251,7 +5251,7 @@
           <a:p>
             <a:fld id="{D90341C6-B83F-F944-B0DF-A5D91789E42C}" type="slidenum">
               <a:rPr lang="de-DE" smtClean="0"/>
-              <a:t>‹Nr.›</a:t>
+              <a:t>‹#›</a:t>
             </a:fld>
             <a:endParaRPr lang="de-DE"/>
           </a:p>
@@ -5449,7 +5449,7 @@
           <a:p>
             <a:fld id="{97F8442F-7EFF-D846-8D33-E60C8BAB8488}" type="datetimeFigureOut">
               <a:rPr lang="de-DE" smtClean="0"/>
-              <a:t>03.04.19</a:t>
+              <a:t>09.04.19</a:t>
             </a:fld>
             <a:endParaRPr lang="de-DE"/>
           </a:p>
@@ -5505,7 +5505,7 @@
           <a:p>
             <a:fld id="{D90341C6-B83F-F944-B0DF-A5D91789E42C}" type="slidenum">
               <a:rPr lang="de-DE" smtClean="0"/>
-              <a:t>‹Nr.›</a:t>
+              <a:t>‹#›</a:t>
             </a:fld>
             <a:endParaRPr lang="de-DE"/>
           </a:p>
@@ -5748,7 +5748,7 @@
           <a:p>
             <a:fld id="{97F8442F-7EFF-D846-8D33-E60C8BAB8488}" type="datetimeFigureOut">
               <a:rPr lang="de-DE" smtClean="0"/>
-              <a:t>03.04.19</a:t>
+              <a:t>09.04.19</a:t>
             </a:fld>
             <a:endParaRPr lang="de-DE"/>
           </a:p>
@@ -5790,7 +5790,7 @@
           <a:p>
             <a:fld id="{D90341C6-B83F-F944-B0DF-A5D91789E42C}" type="slidenum">
               <a:rPr lang="de-DE" smtClean="0"/>
-              <a:t>‹Nr.›</a:t>
+              <a:t>‹#›</a:t>
             </a:fld>
             <a:endParaRPr lang="de-DE"/>
           </a:p>
@@ -6142,7 +6142,7 @@
           <a:p>
             <a:fld id="{97F8442F-7EFF-D846-8D33-E60C8BAB8488}" type="datetimeFigureOut">
               <a:rPr lang="de-DE" smtClean="0"/>
-              <a:t>03.04.19</a:t>
+              <a:t>09.04.19</a:t>
             </a:fld>
             <a:endParaRPr lang="de-DE"/>
           </a:p>
@@ -6189,7 +6189,7 @@
           <a:p>
             <a:fld id="{D90341C6-B83F-F944-B0DF-A5D91789E42C}" type="slidenum">
               <a:rPr lang="de-DE" smtClean="0"/>
-              <a:t>‹Nr.›</a:t>
+              <a:t>‹#›</a:t>
             </a:fld>
             <a:endParaRPr lang="de-DE"/>
           </a:p>
@@ -6470,7 +6470,7 @@
           <a:p>
             <a:fld id="{97F8442F-7EFF-D846-8D33-E60C8BAB8488}" type="datetimeFigureOut">
               <a:rPr lang="de-DE" smtClean="0"/>
-              <a:t>03.04.19</a:t>
+              <a:t>09.04.19</a:t>
             </a:fld>
             <a:endParaRPr lang="de-DE"/>
           </a:p>
@@ -6512,7 +6512,7 @@
           <a:p>
             <a:fld id="{D90341C6-B83F-F944-B0DF-A5D91789E42C}" type="slidenum">
               <a:rPr lang="de-DE" smtClean="0"/>
-              <a:t>‹Nr.›</a:t>
+              <a:t>‹#›</a:t>
             </a:fld>
             <a:endParaRPr lang="de-DE"/>
           </a:p>
@@ -6938,7 +6938,7 @@
           <a:p>
             <a:fld id="{97F8442F-7EFF-D846-8D33-E60C8BAB8488}" type="datetimeFigureOut">
               <a:rPr lang="de-DE" smtClean="0"/>
-              <a:t>03.04.19</a:t>
+              <a:t>09.04.19</a:t>
             </a:fld>
             <a:endParaRPr lang="de-DE"/>
           </a:p>
@@ -6980,7 +6980,7 @@
           <a:p>
             <a:fld id="{D90341C6-B83F-F944-B0DF-A5D91789E42C}" type="slidenum">
               <a:rPr lang="de-DE" smtClean="0"/>
-              <a:t>‹Nr.›</a:t>
+              <a:t>‹#›</a:t>
             </a:fld>
             <a:endParaRPr lang="de-DE"/>
           </a:p>
@@ -7195,7 +7195,7 @@
           <a:p>
             <a:fld id="{97F8442F-7EFF-D846-8D33-E60C8BAB8488}" type="datetimeFigureOut">
               <a:rPr lang="de-DE" smtClean="0"/>
-              <a:t>03.04.19</a:t>
+              <a:t>09.04.19</a:t>
             </a:fld>
             <a:endParaRPr lang="de-DE"/>
           </a:p>
@@ -7237,7 +7237,7 @@
           <a:p>
             <a:fld id="{D90341C6-B83F-F944-B0DF-A5D91789E42C}" type="slidenum">
               <a:rPr lang="de-DE" smtClean="0"/>
-              <a:t>‹Nr.›</a:t>
+              <a:t>‹#›</a:t>
             </a:fld>
             <a:endParaRPr lang="de-DE"/>
           </a:p>
@@ -7358,7 +7358,7 @@
           <a:p>
             <a:fld id="{97F8442F-7EFF-D846-8D33-E60C8BAB8488}" type="datetimeFigureOut">
               <a:rPr lang="de-DE" smtClean="0"/>
-              <a:t>03.04.19</a:t>
+              <a:t>09.04.19</a:t>
             </a:fld>
             <a:endParaRPr lang="de-DE"/>
           </a:p>
@@ -7400,7 +7400,7 @@
           <a:p>
             <a:fld id="{D90341C6-B83F-F944-B0DF-A5D91789E42C}" type="slidenum">
               <a:rPr lang="de-DE" smtClean="0"/>
-              <a:t>‹Nr.›</a:t>
+              <a:t>‹#›</a:t>
             </a:fld>
             <a:endParaRPr lang="de-DE"/>
           </a:p>
@@ -7729,7 +7729,7 @@
           <a:p>
             <a:fld id="{97F8442F-7EFF-D846-8D33-E60C8BAB8488}" type="datetimeFigureOut">
               <a:rPr lang="de-DE" smtClean="0"/>
-              <a:t>03.04.19</a:t>
+              <a:t>09.04.19</a:t>
             </a:fld>
             <a:endParaRPr lang="de-DE"/>
           </a:p>
@@ -7771,7 +7771,7 @@
           <a:p>
             <a:fld id="{D90341C6-B83F-F944-B0DF-A5D91789E42C}" type="slidenum">
               <a:rPr lang="de-DE" smtClean="0"/>
-              <a:t>‹Nr.›</a:t>
+              <a:t>‹#›</a:t>
             </a:fld>
             <a:endParaRPr lang="de-DE"/>
           </a:p>
@@ -8143,7 +8143,7 @@
           <a:p>
             <a:fld id="{97F8442F-7EFF-D846-8D33-E60C8BAB8488}" type="datetimeFigureOut">
               <a:rPr lang="de-DE" smtClean="0"/>
-              <a:t>03.04.19</a:t>
+              <a:t>09.04.19</a:t>
             </a:fld>
             <a:endParaRPr lang="de-DE"/>
           </a:p>
@@ -8185,7 +8185,7 @@
           <a:p>
             <a:fld id="{D90341C6-B83F-F944-B0DF-A5D91789E42C}" type="slidenum">
               <a:rPr lang="de-DE" smtClean="0"/>
-              <a:t>‹Nr.›</a:t>
+              <a:t>‹#›</a:t>
             </a:fld>
             <a:endParaRPr lang="de-DE"/>
           </a:p>
@@ -8363,7 +8363,7 @@
           <a:p>
             <a:fld id="{97F8442F-7EFF-D846-8D33-E60C8BAB8488}" type="datetimeFigureOut">
               <a:rPr lang="de-DE" smtClean="0"/>
-              <a:t>03.04.19</a:t>
+              <a:t>09.04.19</a:t>
             </a:fld>
             <a:endParaRPr lang="de-DE"/>
           </a:p>
@@ -8441,7 +8441,7 @@
           <a:p>
             <a:fld id="{D90341C6-B83F-F944-B0DF-A5D91789E42C}" type="slidenum">
               <a:rPr lang="de-DE" smtClean="0"/>
-              <a:t>‹Nr.›</a:t>
+              <a:t>‹#›</a:t>
             </a:fld>
             <a:endParaRPr lang="de-DE"/>
           </a:p>
@@ -12780,6 +12780,81 @@
                 <a:hlinkClick r:id="rId6"/>
               </a:rPr>
               <a:t>https://devdocs.io/</a:t>
+            </a:r>
+            <a:br>
+              <a:rPr lang="de-DE" dirty="0"/>
+            </a:br>
+            <a:br>
+              <a:rPr lang="de-DE" dirty="0"/>
+            </a:br>
+            <a:r>
+              <a:rPr lang="en-US" dirty="0"/>
+              <a:t>Die </a:t>
+            </a:r>
+            <a:r>
+              <a:rPr lang="en-US" dirty="0" err="1"/>
+              <a:t>Übungen</a:t>
+            </a:r>
+            <a:r>
+              <a:rPr lang="en-US" dirty="0"/>
+              <a:t> und </a:t>
+            </a:r>
+            <a:r>
+              <a:rPr lang="en-US" dirty="0" err="1"/>
+              <a:t>diese</a:t>
+            </a:r>
+            <a:r>
+              <a:rPr lang="en-US" dirty="0"/>
+              <a:t> </a:t>
+            </a:r>
+            <a:r>
+              <a:rPr lang="en-US" dirty="0" err="1"/>
+              <a:t>Präsentation</a:t>
+            </a:r>
+            <a:r>
+              <a:rPr lang="en-US" dirty="0"/>
+              <a:t> </a:t>
+            </a:r>
+            <a:r>
+              <a:rPr lang="en-US" dirty="0" err="1"/>
+              <a:t>sind</a:t>
+            </a:r>
+            <a:r>
+              <a:rPr lang="en-US" dirty="0"/>
+              <a:t> </a:t>
+            </a:r>
+            <a:r>
+              <a:rPr lang="en-US" dirty="0" err="1"/>
+              <a:t>zu</a:t>
+            </a:r>
+            <a:r>
+              <a:rPr lang="en-US" dirty="0"/>
+              <a:t> </a:t>
+            </a:r>
+            <a:r>
+              <a:rPr lang="en-US" dirty="0" err="1"/>
+              <a:t>finden</a:t>
+            </a:r>
+            <a:r>
+              <a:rPr lang="en-US" dirty="0"/>
+              <a:t> </a:t>
+            </a:r>
+            <a:r>
+              <a:rPr lang="en-US" dirty="0" err="1"/>
+              <a:t>unter</a:t>
+            </a:r>
+            <a:r>
+              <a:rPr lang="en-US" dirty="0"/>
+              <a:t>:</a:t>
+            </a:r>
+            <a:br>
+              <a:rPr lang="en-US" dirty="0"/>
+            </a:br>
+            <a:r>
+              <a:rPr lang="en-US" dirty="0">
+                <a:hlinkClick r:id="rId7"/>
+              </a:rPr>
+              <a:t>https://github.com/TomFrey/htmlCssBasicUebungen</a:t>
             </a:r>
             <a:endParaRPr lang="de-DE" dirty="0"/>
           </a:p>
